--- a/TrainingDeck.pptx
+++ b/TrainingDeck.pptx
@@ -5,26 +5,29 @@
     <p:sldMasterId id="2147483648" r:id="rId1"/>
   </p:sldMasterIdLst>
   <p:notesMasterIdLst>
-    <p:notesMasterId r:id="rId11"/>
+    <p:notesMasterId r:id="rId14"/>
   </p:notesMasterIdLst>
   <p:handoutMasterIdLst>
-    <p:handoutMasterId r:id="rId12"/>
+    <p:handoutMasterId r:id="rId15"/>
   </p:handoutMasterIdLst>
   <p:sldIdLst>
     <p:sldId id="761" r:id="rId2"/>
     <p:sldId id="443" r:id="rId3"/>
-    <p:sldId id="778" r:id="rId4"/>
-    <p:sldId id="774" r:id="rId5"/>
-    <p:sldId id="775" r:id="rId6"/>
-    <p:sldId id="777" r:id="rId7"/>
-    <p:sldId id="776" r:id="rId8"/>
-    <p:sldId id="779" r:id="rId9"/>
-    <p:sldId id="773" r:id="rId10"/>
+    <p:sldId id="781" r:id="rId4"/>
+    <p:sldId id="782" r:id="rId5"/>
+    <p:sldId id="778" r:id="rId6"/>
+    <p:sldId id="774" r:id="rId7"/>
+    <p:sldId id="775" r:id="rId8"/>
+    <p:sldId id="777" r:id="rId9"/>
+    <p:sldId id="776" r:id="rId10"/>
+    <p:sldId id="779" r:id="rId11"/>
+    <p:sldId id="773" r:id="rId12"/>
+    <p:sldId id="783" r:id="rId13"/>
   </p:sldIdLst>
   <p:sldSz cx="9144000" cy="6858000" type="screen4x3"/>
   <p:notesSz cx="7315200" cy="9601200"/>
   <p:custDataLst>
-    <p:tags r:id="rId13"/>
+    <p:tags r:id="rId16"/>
   </p:custDataLst>
   <p:defaultTextStyle>
     <a:defPPr>
@@ -209,6 +212,2576 @@
 </p:presentation>
 </file>
 
+<file path=ppt/diagrams/colors1.xml><?xml version="1.0" encoding="utf-8"?>
+<dgm:colorsDef xmlns:dgm="http://schemas.openxmlformats.org/drawingml/2006/diagram" xmlns:a="http://schemas.openxmlformats.org/drawingml/2006/main" uniqueId="urn:microsoft.com/office/officeart/2005/8/colors/accent1_2">
+  <dgm:title val=""/>
+  <dgm:desc val=""/>
+  <dgm:catLst>
+    <dgm:cat type="accent1" pri="11200"/>
+  </dgm:catLst>
+  <dgm:styleLbl name="node0">
+    <dgm:fillClrLst meth="repeat">
+      <a:schemeClr val="accent1"/>
+    </dgm:fillClrLst>
+    <dgm:linClrLst meth="repeat">
+      <a:schemeClr val="lt1"/>
+    </dgm:linClrLst>
+    <dgm:effectClrLst/>
+    <dgm:txLinClrLst/>
+    <dgm:txFillClrLst/>
+    <dgm:txEffectClrLst/>
+  </dgm:styleLbl>
+  <dgm:styleLbl name="alignNode1">
+    <dgm:fillClrLst meth="repeat">
+      <a:schemeClr val="accent1"/>
+    </dgm:fillClrLst>
+    <dgm:linClrLst meth="repeat">
+      <a:schemeClr val="accent1"/>
+    </dgm:linClrLst>
+    <dgm:effectClrLst/>
+    <dgm:txLinClrLst/>
+    <dgm:txFillClrLst/>
+    <dgm:txEffectClrLst/>
+  </dgm:styleLbl>
+  <dgm:styleLbl name="node1">
+    <dgm:fillClrLst meth="repeat">
+      <a:schemeClr val="accent1"/>
+    </dgm:fillClrLst>
+    <dgm:linClrLst meth="repeat">
+      <a:schemeClr val="lt1"/>
+    </dgm:linClrLst>
+    <dgm:effectClrLst/>
+    <dgm:txLinClrLst/>
+    <dgm:txFillClrLst/>
+    <dgm:txEffectClrLst/>
+  </dgm:styleLbl>
+  <dgm:styleLbl name="lnNode1">
+    <dgm:fillClrLst meth="repeat">
+      <a:schemeClr val="accent1"/>
+    </dgm:fillClrLst>
+    <dgm:linClrLst meth="repeat">
+      <a:schemeClr val="lt1"/>
+    </dgm:linClrLst>
+    <dgm:effectClrLst/>
+    <dgm:txLinClrLst/>
+    <dgm:txFillClrLst/>
+    <dgm:txEffectClrLst/>
+  </dgm:styleLbl>
+  <dgm:styleLbl name="vennNode1">
+    <dgm:fillClrLst meth="repeat">
+      <a:schemeClr val="accent1">
+        <a:alpha val="50000"/>
+      </a:schemeClr>
+    </dgm:fillClrLst>
+    <dgm:linClrLst meth="repeat">
+      <a:schemeClr val="lt1"/>
+    </dgm:linClrLst>
+    <dgm:effectClrLst/>
+    <dgm:txLinClrLst/>
+    <dgm:txFillClrLst/>
+    <dgm:txEffectClrLst/>
+  </dgm:styleLbl>
+  <dgm:styleLbl name="node2">
+    <dgm:fillClrLst meth="repeat">
+      <a:schemeClr val="accent1"/>
+    </dgm:fillClrLst>
+    <dgm:linClrLst meth="repeat">
+      <a:schemeClr val="lt1"/>
+    </dgm:linClrLst>
+    <dgm:effectClrLst/>
+    <dgm:txLinClrLst/>
+    <dgm:txFillClrLst/>
+    <dgm:txEffectClrLst/>
+  </dgm:styleLbl>
+  <dgm:styleLbl name="node3">
+    <dgm:fillClrLst meth="repeat">
+      <a:schemeClr val="accent1"/>
+    </dgm:fillClrLst>
+    <dgm:linClrLst meth="repeat">
+      <a:schemeClr val="lt1"/>
+    </dgm:linClrLst>
+    <dgm:effectClrLst/>
+    <dgm:txLinClrLst/>
+    <dgm:txFillClrLst/>
+    <dgm:txEffectClrLst/>
+  </dgm:styleLbl>
+  <dgm:styleLbl name="node4">
+    <dgm:fillClrLst meth="repeat">
+      <a:schemeClr val="accent1"/>
+    </dgm:fillClrLst>
+    <dgm:linClrLst meth="repeat">
+      <a:schemeClr val="lt1"/>
+    </dgm:linClrLst>
+    <dgm:effectClrLst/>
+    <dgm:txLinClrLst/>
+    <dgm:txFillClrLst/>
+    <dgm:txEffectClrLst/>
+  </dgm:styleLbl>
+  <dgm:styleLbl name="fgImgPlace1">
+    <dgm:fillClrLst meth="repeat">
+      <a:schemeClr val="accent1">
+        <a:tint val="50000"/>
+      </a:schemeClr>
+    </dgm:fillClrLst>
+    <dgm:linClrLst meth="repeat">
+      <a:schemeClr val="lt1"/>
+    </dgm:linClrLst>
+    <dgm:effectClrLst/>
+    <dgm:txLinClrLst/>
+    <dgm:txFillClrLst meth="repeat">
+      <a:schemeClr val="lt1"/>
+    </dgm:txFillClrLst>
+    <dgm:txEffectClrLst/>
+  </dgm:styleLbl>
+  <dgm:styleLbl name="alignImgPlace1">
+    <dgm:fillClrLst meth="repeat">
+      <a:schemeClr val="accent1">
+        <a:tint val="50000"/>
+      </a:schemeClr>
+    </dgm:fillClrLst>
+    <dgm:linClrLst meth="repeat">
+      <a:schemeClr val="lt1"/>
+    </dgm:linClrLst>
+    <dgm:effectClrLst/>
+    <dgm:txLinClrLst/>
+    <dgm:txFillClrLst meth="repeat">
+      <a:schemeClr val="lt1"/>
+    </dgm:txFillClrLst>
+    <dgm:txEffectClrLst/>
+  </dgm:styleLbl>
+  <dgm:styleLbl name="bgImgPlace1">
+    <dgm:fillClrLst meth="repeat">
+      <a:schemeClr val="accent1">
+        <a:tint val="50000"/>
+      </a:schemeClr>
+    </dgm:fillClrLst>
+    <dgm:linClrLst meth="repeat">
+      <a:schemeClr val="lt1"/>
+    </dgm:linClrLst>
+    <dgm:effectClrLst/>
+    <dgm:txLinClrLst/>
+    <dgm:txFillClrLst meth="repeat">
+      <a:schemeClr val="lt1"/>
+    </dgm:txFillClrLst>
+    <dgm:txEffectClrLst/>
+  </dgm:styleLbl>
+  <dgm:styleLbl name="sibTrans2D1">
+    <dgm:fillClrLst meth="repeat">
+      <a:schemeClr val="accent1">
+        <a:tint val="60000"/>
+      </a:schemeClr>
+    </dgm:fillClrLst>
+    <dgm:linClrLst meth="repeat">
+      <a:schemeClr val="accent1">
+        <a:tint val="60000"/>
+      </a:schemeClr>
+    </dgm:linClrLst>
+    <dgm:effectClrLst/>
+    <dgm:txLinClrLst/>
+    <dgm:txFillClrLst/>
+    <dgm:txEffectClrLst/>
+  </dgm:styleLbl>
+  <dgm:styleLbl name="fgSibTrans2D1">
+    <dgm:fillClrLst meth="repeat">
+      <a:schemeClr val="accent1">
+        <a:tint val="60000"/>
+      </a:schemeClr>
+    </dgm:fillClrLst>
+    <dgm:linClrLst meth="repeat">
+      <a:schemeClr val="accent1">
+        <a:tint val="60000"/>
+      </a:schemeClr>
+    </dgm:linClrLst>
+    <dgm:effectClrLst/>
+    <dgm:txLinClrLst/>
+    <dgm:txFillClrLst/>
+    <dgm:txEffectClrLst/>
+  </dgm:styleLbl>
+  <dgm:styleLbl name="bgSibTrans2D1">
+    <dgm:fillClrLst meth="repeat">
+      <a:schemeClr val="accent1">
+        <a:tint val="60000"/>
+      </a:schemeClr>
+    </dgm:fillClrLst>
+    <dgm:linClrLst meth="repeat">
+      <a:schemeClr val="accent1">
+        <a:tint val="60000"/>
+      </a:schemeClr>
+    </dgm:linClrLst>
+    <dgm:effectClrLst/>
+    <dgm:txLinClrLst/>
+    <dgm:txFillClrLst/>
+    <dgm:txEffectClrLst/>
+  </dgm:styleLbl>
+  <dgm:styleLbl name="sibTrans1D1">
+    <dgm:fillClrLst meth="repeat">
+      <a:schemeClr val="accent1"/>
+    </dgm:fillClrLst>
+    <dgm:linClrLst meth="repeat">
+      <a:schemeClr val="accent1"/>
+    </dgm:linClrLst>
+    <dgm:effectClrLst/>
+    <dgm:txLinClrLst/>
+    <dgm:txFillClrLst meth="repeat">
+      <a:schemeClr val="tx1"/>
+    </dgm:txFillClrLst>
+    <dgm:txEffectClrLst/>
+  </dgm:styleLbl>
+  <dgm:styleLbl name="callout">
+    <dgm:fillClrLst meth="repeat">
+      <a:schemeClr val="accent1"/>
+    </dgm:fillClrLst>
+    <dgm:linClrLst meth="repeat">
+      <a:schemeClr val="accent1">
+        <a:tint val="50000"/>
+      </a:schemeClr>
+    </dgm:linClrLst>
+    <dgm:effectClrLst/>
+    <dgm:txLinClrLst/>
+    <dgm:txFillClrLst meth="repeat">
+      <a:schemeClr val="tx1"/>
+    </dgm:txFillClrLst>
+    <dgm:txEffectClrLst/>
+  </dgm:styleLbl>
+  <dgm:styleLbl name="asst0">
+    <dgm:fillClrLst meth="repeat">
+      <a:schemeClr val="accent1"/>
+    </dgm:fillClrLst>
+    <dgm:linClrLst meth="repeat">
+      <a:schemeClr val="lt1"/>
+    </dgm:linClrLst>
+    <dgm:effectClrLst/>
+    <dgm:txLinClrLst/>
+    <dgm:txFillClrLst/>
+    <dgm:txEffectClrLst/>
+  </dgm:styleLbl>
+  <dgm:styleLbl name="asst1">
+    <dgm:fillClrLst meth="repeat">
+      <a:schemeClr val="accent1"/>
+    </dgm:fillClrLst>
+    <dgm:linClrLst meth="repeat">
+      <a:schemeClr val="lt1"/>
+    </dgm:linClrLst>
+    <dgm:effectClrLst/>
+    <dgm:txLinClrLst/>
+    <dgm:txFillClrLst/>
+    <dgm:txEffectClrLst/>
+  </dgm:styleLbl>
+  <dgm:styleLbl name="asst2">
+    <dgm:fillClrLst meth="repeat">
+      <a:schemeClr val="accent1"/>
+    </dgm:fillClrLst>
+    <dgm:linClrLst meth="repeat">
+      <a:schemeClr val="lt1"/>
+    </dgm:linClrLst>
+    <dgm:effectClrLst/>
+    <dgm:txLinClrLst/>
+    <dgm:txFillClrLst/>
+    <dgm:txEffectClrLst/>
+  </dgm:styleLbl>
+  <dgm:styleLbl name="asst3">
+    <dgm:fillClrLst meth="repeat">
+      <a:schemeClr val="accent1"/>
+    </dgm:fillClrLst>
+    <dgm:linClrLst meth="repeat">
+      <a:schemeClr val="lt1"/>
+    </dgm:linClrLst>
+    <dgm:effectClrLst/>
+    <dgm:txLinClrLst/>
+    <dgm:txFillClrLst/>
+    <dgm:txEffectClrLst/>
+  </dgm:styleLbl>
+  <dgm:styleLbl name="asst4">
+    <dgm:fillClrLst meth="repeat">
+      <a:schemeClr val="accent1"/>
+    </dgm:fillClrLst>
+    <dgm:linClrLst meth="repeat">
+      <a:schemeClr val="lt1"/>
+    </dgm:linClrLst>
+    <dgm:effectClrLst/>
+    <dgm:txLinClrLst/>
+    <dgm:txFillClrLst/>
+    <dgm:txEffectClrLst/>
+  </dgm:styleLbl>
+  <dgm:styleLbl name="parChTrans2D1">
+    <dgm:fillClrLst meth="repeat">
+      <a:schemeClr val="accent1">
+        <a:tint val="60000"/>
+      </a:schemeClr>
+    </dgm:fillClrLst>
+    <dgm:linClrLst meth="repeat">
+      <a:schemeClr val="accent1">
+        <a:tint val="60000"/>
+      </a:schemeClr>
+    </dgm:linClrLst>
+    <dgm:effectClrLst/>
+    <dgm:txLinClrLst/>
+    <dgm:txFillClrLst meth="repeat">
+      <a:schemeClr val="lt1"/>
+    </dgm:txFillClrLst>
+    <dgm:txEffectClrLst/>
+  </dgm:styleLbl>
+  <dgm:styleLbl name="parChTrans2D2">
+    <dgm:fillClrLst meth="repeat">
+      <a:schemeClr val="accent1"/>
+    </dgm:fillClrLst>
+    <dgm:linClrLst meth="repeat">
+      <a:schemeClr val="accent1"/>
+    </dgm:linClrLst>
+    <dgm:effectClrLst/>
+    <dgm:txLinClrLst/>
+    <dgm:txFillClrLst meth="repeat">
+      <a:schemeClr val="lt1"/>
+    </dgm:txFillClrLst>
+    <dgm:txEffectClrLst/>
+  </dgm:styleLbl>
+  <dgm:styleLbl name="parChTrans2D3">
+    <dgm:fillClrLst meth="repeat">
+      <a:schemeClr val="accent1"/>
+    </dgm:fillClrLst>
+    <dgm:linClrLst meth="repeat">
+      <a:schemeClr val="accent1"/>
+    </dgm:linClrLst>
+    <dgm:effectClrLst/>
+    <dgm:txLinClrLst/>
+    <dgm:txFillClrLst meth="repeat">
+      <a:schemeClr val="lt1"/>
+    </dgm:txFillClrLst>
+    <dgm:txEffectClrLst/>
+  </dgm:styleLbl>
+  <dgm:styleLbl name="parChTrans2D4">
+    <dgm:fillClrLst meth="repeat">
+      <a:schemeClr val="accent1"/>
+    </dgm:fillClrLst>
+    <dgm:linClrLst meth="repeat">
+      <a:schemeClr val="accent1"/>
+    </dgm:linClrLst>
+    <dgm:effectClrLst/>
+    <dgm:txLinClrLst/>
+    <dgm:txFillClrLst meth="repeat">
+      <a:schemeClr val="lt1"/>
+    </dgm:txFillClrLst>
+    <dgm:txEffectClrLst/>
+  </dgm:styleLbl>
+  <dgm:styleLbl name="parChTrans1D1">
+    <dgm:fillClrLst meth="repeat">
+      <a:schemeClr val="accent1"/>
+    </dgm:fillClrLst>
+    <dgm:linClrLst meth="repeat">
+      <a:schemeClr val="accent1">
+        <a:shade val="60000"/>
+      </a:schemeClr>
+    </dgm:linClrLst>
+    <dgm:effectClrLst/>
+    <dgm:txLinClrLst/>
+    <dgm:txFillClrLst meth="repeat">
+      <a:schemeClr val="tx1"/>
+    </dgm:txFillClrLst>
+    <dgm:txEffectClrLst/>
+  </dgm:styleLbl>
+  <dgm:styleLbl name="parChTrans1D2">
+    <dgm:fillClrLst meth="repeat">
+      <a:schemeClr val="accent1"/>
+    </dgm:fillClrLst>
+    <dgm:linClrLst meth="repeat">
+      <a:schemeClr val="accent1">
+        <a:shade val="60000"/>
+      </a:schemeClr>
+    </dgm:linClrLst>
+    <dgm:effectClrLst/>
+    <dgm:txLinClrLst/>
+    <dgm:txFillClrLst meth="repeat">
+      <a:schemeClr val="tx1"/>
+    </dgm:txFillClrLst>
+    <dgm:txEffectClrLst/>
+  </dgm:styleLbl>
+  <dgm:styleLbl name="parChTrans1D3">
+    <dgm:fillClrLst meth="repeat">
+      <a:schemeClr val="accent1"/>
+    </dgm:fillClrLst>
+    <dgm:linClrLst meth="repeat">
+      <a:schemeClr val="accent1">
+        <a:shade val="80000"/>
+      </a:schemeClr>
+    </dgm:linClrLst>
+    <dgm:effectClrLst/>
+    <dgm:txLinClrLst/>
+    <dgm:txFillClrLst meth="repeat">
+      <a:schemeClr val="tx1"/>
+    </dgm:txFillClrLst>
+    <dgm:txEffectClrLst/>
+  </dgm:styleLbl>
+  <dgm:styleLbl name="parChTrans1D4">
+    <dgm:fillClrLst meth="repeat">
+      <a:schemeClr val="accent1"/>
+    </dgm:fillClrLst>
+    <dgm:linClrLst meth="repeat">
+      <a:schemeClr val="accent1">
+        <a:shade val="80000"/>
+      </a:schemeClr>
+    </dgm:linClrLst>
+    <dgm:effectClrLst/>
+    <dgm:txLinClrLst/>
+    <dgm:txFillClrLst meth="repeat">
+      <a:schemeClr val="tx1"/>
+    </dgm:txFillClrLst>
+    <dgm:txEffectClrLst/>
+  </dgm:styleLbl>
+  <dgm:styleLbl name="fgAcc1">
+    <dgm:fillClrLst meth="repeat">
+      <a:schemeClr val="lt1">
+        <a:alpha val="90000"/>
+      </a:schemeClr>
+    </dgm:fillClrLst>
+    <dgm:linClrLst meth="repeat">
+      <a:schemeClr val="accent1"/>
+    </dgm:linClrLst>
+    <dgm:effectClrLst/>
+    <dgm:txLinClrLst/>
+    <dgm:txFillClrLst meth="repeat">
+      <a:schemeClr val="dk1"/>
+    </dgm:txFillClrLst>
+    <dgm:txEffectClrLst/>
+  </dgm:styleLbl>
+  <dgm:styleLbl name="conFgAcc1">
+    <dgm:fillClrLst meth="repeat">
+      <a:schemeClr val="lt1">
+        <a:alpha val="90000"/>
+      </a:schemeClr>
+    </dgm:fillClrLst>
+    <dgm:linClrLst meth="repeat">
+      <a:schemeClr val="accent1"/>
+    </dgm:linClrLst>
+    <dgm:effectClrLst/>
+    <dgm:txLinClrLst/>
+    <dgm:txFillClrLst meth="repeat">
+      <a:schemeClr val="dk1"/>
+    </dgm:txFillClrLst>
+    <dgm:txEffectClrLst/>
+  </dgm:styleLbl>
+  <dgm:styleLbl name="alignAcc1">
+    <dgm:fillClrLst meth="repeat">
+      <a:schemeClr val="lt1">
+        <a:alpha val="90000"/>
+      </a:schemeClr>
+    </dgm:fillClrLst>
+    <dgm:linClrLst meth="repeat">
+      <a:schemeClr val="accent1"/>
+    </dgm:linClrLst>
+    <dgm:effectClrLst/>
+    <dgm:txLinClrLst/>
+    <dgm:txFillClrLst meth="repeat">
+      <a:schemeClr val="dk1"/>
+    </dgm:txFillClrLst>
+    <dgm:txEffectClrLst/>
+  </dgm:styleLbl>
+  <dgm:styleLbl name="trAlignAcc1">
+    <dgm:fillClrLst meth="repeat">
+      <a:schemeClr val="lt1">
+        <a:alpha val="40000"/>
+      </a:schemeClr>
+    </dgm:fillClrLst>
+    <dgm:linClrLst meth="repeat">
+      <a:schemeClr val="accent1"/>
+    </dgm:linClrLst>
+    <dgm:effectClrLst/>
+    <dgm:txLinClrLst/>
+    <dgm:txFillClrLst meth="repeat">
+      <a:schemeClr val="dk1"/>
+    </dgm:txFillClrLst>
+    <dgm:txEffectClrLst/>
+  </dgm:styleLbl>
+  <dgm:styleLbl name="bgAcc1">
+    <dgm:fillClrLst meth="repeat">
+      <a:schemeClr val="lt1">
+        <a:alpha val="90000"/>
+      </a:schemeClr>
+    </dgm:fillClrLst>
+    <dgm:linClrLst meth="repeat">
+      <a:schemeClr val="accent1"/>
+    </dgm:linClrLst>
+    <dgm:effectClrLst/>
+    <dgm:txLinClrLst/>
+    <dgm:txFillClrLst meth="repeat">
+      <a:schemeClr val="dk1"/>
+    </dgm:txFillClrLst>
+    <dgm:txEffectClrLst/>
+  </dgm:styleLbl>
+  <dgm:styleLbl name="solidFgAcc1">
+    <dgm:fillClrLst meth="repeat">
+      <a:schemeClr val="lt1"/>
+    </dgm:fillClrLst>
+    <dgm:linClrLst meth="repeat">
+      <a:schemeClr val="accent1"/>
+    </dgm:linClrLst>
+    <dgm:effectClrLst/>
+    <dgm:txLinClrLst/>
+    <dgm:txFillClrLst meth="repeat">
+      <a:schemeClr val="dk1"/>
+    </dgm:txFillClrLst>
+    <dgm:txEffectClrLst/>
+  </dgm:styleLbl>
+  <dgm:styleLbl name="solidAlignAcc1">
+    <dgm:fillClrLst meth="repeat">
+      <a:schemeClr val="lt1"/>
+    </dgm:fillClrLst>
+    <dgm:linClrLst meth="repeat">
+      <a:schemeClr val="accent1"/>
+    </dgm:linClrLst>
+    <dgm:effectClrLst/>
+    <dgm:txLinClrLst/>
+    <dgm:txFillClrLst meth="repeat">
+      <a:schemeClr val="dk1"/>
+    </dgm:txFillClrLst>
+    <dgm:txEffectClrLst/>
+  </dgm:styleLbl>
+  <dgm:styleLbl name="solidBgAcc1">
+    <dgm:fillClrLst meth="repeat">
+      <a:schemeClr val="lt1"/>
+    </dgm:fillClrLst>
+    <dgm:linClrLst meth="repeat">
+      <a:schemeClr val="accent1"/>
+    </dgm:linClrLst>
+    <dgm:effectClrLst/>
+    <dgm:txLinClrLst/>
+    <dgm:txFillClrLst meth="repeat">
+      <a:schemeClr val="dk1"/>
+    </dgm:txFillClrLst>
+    <dgm:txEffectClrLst/>
+  </dgm:styleLbl>
+  <dgm:styleLbl name="fgAccFollowNode1">
+    <dgm:fillClrLst meth="repeat">
+      <a:schemeClr val="accent1">
+        <a:alpha val="90000"/>
+        <a:tint val="40000"/>
+      </a:schemeClr>
+    </dgm:fillClrLst>
+    <dgm:linClrLst meth="repeat">
+      <a:schemeClr val="accent1">
+        <a:alpha val="90000"/>
+        <a:tint val="40000"/>
+      </a:schemeClr>
+    </dgm:linClrLst>
+    <dgm:effectClrLst/>
+    <dgm:txLinClrLst/>
+    <dgm:txFillClrLst meth="repeat">
+      <a:schemeClr val="dk1"/>
+    </dgm:txFillClrLst>
+    <dgm:txEffectClrLst/>
+  </dgm:styleLbl>
+  <dgm:styleLbl name="alignAccFollowNode1">
+    <dgm:fillClrLst meth="repeat">
+      <a:schemeClr val="accent1">
+        <a:alpha val="90000"/>
+        <a:tint val="40000"/>
+      </a:schemeClr>
+    </dgm:fillClrLst>
+    <dgm:linClrLst meth="repeat">
+      <a:schemeClr val="accent1">
+        <a:alpha val="90000"/>
+        <a:tint val="40000"/>
+      </a:schemeClr>
+    </dgm:linClrLst>
+    <dgm:effectClrLst/>
+    <dgm:txLinClrLst/>
+    <dgm:txFillClrLst meth="repeat">
+      <a:schemeClr val="dk1"/>
+    </dgm:txFillClrLst>
+    <dgm:txEffectClrLst/>
+  </dgm:styleLbl>
+  <dgm:styleLbl name="bgAccFollowNode1">
+    <dgm:fillClrLst meth="repeat">
+      <a:schemeClr val="accent1">
+        <a:alpha val="90000"/>
+        <a:tint val="40000"/>
+      </a:schemeClr>
+    </dgm:fillClrLst>
+    <dgm:linClrLst meth="repeat">
+      <a:schemeClr val="accent1">
+        <a:alpha val="90000"/>
+        <a:tint val="40000"/>
+      </a:schemeClr>
+    </dgm:linClrLst>
+    <dgm:effectClrLst/>
+    <dgm:txLinClrLst/>
+    <dgm:txFillClrLst meth="repeat">
+      <a:schemeClr val="dk1"/>
+    </dgm:txFillClrLst>
+    <dgm:txEffectClrLst/>
+  </dgm:styleLbl>
+  <dgm:styleLbl name="fgAcc0">
+    <dgm:fillClrLst meth="repeat">
+      <a:schemeClr val="lt1">
+        <a:alpha val="90000"/>
+      </a:schemeClr>
+    </dgm:fillClrLst>
+    <dgm:linClrLst meth="repeat">
+      <a:schemeClr val="accent1"/>
+    </dgm:linClrLst>
+    <dgm:effectClrLst/>
+    <dgm:txLinClrLst/>
+    <dgm:txFillClrLst meth="repeat">
+      <a:schemeClr val="dk1"/>
+    </dgm:txFillClrLst>
+    <dgm:txEffectClrLst/>
+  </dgm:styleLbl>
+  <dgm:styleLbl name="fgAcc2">
+    <dgm:fillClrLst meth="repeat">
+      <a:schemeClr val="lt1">
+        <a:alpha val="90000"/>
+      </a:schemeClr>
+    </dgm:fillClrLst>
+    <dgm:linClrLst meth="repeat">
+      <a:schemeClr val="accent1"/>
+    </dgm:linClrLst>
+    <dgm:effectClrLst/>
+    <dgm:txLinClrLst/>
+    <dgm:txFillClrLst meth="repeat">
+      <a:schemeClr val="dk1"/>
+    </dgm:txFillClrLst>
+    <dgm:txEffectClrLst/>
+  </dgm:styleLbl>
+  <dgm:styleLbl name="fgAcc3">
+    <dgm:fillClrLst meth="repeat">
+      <a:schemeClr val="lt1">
+        <a:alpha val="90000"/>
+      </a:schemeClr>
+    </dgm:fillClrLst>
+    <dgm:linClrLst meth="repeat">
+      <a:schemeClr val="accent1"/>
+    </dgm:linClrLst>
+    <dgm:effectClrLst/>
+    <dgm:txLinClrLst/>
+    <dgm:txFillClrLst meth="repeat">
+      <a:schemeClr val="dk1"/>
+    </dgm:txFillClrLst>
+    <dgm:txEffectClrLst/>
+  </dgm:styleLbl>
+  <dgm:styleLbl name="fgAcc4">
+    <dgm:fillClrLst meth="repeat">
+      <a:schemeClr val="lt1">
+        <a:alpha val="90000"/>
+      </a:schemeClr>
+    </dgm:fillClrLst>
+    <dgm:linClrLst meth="repeat">
+      <a:schemeClr val="accent1"/>
+    </dgm:linClrLst>
+    <dgm:effectClrLst/>
+    <dgm:txLinClrLst/>
+    <dgm:txFillClrLst meth="repeat">
+      <a:schemeClr val="dk1"/>
+    </dgm:txFillClrLst>
+    <dgm:txEffectClrLst/>
+  </dgm:styleLbl>
+  <dgm:styleLbl name="bgShp">
+    <dgm:fillClrLst meth="repeat">
+      <a:schemeClr val="accent1">
+        <a:tint val="40000"/>
+      </a:schemeClr>
+    </dgm:fillClrLst>
+    <dgm:linClrLst meth="repeat">
+      <a:schemeClr val="accent1"/>
+    </dgm:linClrLst>
+    <dgm:effectClrLst/>
+    <dgm:txLinClrLst/>
+    <dgm:txFillClrLst meth="repeat">
+      <a:schemeClr val="dk1"/>
+    </dgm:txFillClrLst>
+    <dgm:txEffectClrLst/>
+  </dgm:styleLbl>
+  <dgm:styleLbl name="dkBgShp">
+    <dgm:fillClrLst meth="repeat">
+      <a:schemeClr val="accent1">
+        <a:shade val="80000"/>
+      </a:schemeClr>
+    </dgm:fillClrLst>
+    <dgm:linClrLst meth="repeat">
+      <a:schemeClr val="accent1"/>
+    </dgm:linClrLst>
+    <dgm:effectClrLst/>
+    <dgm:txLinClrLst/>
+    <dgm:txFillClrLst meth="repeat">
+      <a:schemeClr val="lt1"/>
+    </dgm:txFillClrLst>
+    <dgm:txEffectClrLst/>
+  </dgm:styleLbl>
+  <dgm:styleLbl name="trBgShp">
+    <dgm:fillClrLst meth="repeat">
+      <a:schemeClr val="accent1">
+        <a:tint val="50000"/>
+        <a:alpha val="40000"/>
+      </a:schemeClr>
+    </dgm:fillClrLst>
+    <dgm:linClrLst meth="repeat">
+      <a:schemeClr val="accent1"/>
+    </dgm:linClrLst>
+    <dgm:effectClrLst/>
+    <dgm:txLinClrLst/>
+    <dgm:txFillClrLst meth="repeat">
+      <a:schemeClr val="lt1"/>
+    </dgm:txFillClrLst>
+    <dgm:txEffectClrLst/>
+  </dgm:styleLbl>
+  <dgm:styleLbl name="fgShp">
+    <dgm:fillClrLst meth="repeat">
+      <a:schemeClr val="accent1">
+        <a:tint val="60000"/>
+      </a:schemeClr>
+    </dgm:fillClrLst>
+    <dgm:linClrLst meth="repeat">
+      <a:schemeClr val="lt1"/>
+    </dgm:linClrLst>
+    <dgm:effectClrLst/>
+    <dgm:txLinClrLst/>
+    <dgm:txFillClrLst meth="repeat">
+      <a:schemeClr val="dk1"/>
+    </dgm:txFillClrLst>
+    <dgm:txEffectClrLst/>
+  </dgm:styleLbl>
+  <dgm:styleLbl name="revTx">
+    <dgm:fillClrLst meth="repeat">
+      <a:schemeClr val="lt1">
+        <a:alpha val="0"/>
+      </a:schemeClr>
+    </dgm:fillClrLst>
+    <dgm:linClrLst meth="repeat">
+      <a:schemeClr val="dk1">
+        <a:alpha val="0"/>
+      </a:schemeClr>
+    </dgm:linClrLst>
+    <dgm:effectClrLst/>
+    <dgm:txLinClrLst/>
+    <dgm:txFillClrLst meth="repeat">
+      <a:schemeClr val="tx1"/>
+    </dgm:txFillClrLst>
+    <dgm:txEffectClrLst/>
+  </dgm:styleLbl>
+</dgm:colorsDef>
+</file>
+
+<file path=ppt/diagrams/data1.xml><?xml version="1.0" encoding="utf-8"?>
+<dgm:dataModel xmlns:dgm="http://schemas.openxmlformats.org/drawingml/2006/diagram" xmlns:a="http://schemas.openxmlformats.org/drawingml/2006/main">
+  <dgm:ptLst>
+    <dgm:pt modelId="{16ACE25D-EE52-4383-AEFB-EA11454A564C}" type="doc">
+      <dgm:prSet loTypeId="urn:microsoft.com/office/officeart/2005/8/layout/process1" loCatId="process" qsTypeId="urn:microsoft.com/office/officeart/2005/8/quickstyle/simple1" qsCatId="simple" csTypeId="urn:microsoft.com/office/officeart/2005/8/colors/accent1_2" csCatId="accent1" phldr="1"/>
+      <dgm:spPr/>
+      <dgm:t>
+        <a:bodyPr/>
+        <a:lstStyle/>
+        <a:p>
+          <a:endParaRPr lang="en-US"/>
+        </a:p>
+      </dgm:t>
+    </dgm:pt>
+    <dgm:pt modelId="{1F7D71D8-2570-4906-B046-3FDD752AD945}">
+      <dgm:prSet phldrT="[Text]" custT="1"/>
+      <dgm:spPr/>
+      <dgm:t>
+        <a:bodyPr/>
+        <a:lstStyle/>
+        <a:p>
+          <a:r>
+            <a:rPr lang="en-US" sz="1600" dirty="0">
+              <a:solidFill>
+                <a:sysClr val="windowText" lastClr="000000"/>
+              </a:solidFill>
+              <a:latin typeface="Calibri" panose="020F0502020204030204" pitchFamily="34" charset="0"/>
+              <a:cs typeface="Calibri" panose="020F0502020204030204" pitchFamily="34" charset="0"/>
+            </a:rPr>
+            <a:t>MyScript.py</a:t>
+          </a:r>
+        </a:p>
+      </dgm:t>
+    </dgm:pt>
+    <dgm:pt modelId="{65C191AE-3986-495D-AE03-211F190CDF51}" type="parTrans" cxnId="{EFBB7998-8363-4C19-BD5D-CD42EA9DED1A}">
+      <dgm:prSet/>
+      <dgm:spPr/>
+      <dgm:t>
+        <a:bodyPr/>
+        <a:lstStyle/>
+        <a:p>
+          <a:endParaRPr lang="en-US" sz="1600"/>
+        </a:p>
+      </dgm:t>
+    </dgm:pt>
+    <dgm:pt modelId="{6B5930EE-E830-4927-ACEE-839AF209D6D7}" type="sibTrans" cxnId="{EFBB7998-8363-4C19-BD5D-CD42EA9DED1A}">
+      <dgm:prSet custT="1"/>
+      <dgm:spPr/>
+      <dgm:t>
+        <a:bodyPr/>
+        <a:lstStyle/>
+        <a:p>
+          <a:endParaRPr lang="en-US" sz="1200"/>
+        </a:p>
+      </dgm:t>
+    </dgm:pt>
+    <dgm:pt modelId="{779E5EFD-996F-4BC7-B292-CB90A0EC8D8B}">
+      <dgm:prSet phldrT="[Text]" custT="1"/>
+      <dgm:spPr/>
+      <dgm:t>
+        <a:bodyPr/>
+        <a:lstStyle/>
+        <a:p>
+          <a:r>
+            <a:rPr lang="en-US" sz="1600" dirty="0" err="1">
+              <a:solidFill>
+                <a:sysClr val="windowText" lastClr="000000"/>
+              </a:solidFill>
+              <a:latin typeface="Calibri" panose="020F0502020204030204" pitchFamily="34" charset="0"/>
+              <a:cs typeface="Calibri" panose="020F0502020204030204" pitchFamily="34" charset="0"/>
+            </a:rPr>
+            <a:t>MyScript.pyc</a:t>
+          </a:r>
+          <a:endParaRPr lang="en-US" sz="1600" dirty="0">
+            <a:solidFill>
+              <a:sysClr val="windowText" lastClr="000000"/>
+            </a:solidFill>
+            <a:latin typeface="Calibri" panose="020F0502020204030204" pitchFamily="34" charset="0"/>
+            <a:cs typeface="Calibri" panose="020F0502020204030204" pitchFamily="34" charset="0"/>
+          </a:endParaRPr>
+        </a:p>
+      </dgm:t>
+    </dgm:pt>
+    <dgm:pt modelId="{9E9355FE-1D1E-4AD9-AABD-F5EEABB6101D}" type="parTrans" cxnId="{B61EED30-FFFE-42D5-BA57-912AFAD1312A}">
+      <dgm:prSet/>
+      <dgm:spPr/>
+      <dgm:t>
+        <a:bodyPr/>
+        <a:lstStyle/>
+        <a:p>
+          <a:endParaRPr lang="en-US" sz="1600"/>
+        </a:p>
+      </dgm:t>
+    </dgm:pt>
+    <dgm:pt modelId="{0010844E-A1B3-46C5-BA7F-27E176EFAFDD}" type="sibTrans" cxnId="{B61EED30-FFFE-42D5-BA57-912AFAD1312A}">
+      <dgm:prSet custT="1"/>
+      <dgm:spPr/>
+      <dgm:t>
+        <a:bodyPr/>
+        <a:lstStyle/>
+        <a:p>
+          <a:endParaRPr lang="en-US" sz="1200"/>
+        </a:p>
+      </dgm:t>
+    </dgm:pt>
+    <dgm:pt modelId="{F0D0A789-DBD7-4DB4-99C8-8416A687578F}">
+      <dgm:prSet phldrT="[Text]" custT="1"/>
+      <dgm:spPr/>
+      <dgm:t>
+        <a:bodyPr/>
+        <a:lstStyle/>
+        <a:p>
+          <a:r>
+            <a:rPr lang="en-US" sz="1600" dirty="0">
+              <a:solidFill>
+                <a:sysClr val="windowText" lastClr="000000"/>
+              </a:solidFill>
+              <a:latin typeface="Calibri" panose="020F0502020204030204" pitchFamily="34" charset="0"/>
+              <a:cs typeface="Calibri" panose="020F0502020204030204" pitchFamily="34" charset="0"/>
+            </a:rPr>
+            <a:t>Python Virtual Machine</a:t>
+          </a:r>
+        </a:p>
+      </dgm:t>
+    </dgm:pt>
+    <dgm:pt modelId="{36795BAB-D304-41BA-89D2-F431F81457BF}" type="parTrans" cxnId="{A7CB7DA2-9328-41D3-B104-F4BEAFE724A8}">
+      <dgm:prSet/>
+      <dgm:spPr/>
+      <dgm:t>
+        <a:bodyPr/>
+        <a:lstStyle/>
+        <a:p>
+          <a:endParaRPr lang="en-US" sz="1600"/>
+        </a:p>
+      </dgm:t>
+    </dgm:pt>
+    <dgm:pt modelId="{C7B93797-9A5B-4621-BAD0-FD50BA953A68}" type="sibTrans" cxnId="{A7CB7DA2-9328-41D3-B104-F4BEAFE724A8}">
+      <dgm:prSet/>
+      <dgm:spPr/>
+      <dgm:t>
+        <a:bodyPr/>
+        <a:lstStyle/>
+        <a:p>
+          <a:endParaRPr lang="en-US" sz="1600"/>
+        </a:p>
+      </dgm:t>
+    </dgm:pt>
+    <dgm:pt modelId="{26D1350C-79F5-4817-88BE-DA22E0F6D78D}" type="pres">
+      <dgm:prSet presAssocID="{16ACE25D-EE52-4383-AEFB-EA11454A564C}" presName="Name0" presStyleCnt="0">
+        <dgm:presLayoutVars>
+          <dgm:dir/>
+          <dgm:resizeHandles val="exact"/>
+        </dgm:presLayoutVars>
+      </dgm:prSet>
+      <dgm:spPr/>
+    </dgm:pt>
+    <dgm:pt modelId="{512EFED9-171E-4F3C-96A5-6D7A2C764938}" type="pres">
+      <dgm:prSet presAssocID="{1F7D71D8-2570-4906-B046-3FDD752AD945}" presName="node" presStyleLbl="node1" presStyleIdx="0" presStyleCnt="3">
+        <dgm:presLayoutVars>
+          <dgm:bulletEnabled val="1"/>
+        </dgm:presLayoutVars>
+      </dgm:prSet>
+      <dgm:spPr/>
+    </dgm:pt>
+    <dgm:pt modelId="{E5CF0604-A9C6-4BC4-8B4F-55FAD2C55AF5}" type="pres">
+      <dgm:prSet presAssocID="{6B5930EE-E830-4927-ACEE-839AF209D6D7}" presName="sibTrans" presStyleLbl="sibTrans2D1" presStyleIdx="0" presStyleCnt="2"/>
+      <dgm:spPr/>
+    </dgm:pt>
+    <dgm:pt modelId="{333BC19B-9F86-46C4-A212-2C348B9BD31F}" type="pres">
+      <dgm:prSet presAssocID="{6B5930EE-E830-4927-ACEE-839AF209D6D7}" presName="connectorText" presStyleLbl="sibTrans2D1" presStyleIdx="0" presStyleCnt="2"/>
+      <dgm:spPr/>
+    </dgm:pt>
+    <dgm:pt modelId="{860347BE-DC8C-4F5F-8050-BB560409B5FF}" type="pres">
+      <dgm:prSet presAssocID="{779E5EFD-996F-4BC7-B292-CB90A0EC8D8B}" presName="node" presStyleLbl="node1" presStyleIdx="1" presStyleCnt="3">
+        <dgm:presLayoutVars>
+          <dgm:bulletEnabled val="1"/>
+        </dgm:presLayoutVars>
+      </dgm:prSet>
+      <dgm:spPr>
+        <a:prstGeom prst="ellipse">
+          <a:avLst/>
+        </a:prstGeom>
+      </dgm:spPr>
+    </dgm:pt>
+    <dgm:pt modelId="{A424855B-DE03-4CEF-A9DC-4F56699269F9}" type="pres">
+      <dgm:prSet presAssocID="{0010844E-A1B3-46C5-BA7F-27E176EFAFDD}" presName="sibTrans" presStyleLbl="sibTrans2D1" presStyleIdx="1" presStyleCnt="2"/>
+      <dgm:spPr/>
+    </dgm:pt>
+    <dgm:pt modelId="{0B8C7985-6CD0-4444-9FDA-2CE4FF412F97}" type="pres">
+      <dgm:prSet presAssocID="{0010844E-A1B3-46C5-BA7F-27E176EFAFDD}" presName="connectorText" presStyleLbl="sibTrans2D1" presStyleIdx="1" presStyleCnt="2"/>
+      <dgm:spPr/>
+    </dgm:pt>
+    <dgm:pt modelId="{AC803A96-10D7-40B1-AAD9-BF81ED31F969}" type="pres">
+      <dgm:prSet presAssocID="{F0D0A789-DBD7-4DB4-99C8-8416A687578F}" presName="node" presStyleLbl="node1" presStyleIdx="2" presStyleCnt="3">
+        <dgm:presLayoutVars>
+          <dgm:bulletEnabled val="1"/>
+        </dgm:presLayoutVars>
+      </dgm:prSet>
+      <dgm:spPr/>
+    </dgm:pt>
+  </dgm:ptLst>
+  <dgm:cxnLst>
+    <dgm:cxn modelId="{B61EED30-FFFE-42D5-BA57-912AFAD1312A}" srcId="{16ACE25D-EE52-4383-AEFB-EA11454A564C}" destId="{779E5EFD-996F-4BC7-B292-CB90A0EC8D8B}" srcOrd="1" destOrd="0" parTransId="{9E9355FE-1D1E-4AD9-AABD-F5EEABB6101D}" sibTransId="{0010844E-A1B3-46C5-BA7F-27E176EFAFDD}"/>
+    <dgm:cxn modelId="{944D8F39-2CB5-440B-978C-C5C53AFE281F}" type="presOf" srcId="{6B5930EE-E830-4927-ACEE-839AF209D6D7}" destId="{333BC19B-9F86-46C4-A212-2C348B9BD31F}" srcOrd="1" destOrd="0" presId="urn:microsoft.com/office/officeart/2005/8/layout/process1"/>
+    <dgm:cxn modelId="{4A3FA360-12C0-4FC6-8110-D0945824072D}" type="presOf" srcId="{1F7D71D8-2570-4906-B046-3FDD752AD945}" destId="{512EFED9-171E-4F3C-96A5-6D7A2C764938}" srcOrd="0" destOrd="0" presId="urn:microsoft.com/office/officeart/2005/8/layout/process1"/>
+    <dgm:cxn modelId="{E71DE267-2193-4967-A299-D1011DB58E45}" type="presOf" srcId="{0010844E-A1B3-46C5-BA7F-27E176EFAFDD}" destId="{A424855B-DE03-4CEF-A9DC-4F56699269F9}" srcOrd="0" destOrd="0" presId="urn:microsoft.com/office/officeart/2005/8/layout/process1"/>
+    <dgm:cxn modelId="{8D4F214D-45F2-4C9D-ABF9-16543ED7294E}" type="presOf" srcId="{779E5EFD-996F-4BC7-B292-CB90A0EC8D8B}" destId="{860347BE-DC8C-4F5F-8050-BB560409B5FF}" srcOrd="0" destOrd="0" presId="urn:microsoft.com/office/officeart/2005/8/layout/process1"/>
+    <dgm:cxn modelId="{4A51694F-10B2-42B1-B5A6-FC276DBA903A}" type="presOf" srcId="{16ACE25D-EE52-4383-AEFB-EA11454A564C}" destId="{26D1350C-79F5-4817-88BE-DA22E0F6D78D}" srcOrd="0" destOrd="0" presId="urn:microsoft.com/office/officeart/2005/8/layout/process1"/>
+    <dgm:cxn modelId="{A57D768D-036B-4E7C-9281-363AEB3B8003}" type="presOf" srcId="{F0D0A789-DBD7-4DB4-99C8-8416A687578F}" destId="{AC803A96-10D7-40B1-AAD9-BF81ED31F969}" srcOrd="0" destOrd="0" presId="urn:microsoft.com/office/officeart/2005/8/layout/process1"/>
+    <dgm:cxn modelId="{EFBB7998-8363-4C19-BD5D-CD42EA9DED1A}" srcId="{16ACE25D-EE52-4383-AEFB-EA11454A564C}" destId="{1F7D71D8-2570-4906-B046-3FDD752AD945}" srcOrd="0" destOrd="0" parTransId="{65C191AE-3986-495D-AE03-211F190CDF51}" sibTransId="{6B5930EE-E830-4927-ACEE-839AF209D6D7}"/>
+    <dgm:cxn modelId="{A7CB7DA2-9328-41D3-B104-F4BEAFE724A8}" srcId="{16ACE25D-EE52-4383-AEFB-EA11454A564C}" destId="{F0D0A789-DBD7-4DB4-99C8-8416A687578F}" srcOrd="2" destOrd="0" parTransId="{36795BAB-D304-41BA-89D2-F431F81457BF}" sibTransId="{C7B93797-9A5B-4621-BAD0-FD50BA953A68}"/>
+    <dgm:cxn modelId="{3C7578DA-FC44-4AF3-8A11-B99970257C6B}" type="presOf" srcId="{0010844E-A1B3-46C5-BA7F-27E176EFAFDD}" destId="{0B8C7985-6CD0-4444-9FDA-2CE4FF412F97}" srcOrd="1" destOrd="0" presId="urn:microsoft.com/office/officeart/2005/8/layout/process1"/>
+    <dgm:cxn modelId="{ACCB4FE7-8118-46EE-B65C-63CCB91632B8}" type="presOf" srcId="{6B5930EE-E830-4927-ACEE-839AF209D6D7}" destId="{E5CF0604-A9C6-4BC4-8B4F-55FAD2C55AF5}" srcOrd="0" destOrd="0" presId="urn:microsoft.com/office/officeart/2005/8/layout/process1"/>
+    <dgm:cxn modelId="{A0BCDFB2-4F84-4046-99DA-8275E9FADCFB}" type="presParOf" srcId="{26D1350C-79F5-4817-88BE-DA22E0F6D78D}" destId="{512EFED9-171E-4F3C-96A5-6D7A2C764938}" srcOrd="0" destOrd="0" presId="urn:microsoft.com/office/officeart/2005/8/layout/process1"/>
+    <dgm:cxn modelId="{2860B9F0-58AA-4A1C-98B4-BD26D341D559}" type="presParOf" srcId="{26D1350C-79F5-4817-88BE-DA22E0F6D78D}" destId="{E5CF0604-A9C6-4BC4-8B4F-55FAD2C55AF5}" srcOrd="1" destOrd="0" presId="urn:microsoft.com/office/officeart/2005/8/layout/process1"/>
+    <dgm:cxn modelId="{5AC4C271-9B27-4CB5-A4A8-DD1852A51783}" type="presParOf" srcId="{E5CF0604-A9C6-4BC4-8B4F-55FAD2C55AF5}" destId="{333BC19B-9F86-46C4-A212-2C348B9BD31F}" srcOrd="0" destOrd="0" presId="urn:microsoft.com/office/officeart/2005/8/layout/process1"/>
+    <dgm:cxn modelId="{FACABF20-9C65-4E6F-8B7C-C81E54A8D97C}" type="presParOf" srcId="{26D1350C-79F5-4817-88BE-DA22E0F6D78D}" destId="{860347BE-DC8C-4F5F-8050-BB560409B5FF}" srcOrd="2" destOrd="0" presId="urn:microsoft.com/office/officeart/2005/8/layout/process1"/>
+    <dgm:cxn modelId="{A55484E7-F817-4877-B41D-AA8E55834DE8}" type="presParOf" srcId="{26D1350C-79F5-4817-88BE-DA22E0F6D78D}" destId="{A424855B-DE03-4CEF-A9DC-4F56699269F9}" srcOrd="3" destOrd="0" presId="urn:microsoft.com/office/officeart/2005/8/layout/process1"/>
+    <dgm:cxn modelId="{68D7CD7E-5924-407B-A099-6C8D7B5EF6C8}" type="presParOf" srcId="{A424855B-DE03-4CEF-A9DC-4F56699269F9}" destId="{0B8C7985-6CD0-4444-9FDA-2CE4FF412F97}" srcOrd="0" destOrd="0" presId="urn:microsoft.com/office/officeart/2005/8/layout/process1"/>
+    <dgm:cxn modelId="{B574E172-14B4-47A3-B2C1-BA523EE43D5B}" type="presParOf" srcId="{26D1350C-79F5-4817-88BE-DA22E0F6D78D}" destId="{AC803A96-10D7-40B1-AAD9-BF81ED31F969}" srcOrd="4" destOrd="0" presId="urn:microsoft.com/office/officeart/2005/8/layout/process1"/>
+  </dgm:cxnLst>
+  <dgm:bg/>
+  <dgm:whole/>
+  <dgm:extLst>
+    <a:ext uri="http://schemas.microsoft.com/office/drawing/2008/diagram">
+      <dsp:dataModelExt xmlns:dsp="http://schemas.microsoft.com/office/drawing/2008/diagram" relId="rId7" minVer="http://schemas.openxmlformats.org/drawingml/2006/diagram"/>
+    </a:ext>
+  </dgm:extLst>
+</dgm:dataModel>
+</file>
+
+<file path=ppt/diagrams/drawing1.xml><?xml version="1.0" encoding="utf-8"?>
+<dsp:drawing xmlns:dgm="http://schemas.openxmlformats.org/drawingml/2006/diagram" xmlns:dsp="http://schemas.microsoft.com/office/drawing/2008/diagram" xmlns:a="http://schemas.openxmlformats.org/drawingml/2006/main">
+  <dsp:spTree>
+    <dsp:nvGrpSpPr>
+      <dsp:cNvPr id="0" name=""/>
+      <dsp:cNvGrpSpPr/>
+    </dsp:nvGrpSpPr>
+    <dsp:grpSpPr/>
+    <dsp:sp modelId="{512EFED9-171E-4F3C-96A5-6D7A2C764938}">
+      <dsp:nvSpPr>
+        <dsp:cNvPr id="0" name=""/>
+        <dsp:cNvSpPr/>
+      </dsp:nvSpPr>
+      <dsp:spPr>
+        <a:xfrm>
+          <a:off x="7089" y="844639"/>
+          <a:ext cx="1361764" cy="817058"/>
+        </a:xfrm>
+        <a:prstGeom prst="roundRect">
+          <a:avLst>
+            <a:gd name="adj" fmla="val 10000"/>
+          </a:avLst>
+        </a:prstGeom>
+        <a:solidFill>
+          <a:schemeClr val="accent1">
+            <a:hueOff val="0"/>
+            <a:satOff val="0"/>
+            <a:lumOff val="0"/>
+            <a:alphaOff val="0"/>
+          </a:schemeClr>
+        </a:solidFill>
+        <a:ln w="25400" cap="flat" cmpd="sng" algn="ctr">
+          <a:solidFill>
+            <a:schemeClr val="lt1">
+              <a:hueOff val="0"/>
+              <a:satOff val="0"/>
+              <a:lumOff val="0"/>
+              <a:alphaOff val="0"/>
+            </a:schemeClr>
+          </a:solidFill>
+          <a:prstDash val="solid"/>
+        </a:ln>
+        <a:effectLst/>
+      </dsp:spPr>
+      <dsp:style>
+        <a:lnRef idx="2">
+          <a:scrgbClr r="0" g="0" b="0"/>
+        </a:lnRef>
+        <a:fillRef idx="1">
+          <a:scrgbClr r="0" g="0" b="0"/>
+        </a:fillRef>
+        <a:effectRef idx="0">
+          <a:scrgbClr r="0" g="0" b="0"/>
+        </a:effectRef>
+        <a:fontRef idx="minor">
+          <a:schemeClr val="lt1"/>
+        </a:fontRef>
+      </dsp:style>
+      <dsp:txBody>
+        <a:bodyPr spcFirstLastPara="0" vert="horz" wrap="square" lIns="60960" tIns="60960" rIns="60960" bIns="60960" numCol="1" spcCol="1270" anchor="ctr" anchorCtr="0">
+          <a:noAutofit/>
+        </a:bodyPr>
+        <a:lstStyle/>
+        <a:p>
+          <a:pPr marL="0" lvl="0" indent="0" algn="ctr" defTabSz="711200">
+            <a:lnSpc>
+              <a:spcPct val="90000"/>
+            </a:lnSpc>
+            <a:spcBef>
+              <a:spcPct val="0"/>
+            </a:spcBef>
+            <a:spcAft>
+              <a:spcPct val="35000"/>
+            </a:spcAft>
+            <a:buNone/>
+          </a:pPr>
+          <a:r>
+            <a:rPr lang="en-US" sz="1600" kern="1200" dirty="0">
+              <a:solidFill>
+                <a:sysClr val="windowText" lastClr="000000"/>
+              </a:solidFill>
+              <a:latin typeface="Calibri" panose="020F0502020204030204" pitchFamily="34" charset="0"/>
+              <a:cs typeface="Calibri" panose="020F0502020204030204" pitchFamily="34" charset="0"/>
+            </a:rPr>
+            <a:t>MyScript.py</a:t>
+          </a:r>
+        </a:p>
+      </dsp:txBody>
+      <dsp:txXfrm>
+        <a:off x="31020" y="868570"/>
+        <a:ext cx="1313902" cy="769196"/>
+      </dsp:txXfrm>
+    </dsp:sp>
+    <dsp:sp modelId="{E5CF0604-A9C6-4BC4-8B4F-55FAD2C55AF5}">
+      <dsp:nvSpPr>
+        <dsp:cNvPr id="0" name=""/>
+        <dsp:cNvSpPr/>
+      </dsp:nvSpPr>
+      <dsp:spPr>
+        <a:xfrm>
+          <a:off x="1505030" y="1084310"/>
+          <a:ext cx="288694" cy="337717"/>
+        </a:xfrm>
+        <a:prstGeom prst="rightArrow">
+          <a:avLst>
+            <a:gd name="adj1" fmla="val 60000"/>
+            <a:gd name="adj2" fmla="val 50000"/>
+          </a:avLst>
+        </a:prstGeom>
+        <a:solidFill>
+          <a:schemeClr val="accent1">
+            <a:tint val="60000"/>
+            <a:hueOff val="0"/>
+            <a:satOff val="0"/>
+            <a:lumOff val="0"/>
+            <a:alphaOff val="0"/>
+          </a:schemeClr>
+        </a:solidFill>
+        <a:ln>
+          <a:noFill/>
+        </a:ln>
+        <a:effectLst/>
+      </dsp:spPr>
+      <dsp:style>
+        <a:lnRef idx="0">
+          <a:scrgbClr r="0" g="0" b="0"/>
+        </a:lnRef>
+        <a:fillRef idx="1">
+          <a:scrgbClr r="0" g="0" b="0"/>
+        </a:fillRef>
+        <a:effectRef idx="0">
+          <a:scrgbClr r="0" g="0" b="0"/>
+        </a:effectRef>
+        <a:fontRef idx="minor">
+          <a:schemeClr val="lt1"/>
+        </a:fontRef>
+      </dsp:style>
+      <dsp:txBody>
+        <a:bodyPr spcFirstLastPara="0" vert="horz" wrap="square" lIns="0" tIns="0" rIns="0" bIns="0" numCol="1" spcCol="1270" anchor="ctr" anchorCtr="0">
+          <a:noAutofit/>
+        </a:bodyPr>
+        <a:lstStyle/>
+        <a:p>
+          <a:pPr marL="0" lvl="0" indent="0" algn="ctr" defTabSz="533400">
+            <a:lnSpc>
+              <a:spcPct val="90000"/>
+            </a:lnSpc>
+            <a:spcBef>
+              <a:spcPct val="0"/>
+            </a:spcBef>
+            <a:spcAft>
+              <a:spcPct val="35000"/>
+            </a:spcAft>
+            <a:buNone/>
+          </a:pPr>
+          <a:endParaRPr lang="en-US" sz="1200" kern="1200"/>
+        </a:p>
+      </dsp:txBody>
+      <dsp:txXfrm>
+        <a:off x="1505030" y="1151853"/>
+        <a:ext cx="202086" cy="202631"/>
+      </dsp:txXfrm>
+    </dsp:sp>
+    <dsp:sp modelId="{860347BE-DC8C-4F5F-8050-BB560409B5FF}">
+      <dsp:nvSpPr>
+        <dsp:cNvPr id="0" name=""/>
+        <dsp:cNvSpPr/>
+      </dsp:nvSpPr>
+      <dsp:spPr>
+        <a:xfrm>
+          <a:off x="1913560" y="844639"/>
+          <a:ext cx="1361764" cy="817058"/>
+        </a:xfrm>
+        <a:prstGeom prst="ellipse">
+          <a:avLst/>
+        </a:prstGeom>
+        <a:solidFill>
+          <a:schemeClr val="accent1">
+            <a:hueOff val="0"/>
+            <a:satOff val="0"/>
+            <a:lumOff val="0"/>
+            <a:alphaOff val="0"/>
+          </a:schemeClr>
+        </a:solidFill>
+        <a:ln w="25400" cap="flat" cmpd="sng" algn="ctr">
+          <a:solidFill>
+            <a:schemeClr val="lt1">
+              <a:hueOff val="0"/>
+              <a:satOff val="0"/>
+              <a:lumOff val="0"/>
+              <a:alphaOff val="0"/>
+            </a:schemeClr>
+          </a:solidFill>
+          <a:prstDash val="solid"/>
+        </a:ln>
+        <a:effectLst/>
+      </dsp:spPr>
+      <dsp:style>
+        <a:lnRef idx="2">
+          <a:scrgbClr r="0" g="0" b="0"/>
+        </a:lnRef>
+        <a:fillRef idx="1">
+          <a:scrgbClr r="0" g="0" b="0"/>
+        </a:fillRef>
+        <a:effectRef idx="0">
+          <a:scrgbClr r="0" g="0" b="0"/>
+        </a:effectRef>
+        <a:fontRef idx="minor">
+          <a:schemeClr val="lt1"/>
+        </a:fontRef>
+      </dsp:style>
+      <dsp:txBody>
+        <a:bodyPr spcFirstLastPara="0" vert="horz" wrap="square" lIns="60960" tIns="60960" rIns="60960" bIns="60960" numCol="1" spcCol="1270" anchor="ctr" anchorCtr="0">
+          <a:noAutofit/>
+        </a:bodyPr>
+        <a:lstStyle/>
+        <a:p>
+          <a:pPr marL="0" lvl="0" indent="0" algn="ctr" defTabSz="711200">
+            <a:lnSpc>
+              <a:spcPct val="90000"/>
+            </a:lnSpc>
+            <a:spcBef>
+              <a:spcPct val="0"/>
+            </a:spcBef>
+            <a:spcAft>
+              <a:spcPct val="35000"/>
+            </a:spcAft>
+            <a:buNone/>
+          </a:pPr>
+          <a:r>
+            <a:rPr lang="en-US" sz="1600" kern="1200" dirty="0" err="1">
+              <a:solidFill>
+                <a:sysClr val="windowText" lastClr="000000"/>
+              </a:solidFill>
+              <a:latin typeface="Calibri" panose="020F0502020204030204" pitchFamily="34" charset="0"/>
+              <a:cs typeface="Calibri" panose="020F0502020204030204" pitchFamily="34" charset="0"/>
+            </a:rPr>
+            <a:t>MyScript.pyc</a:t>
+          </a:r>
+          <a:endParaRPr lang="en-US" sz="1600" kern="1200" dirty="0">
+            <a:solidFill>
+              <a:sysClr val="windowText" lastClr="000000"/>
+            </a:solidFill>
+            <a:latin typeface="Calibri" panose="020F0502020204030204" pitchFamily="34" charset="0"/>
+            <a:cs typeface="Calibri" panose="020F0502020204030204" pitchFamily="34" charset="0"/>
+          </a:endParaRPr>
+        </a:p>
+      </dsp:txBody>
+      <dsp:txXfrm>
+        <a:off x="2112986" y="964294"/>
+        <a:ext cx="962912" cy="577748"/>
+      </dsp:txXfrm>
+    </dsp:sp>
+    <dsp:sp modelId="{A424855B-DE03-4CEF-A9DC-4F56699269F9}">
+      <dsp:nvSpPr>
+        <dsp:cNvPr id="0" name=""/>
+        <dsp:cNvSpPr/>
+      </dsp:nvSpPr>
+      <dsp:spPr>
+        <a:xfrm>
+          <a:off x="3411501" y="1084310"/>
+          <a:ext cx="288694" cy="337717"/>
+        </a:xfrm>
+        <a:prstGeom prst="rightArrow">
+          <a:avLst>
+            <a:gd name="adj1" fmla="val 60000"/>
+            <a:gd name="adj2" fmla="val 50000"/>
+          </a:avLst>
+        </a:prstGeom>
+        <a:solidFill>
+          <a:schemeClr val="accent1">
+            <a:tint val="60000"/>
+            <a:hueOff val="0"/>
+            <a:satOff val="0"/>
+            <a:lumOff val="0"/>
+            <a:alphaOff val="0"/>
+          </a:schemeClr>
+        </a:solidFill>
+        <a:ln>
+          <a:noFill/>
+        </a:ln>
+        <a:effectLst/>
+      </dsp:spPr>
+      <dsp:style>
+        <a:lnRef idx="0">
+          <a:scrgbClr r="0" g="0" b="0"/>
+        </a:lnRef>
+        <a:fillRef idx="1">
+          <a:scrgbClr r="0" g="0" b="0"/>
+        </a:fillRef>
+        <a:effectRef idx="0">
+          <a:scrgbClr r="0" g="0" b="0"/>
+        </a:effectRef>
+        <a:fontRef idx="minor">
+          <a:schemeClr val="lt1"/>
+        </a:fontRef>
+      </dsp:style>
+      <dsp:txBody>
+        <a:bodyPr spcFirstLastPara="0" vert="horz" wrap="square" lIns="0" tIns="0" rIns="0" bIns="0" numCol="1" spcCol="1270" anchor="ctr" anchorCtr="0">
+          <a:noAutofit/>
+        </a:bodyPr>
+        <a:lstStyle/>
+        <a:p>
+          <a:pPr marL="0" lvl="0" indent="0" algn="ctr" defTabSz="533400">
+            <a:lnSpc>
+              <a:spcPct val="90000"/>
+            </a:lnSpc>
+            <a:spcBef>
+              <a:spcPct val="0"/>
+            </a:spcBef>
+            <a:spcAft>
+              <a:spcPct val="35000"/>
+            </a:spcAft>
+            <a:buNone/>
+          </a:pPr>
+          <a:endParaRPr lang="en-US" sz="1200" kern="1200"/>
+        </a:p>
+      </dsp:txBody>
+      <dsp:txXfrm>
+        <a:off x="3411501" y="1151853"/>
+        <a:ext cx="202086" cy="202631"/>
+      </dsp:txXfrm>
+    </dsp:sp>
+    <dsp:sp modelId="{AC803A96-10D7-40B1-AAD9-BF81ED31F969}">
+      <dsp:nvSpPr>
+        <dsp:cNvPr id="0" name=""/>
+        <dsp:cNvSpPr/>
+      </dsp:nvSpPr>
+      <dsp:spPr>
+        <a:xfrm>
+          <a:off x="3820030" y="844639"/>
+          <a:ext cx="1361764" cy="817058"/>
+        </a:xfrm>
+        <a:prstGeom prst="roundRect">
+          <a:avLst>
+            <a:gd name="adj" fmla="val 10000"/>
+          </a:avLst>
+        </a:prstGeom>
+        <a:solidFill>
+          <a:schemeClr val="accent1">
+            <a:hueOff val="0"/>
+            <a:satOff val="0"/>
+            <a:lumOff val="0"/>
+            <a:alphaOff val="0"/>
+          </a:schemeClr>
+        </a:solidFill>
+        <a:ln w="25400" cap="flat" cmpd="sng" algn="ctr">
+          <a:solidFill>
+            <a:schemeClr val="lt1">
+              <a:hueOff val="0"/>
+              <a:satOff val="0"/>
+              <a:lumOff val="0"/>
+              <a:alphaOff val="0"/>
+            </a:schemeClr>
+          </a:solidFill>
+          <a:prstDash val="solid"/>
+        </a:ln>
+        <a:effectLst/>
+      </dsp:spPr>
+      <dsp:style>
+        <a:lnRef idx="2">
+          <a:scrgbClr r="0" g="0" b="0"/>
+        </a:lnRef>
+        <a:fillRef idx="1">
+          <a:scrgbClr r="0" g="0" b="0"/>
+        </a:fillRef>
+        <a:effectRef idx="0">
+          <a:scrgbClr r="0" g="0" b="0"/>
+        </a:effectRef>
+        <a:fontRef idx="minor">
+          <a:schemeClr val="lt1"/>
+        </a:fontRef>
+      </dsp:style>
+      <dsp:txBody>
+        <a:bodyPr spcFirstLastPara="0" vert="horz" wrap="square" lIns="60960" tIns="60960" rIns="60960" bIns="60960" numCol="1" spcCol="1270" anchor="ctr" anchorCtr="0">
+          <a:noAutofit/>
+        </a:bodyPr>
+        <a:lstStyle/>
+        <a:p>
+          <a:pPr marL="0" lvl="0" indent="0" algn="ctr" defTabSz="711200">
+            <a:lnSpc>
+              <a:spcPct val="90000"/>
+            </a:lnSpc>
+            <a:spcBef>
+              <a:spcPct val="0"/>
+            </a:spcBef>
+            <a:spcAft>
+              <a:spcPct val="35000"/>
+            </a:spcAft>
+            <a:buNone/>
+          </a:pPr>
+          <a:r>
+            <a:rPr lang="en-US" sz="1600" kern="1200" dirty="0">
+              <a:solidFill>
+                <a:sysClr val="windowText" lastClr="000000"/>
+              </a:solidFill>
+              <a:latin typeface="Calibri" panose="020F0502020204030204" pitchFamily="34" charset="0"/>
+              <a:cs typeface="Calibri" panose="020F0502020204030204" pitchFamily="34" charset="0"/>
+            </a:rPr>
+            <a:t>Python Virtual Machine</a:t>
+          </a:r>
+        </a:p>
+      </dsp:txBody>
+      <dsp:txXfrm>
+        <a:off x="3843961" y="868570"/>
+        <a:ext cx="1313902" cy="769196"/>
+      </dsp:txXfrm>
+    </dsp:sp>
+  </dsp:spTree>
+</dsp:drawing>
+</file>
+
+<file path=ppt/diagrams/layout1.xml><?xml version="1.0" encoding="utf-8"?>
+<dgm:layoutDef xmlns:dgm="http://schemas.openxmlformats.org/drawingml/2006/diagram" xmlns:a="http://schemas.openxmlformats.org/drawingml/2006/main" uniqueId="urn:microsoft.com/office/officeart/2005/8/layout/process1">
+  <dgm:title val=""/>
+  <dgm:desc val=""/>
+  <dgm:catLst>
+    <dgm:cat type="process" pri="1000"/>
+    <dgm:cat type="convert" pri="15000"/>
+  </dgm:catLst>
+  <dgm:sampData useDef="1">
+    <dgm:dataModel>
+      <dgm:ptLst/>
+      <dgm:bg/>
+      <dgm:whole/>
+    </dgm:dataModel>
+  </dgm:sampData>
+  <dgm:styleData>
+    <dgm:dataModel>
+      <dgm:ptLst>
+        <dgm:pt modelId="0" type="doc"/>
+        <dgm:pt modelId="1"/>
+        <dgm:pt modelId="2"/>
+      </dgm:ptLst>
+      <dgm:cxnLst>
+        <dgm:cxn modelId="3" srcId="0" destId="1" srcOrd="0" destOrd="0"/>
+        <dgm:cxn modelId="4" srcId="0" destId="2" srcOrd="1" destOrd="0"/>
+      </dgm:cxnLst>
+      <dgm:bg/>
+      <dgm:whole/>
+    </dgm:dataModel>
+  </dgm:styleData>
+  <dgm:clrData>
+    <dgm:dataModel>
+      <dgm:ptLst>
+        <dgm:pt modelId="0" type="doc"/>
+        <dgm:pt modelId="1"/>
+        <dgm:pt modelId="2"/>
+        <dgm:pt modelId="3"/>
+        <dgm:pt modelId="4"/>
+      </dgm:ptLst>
+      <dgm:cxnLst>
+        <dgm:cxn modelId="5" srcId="0" destId="1" srcOrd="0" destOrd="0"/>
+        <dgm:cxn modelId="6" srcId="0" destId="2" srcOrd="1" destOrd="0"/>
+        <dgm:cxn modelId="7" srcId="0" destId="3" srcOrd="2" destOrd="0"/>
+        <dgm:cxn modelId="8" srcId="0" destId="4" srcOrd="3" destOrd="0"/>
+      </dgm:cxnLst>
+      <dgm:bg/>
+      <dgm:whole/>
+    </dgm:dataModel>
+  </dgm:clrData>
+  <dgm:layoutNode name="Name0">
+    <dgm:varLst>
+      <dgm:dir/>
+      <dgm:resizeHandles val="exact"/>
+    </dgm:varLst>
+    <dgm:choose name="Name1">
+      <dgm:if name="Name2" func="var" arg="dir" op="equ" val="norm">
+        <dgm:alg type="lin"/>
+      </dgm:if>
+      <dgm:else name="Name3">
+        <dgm:alg type="lin">
+          <dgm:param type="linDir" val="fromR"/>
+        </dgm:alg>
+      </dgm:else>
+    </dgm:choose>
+    <dgm:shape xmlns:r="http://schemas.openxmlformats.org/officeDocument/2006/relationships" r:blip="">
+      <dgm:adjLst/>
+    </dgm:shape>
+    <dgm:presOf/>
+    <dgm:constrLst>
+      <dgm:constr type="w" for="ch" ptType="node" refType="w"/>
+      <dgm:constr type="h" for="ch" ptType="node" op="equ"/>
+      <dgm:constr type="primFontSz" for="ch" ptType="node" op="equ" val="65"/>
+      <dgm:constr type="w" for="ch" ptType="sibTrans" refType="w" refFor="ch" refPtType="node" op="equ" fact="0.4"/>
+      <dgm:constr type="h" for="ch" ptType="sibTrans" op="equ"/>
+      <dgm:constr type="primFontSz" for="des" forName="connectorText" op="equ" val="55"/>
+      <dgm:constr type="primFontSz" for="des" forName="connectorText" refType="primFontSz" refFor="ch" refPtType="node" op="lte" fact="0.8"/>
+    </dgm:constrLst>
+    <dgm:ruleLst/>
+    <dgm:forEach name="nodesForEach" axis="ch" ptType="node">
+      <dgm:layoutNode name="node">
+        <dgm:varLst>
+          <dgm:bulletEnabled val="1"/>
+        </dgm:varLst>
+        <dgm:alg type="tx"/>
+        <dgm:shape xmlns:r="http://schemas.openxmlformats.org/officeDocument/2006/relationships" type="roundRect" r:blip="">
+          <dgm:adjLst>
+            <dgm:adj idx="1" val="0.1"/>
+          </dgm:adjLst>
+        </dgm:shape>
+        <dgm:presOf axis="desOrSelf" ptType="node"/>
+        <dgm:constrLst>
+          <dgm:constr type="h" refType="w" fact="0.6"/>
+          <dgm:constr type="tMarg" refType="primFontSz" fact="0.3"/>
+          <dgm:constr type="bMarg" refType="primFontSz" fact="0.3"/>
+          <dgm:constr type="lMarg" refType="primFontSz" fact="0.3"/>
+          <dgm:constr type="rMarg" refType="primFontSz" fact="0.3"/>
+        </dgm:constrLst>
+        <dgm:ruleLst>
+          <dgm:rule type="primFontSz" val="18" fact="NaN" max="NaN"/>
+          <dgm:rule type="h" val="NaN" fact="1.5" max="NaN"/>
+          <dgm:rule type="primFontSz" val="5" fact="NaN" max="NaN"/>
+          <dgm:rule type="h" val="INF" fact="NaN" max="NaN"/>
+        </dgm:ruleLst>
+      </dgm:layoutNode>
+      <dgm:forEach name="sibTransForEach" axis="followSib" ptType="sibTrans" cnt="1">
+        <dgm:layoutNode name="sibTrans">
+          <dgm:alg type="conn">
+            <dgm:param type="begPts" val="auto"/>
+            <dgm:param type="endPts" val="auto"/>
+          </dgm:alg>
+          <dgm:shape xmlns:r="http://schemas.openxmlformats.org/officeDocument/2006/relationships" type="conn" r:blip="">
+            <dgm:adjLst/>
+          </dgm:shape>
+          <dgm:presOf axis="self"/>
+          <dgm:constrLst>
+            <dgm:constr type="h" refType="w" fact="0.62"/>
+            <dgm:constr type="connDist"/>
+            <dgm:constr type="begPad" refType="connDist" fact="0.25"/>
+            <dgm:constr type="endPad" refType="connDist" fact="0.22"/>
+          </dgm:constrLst>
+          <dgm:ruleLst/>
+          <dgm:layoutNode name="connectorText">
+            <dgm:alg type="tx">
+              <dgm:param type="autoTxRot" val="grav"/>
+            </dgm:alg>
+            <dgm:shape xmlns:r="http://schemas.openxmlformats.org/officeDocument/2006/relationships" type="conn" r:blip="" hideGeom="1">
+              <dgm:adjLst/>
+            </dgm:shape>
+            <dgm:presOf axis="self"/>
+            <dgm:constrLst>
+              <dgm:constr type="lMarg"/>
+              <dgm:constr type="rMarg"/>
+              <dgm:constr type="tMarg"/>
+              <dgm:constr type="bMarg"/>
+            </dgm:constrLst>
+            <dgm:ruleLst>
+              <dgm:rule type="primFontSz" val="5" fact="NaN" max="NaN"/>
+            </dgm:ruleLst>
+          </dgm:layoutNode>
+        </dgm:layoutNode>
+      </dgm:forEach>
+    </dgm:forEach>
+  </dgm:layoutNode>
+</dgm:layoutDef>
+</file>
+
+<file path=ppt/diagrams/quickStyle1.xml><?xml version="1.0" encoding="utf-8"?>
+<dgm:styleDef xmlns:dgm="http://schemas.openxmlformats.org/drawingml/2006/diagram" xmlns:a="http://schemas.openxmlformats.org/drawingml/2006/main" uniqueId="urn:microsoft.com/office/officeart/2005/8/quickstyle/simple1">
+  <dgm:title val=""/>
+  <dgm:desc val=""/>
+  <dgm:catLst>
+    <dgm:cat type="simple" pri="10100"/>
+  </dgm:catLst>
+  <dgm:scene3d>
+    <a:camera prst="orthographicFront"/>
+    <a:lightRig rig="threePt" dir="t"/>
+  </dgm:scene3d>
+  <dgm:styleLbl name="node0">
+    <dgm:scene3d>
+      <a:camera prst="orthographicFront"/>
+      <a:lightRig rig="threePt" dir="t"/>
+    </dgm:scene3d>
+    <dgm:sp3d/>
+    <dgm:txPr/>
+    <dgm:style>
+      <a:lnRef idx="2">
+        <a:scrgbClr r="0" g="0" b="0"/>
+      </a:lnRef>
+      <a:fillRef idx="1">
+        <a:scrgbClr r="0" g="0" b="0"/>
+      </a:fillRef>
+      <a:effectRef idx="0">
+        <a:scrgbClr r="0" g="0" b="0"/>
+      </a:effectRef>
+      <a:fontRef idx="minor">
+        <a:schemeClr val="lt1"/>
+      </a:fontRef>
+    </dgm:style>
+  </dgm:styleLbl>
+  <dgm:styleLbl name="lnNode1">
+    <dgm:scene3d>
+      <a:camera prst="orthographicFront"/>
+      <a:lightRig rig="threePt" dir="t"/>
+    </dgm:scene3d>
+    <dgm:sp3d/>
+    <dgm:txPr/>
+    <dgm:style>
+      <a:lnRef idx="2">
+        <a:scrgbClr r="0" g="0" b="0"/>
+      </a:lnRef>
+      <a:fillRef idx="1">
+        <a:scrgbClr r="0" g="0" b="0"/>
+      </a:fillRef>
+      <a:effectRef idx="0">
+        <a:scrgbClr r="0" g="0" b="0"/>
+      </a:effectRef>
+      <a:fontRef idx="minor">
+        <a:schemeClr val="lt1"/>
+      </a:fontRef>
+    </dgm:style>
+  </dgm:styleLbl>
+  <dgm:styleLbl name="vennNode1">
+    <dgm:scene3d>
+      <a:camera prst="orthographicFront"/>
+      <a:lightRig rig="threePt" dir="t"/>
+    </dgm:scene3d>
+    <dgm:sp3d/>
+    <dgm:txPr/>
+    <dgm:style>
+      <a:lnRef idx="2">
+        <a:scrgbClr r="0" g="0" b="0"/>
+      </a:lnRef>
+      <a:fillRef idx="1">
+        <a:scrgbClr r="0" g="0" b="0"/>
+      </a:fillRef>
+      <a:effectRef idx="0">
+        <a:scrgbClr r="0" g="0" b="0"/>
+      </a:effectRef>
+      <a:fontRef idx="minor">
+        <a:schemeClr val="tx1"/>
+      </a:fontRef>
+    </dgm:style>
+  </dgm:styleLbl>
+  <dgm:styleLbl name="alignNode1">
+    <dgm:scene3d>
+      <a:camera prst="orthographicFront"/>
+      <a:lightRig rig="threePt" dir="t"/>
+    </dgm:scene3d>
+    <dgm:sp3d/>
+    <dgm:txPr/>
+    <dgm:style>
+      <a:lnRef idx="2">
+        <a:scrgbClr r="0" g="0" b="0"/>
+      </a:lnRef>
+      <a:fillRef idx="1">
+        <a:scrgbClr r="0" g="0" b="0"/>
+      </a:fillRef>
+      <a:effectRef idx="0">
+        <a:scrgbClr r="0" g="0" b="0"/>
+      </a:effectRef>
+      <a:fontRef idx="minor">
+        <a:schemeClr val="lt1"/>
+      </a:fontRef>
+    </dgm:style>
+  </dgm:styleLbl>
+  <dgm:styleLbl name="node1">
+    <dgm:scene3d>
+      <a:camera prst="orthographicFront"/>
+      <a:lightRig rig="threePt" dir="t"/>
+    </dgm:scene3d>
+    <dgm:sp3d/>
+    <dgm:txPr/>
+    <dgm:style>
+      <a:lnRef idx="2">
+        <a:scrgbClr r="0" g="0" b="0"/>
+      </a:lnRef>
+      <a:fillRef idx="1">
+        <a:scrgbClr r="0" g="0" b="0"/>
+      </a:fillRef>
+      <a:effectRef idx="0">
+        <a:scrgbClr r="0" g="0" b="0"/>
+      </a:effectRef>
+      <a:fontRef idx="minor">
+        <a:schemeClr val="lt1"/>
+      </a:fontRef>
+    </dgm:style>
+  </dgm:styleLbl>
+  <dgm:styleLbl name="node2">
+    <dgm:scene3d>
+      <a:camera prst="orthographicFront"/>
+      <a:lightRig rig="threePt" dir="t"/>
+    </dgm:scene3d>
+    <dgm:sp3d/>
+    <dgm:txPr/>
+    <dgm:style>
+      <a:lnRef idx="2">
+        <a:scrgbClr r="0" g="0" b="0"/>
+      </a:lnRef>
+      <a:fillRef idx="1">
+        <a:scrgbClr r="0" g="0" b="0"/>
+      </a:fillRef>
+      <a:effectRef idx="0">
+        <a:scrgbClr r="0" g="0" b="0"/>
+      </a:effectRef>
+      <a:fontRef idx="minor">
+        <a:schemeClr val="lt1"/>
+      </a:fontRef>
+    </dgm:style>
+  </dgm:styleLbl>
+  <dgm:styleLbl name="node3">
+    <dgm:scene3d>
+      <a:camera prst="orthographicFront"/>
+      <a:lightRig rig="threePt" dir="t"/>
+    </dgm:scene3d>
+    <dgm:sp3d/>
+    <dgm:txPr/>
+    <dgm:style>
+      <a:lnRef idx="2">
+        <a:scrgbClr r="0" g="0" b="0"/>
+      </a:lnRef>
+      <a:fillRef idx="1">
+        <a:scrgbClr r="0" g="0" b="0"/>
+      </a:fillRef>
+      <a:effectRef idx="0">
+        <a:scrgbClr r="0" g="0" b="0"/>
+      </a:effectRef>
+      <a:fontRef idx="minor">
+        <a:schemeClr val="lt1"/>
+      </a:fontRef>
+    </dgm:style>
+  </dgm:styleLbl>
+  <dgm:styleLbl name="node4">
+    <dgm:scene3d>
+      <a:camera prst="orthographicFront"/>
+      <a:lightRig rig="threePt" dir="t"/>
+    </dgm:scene3d>
+    <dgm:sp3d/>
+    <dgm:txPr/>
+    <dgm:style>
+      <a:lnRef idx="2">
+        <a:scrgbClr r="0" g="0" b="0"/>
+      </a:lnRef>
+      <a:fillRef idx="1">
+        <a:scrgbClr r="0" g="0" b="0"/>
+      </a:fillRef>
+      <a:effectRef idx="0">
+        <a:scrgbClr r="0" g="0" b="0"/>
+      </a:effectRef>
+      <a:fontRef idx="minor">
+        <a:schemeClr val="lt1"/>
+      </a:fontRef>
+    </dgm:style>
+  </dgm:styleLbl>
+  <dgm:styleLbl name="fgImgPlace1">
+    <dgm:scene3d>
+      <a:camera prst="orthographicFront"/>
+      <a:lightRig rig="threePt" dir="t"/>
+    </dgm:scene3d>
+    <dgm:sp3d/>
+    <dgm:txPr/>
+    <dgm:style>
+      <a:lnRef idx="2">
+        <a:scrgbClr r="0" g="0" b="0"/>
+      </a:lnRef>
+      <a:fillRef idx="1">
+        <a:scrgbClr r="0" g="0" b="0"/>
+      </a:fillRef>
+      <a:effectRef idx="0">
+        <a:scrgbClr r="0" g="0" b="0"/>
+      </a:effectRef>
+      <a:fontRef idx="minor"/>
+    </dgm:style>
+  </dgm:styleLbl>
+  <dgm:styleLbl name="alignImgPlace1">
+    <dgm:scene3d>
+      <a:camera prst="orthographicFront"/>
+      <a:lightRig rig="threePt" dir="t"/>
+    </dgm:scene3d>
+    <dgm:sp3d/>
+    <dgm:txPr/>
+    <dgm:style>
+      <a:lnRef idx="2">
+        <a:scrgbClr r="0" g="0" b="0"/>
+      </a:lnRef>
+      <a:fillRef idx="1">
+        <a:scrgbClr r="0" g="0" b="0"/>
+      </a:fillRef>
+      <a:effectRef idx="0">
+        <a:scrgbClr r="0" g="0" b="0"/>
+      </a:effectRef>
+      <a:fontRef idx="minor"/>
+    </dgm:style>
+  </dgm:styleLbl>
+  <dgm:styleLbl name="bgImgPlace1">
+    <dgm:scene3d>
+      <a:camera prst="orthographicFront"/>
+      <a:lightRig rig="threePt" dir="t"/>
+    </dgm:scene3d>
+    <dgm:sp3d/>
+    <dgm:txPr/>
+    <dgm:style>
+      <a:lnRef idx="2">
+        <a:scrgbClr r="0" g="0" b="0"/>
+      </a:lnRef>
+      <a:fillRef idx="1">
+        <a:scrgbClr r="0" g="0" b="0"/>
+      </a:fillRef>
+      <a:effectRef idx="0">
+        <a:scrgbClr r="0" g="0" b="0"/>
+      </a:effectRef>
+      <a:fontRef idx="minor"/>
+    </dgm:style>
+  </dgm:styleLbl>
+  <dgm:styleLbl name="sibTrans2D1">
+    <dgm:scene3d>
+      <a:camera prst="orthographicFront"/>
+      <a:lightRig rig="threePt" dir="t"/>
+    </dgm:scene3d>
+    <dgm:sp3d/>
+    <dgm:txPr/>
+    <dgm:style>
+      <a:lnRef idx="0">
+        <a:scrgbClr r="0" g="0" b="0"/>
+      </a:lnRef>
+      <a:fillRef idx="1">
+        <a:scrgbClr r="0" g="0" b="0"/>
+      </a:fillRef>
+      <a:effectRef idx="0">
+        <a:scrgbClr r="0" g="0" b="0"/>
+      </a:effectRef>
+      <a:fontRef idx="minor">
+        <a:schemeClr val="lt1"/>
+      </a:fontRef>
+    </dgm:style>
+  </dgm:styleLbl>
+  <dgm:styleLbl name="fgSibTrans2D1">
+    <dgm:scene3d>
+      <a:camera prst="orthographicFront"/>
+      <a:lightRig rig="threePt" dir="t"/>
+    </dgm:scene3d>
+    <dgm:sp3d/>
+    <dgm:txPr/>
+    <dgm:style>
+      <a:lnRef idx="0">
+        <a:scrgbClr r="0" g="0" b="0"/>
+      </a:lnRef>
+      <a:fillRef idx="1">
+        <a:scrgbClr r="0" g="0" b="0"/>
+      </a:fillRef>
+      <a:effectRef idx="0">
+        <a:scrgbClr r="0" g="0" b="0"/>
+      </a:effectRef>
+      <a:fontRef idx="minor">
+        <a:schemeClr val="lt1"/>
+      </a:fontRef>
+    </dgm:style>
+  </dgm:styleLbl>
+  <dgm:styleLbl name="bgSibTrans2D1">
+    <dgm:scene3d>
+      <a:camera prst="orthographicFront"/>
+      <a:lightRig rig="threePt" dir="t"/>
+    </dgm:scene3d>
+    <dgm:sp3d/>
+    <dgm:txPr/>
+    <dgm:style>
+      <a:lnRef idx="0">
+        <a:scrgbClr r="0" g="0" b="0"/>
+      </a:lnRef>
+      <a:fillRef idx="1">
+        <a:scrgbClr r="0" g="0" b="0"/>
+      </a:fillRef>
+      <a:effectRef idx="0">
+        <a:scrgbClr r="0" g="0" b="0"/>
+      </a:effectRef>
+      <a:fontRef idx="minor">
+        <a:schemeClr val="lt1"/>
+      </a:fontRef>
+    </dgm:style>
+  </dgm:styleLbl>
+  <dgm:styleLbl name="sibTrans1D1">
+    <dgm:scene3d>
+      <a:camera prst="orthographicFront"/>
+      <a:lightRig rig="threePt" dir="t"/>
+    </dgm:scene3d>
+    <dgm:sp3d/>
+    <dgm:txPr/>
+    <dgm:style>
+      <a:lnRef idx="1">
+        <a:scrgbClr r="0" g="0" b="0"/>
+      </a:lnRef>
+      <a:fillRef idx="0">
+        <a:scrgbClr r="0" g="0" b="0"/>
+      </a:fillRef>
+      <a:effectRef idx="0">
+        <a:scrgbClr r="0" g="0" b="0"/>
+      </a:effectRef>
+      <a:fontRef idx="minor"/>
+    </dgm:style>
+  </dgm:styleLbl>
+  <dgm:styleLbl name="callout">
+    <dgm:scene3d>
+      <a:camera prst="orthographicFront"/>
+      <a:lightRig rig="threePt" dir="t"/>
+    </dgm:scene3d>
+    <dgm:sp3d/>
+    <dgm:txPr/>
+    <dgm:style>
+      <a:lnRef idx="2">
+        <a:scrgbClr r="0" g="0" b="0"/>
+      </a:lnRef>
+      <a:fillRef idx="1">
+        <a:scrgbClr r="0" g="0" b="0"/>
+      </a:fillRef>
+      <a:effectRef idx="0">
+        <a:scrgbClr r="0" g="0" b="0"/>
+      </a:effectRef>
+      <a:fontRef idx="minor"/>
+    </dgm:style>
+  </dgm:styleLbl>
+  <dgm:styleLbl name="asst0">
+    <dgm:scene3d>
+      <a:camera prst="orthographicFront"/>
+      <a:lightRig rig="threePt" dir="t"/>
+    </dgm:scene3d>
+    <dgm:sp3d/>
+    <dgm:txPr/>
+    <dgm:style>
+      <a:lnRef idx="2">
+        <a:scrgbClr r="0" g="0" b="0"/>
+      </a:lnRef>
+      <a:fillRef idx="1">
+        <a:scrgbClr r="0" g="0" b="0"/>
+      </a:fillRef>
+      <a:effectRef idx="0">
+        <a:scrgbClr r="0" g="0" b="0"/>
+      </a:effectRef>
+      <a:fontRef idx="minor">
+        <a:schemeClr val="lt1"/>
+      </a:fontRef>
+    </dgm:style>
+  </dgm:styleLbl>
+  <dgm:styleLbl name="asst1">
+    <dgm:scene3d>
+      <a:camera prst="orthographicFront"/>
+      <a:lightRig rig="threePt" dir="t"/>
+    </dgm:scene3d>
+    <dgm:sp3d/>
+    <dgm:txPr/>
+    <dgm:style>
+      <a:lnRef idx="2">
+        <a:scrgbClr r="0" g="0" b="0"/>
+      </a:lnRef>
+      <a:fillRef idx="1">
+        <a:scrgbClr r="0" g="0" b="0"/>
+      </a:fillRef>
+      <a:effectRef idx="0">
+        <a:scrgbClr r="0" g="0" b="0"/>
+      </a:effectRef>
+      <a:fontRef idx="minor">
+        <a:schemeClr val="lt1"/>
+      </a:fontRef>
+    </dgm:style>
+  </dgm:styleLbl>
+  <dgm:styleLbl name="asst2">
+    <dgm:scene3d>
+      <a:camera prst="orthographicFront"/>
+      <a:lightRig rig="threePt" dir="t"/>
+    </dgm:scene3d>
+    <dgm:sp3d/>
+    <dgm:txPr/>
+    <dgm:style>
+      <a:lnRef idx="2">
+        <a:scrgbClr r="0" g="0" b="0"/>
+      </a:lnRef>
+      <a:fillRef idx="1">
+        <a:scrgbClr r="0" g="0" b="0"/>
+      </a:fillRef>
+      <a:effectRef idx="0">
+        <a:scrgbClr r="0" g="0" b="0"/>
+      </a:effectRef>
+      <a:fontRef idx="minor">
+        <a:schemeClr val="lt1"/>
+      </a:fontRef>
+    </dgm:style>
+  </dgm:styleLbl>
+  <dgm:styleLbl name="asst3">
+    <dgm:scene3d>
+      <a:camera prst="orthographicFront"/>
+      <a:lightRig rig="threePt" dir="t"/>
+    </dgm:scene3d>
+    <dgm:sp3d/>
+    <dgm:txPr/>
+    <dgm:style>
+      <a:lnRef idx="2">
+        <a:scrgbClr r="0" g="0" b="0"/>
+      </a:lnRef>
+      <a:fillRef idx="1">
+        <a:scrgbClr r="0" g="0" b="0"/>
+      </a:fillRef>
+      <a:effectRef idx="0">
+        <a:scrgbClr r="0" g="0" b="0"/>
+      </a:effectRef>
+      <a:fontRef idx="minor">
+        <a:schemeClr val="lt1"/>
+      </a:fontRef>
+    </dgm:style>
+  </dgm:styleLbl>
+  <dgm:styleLbl name="asst4">
+    <dgm:scene3d>
+      <a:camera prst="orthographicFront"/>
+      <a:lightRig rig="threePt" dir="t"/>
+    </dgm:scene3d>
+    <dgm:sp3d/>
+    <dgm:txPr/>
+    <dgm:style>
+      <a:lnRef idx="2">
+        <a:scrgbClr r="0" g="0" b="0"/>
+      </a:lnRef>
+      <a:fillRef idx="1">
+        <a:scrgbClr r="0" g="0" b="0"/>
+      </a:fillRef>
+      <a:effectRef idx="0">
+        <a:scrgbClr r="0" g="0" b="0"/>
+      </a:effectRef>
+      <a:fontRef idx="minor">
+        <a:schemeClr val="lt1"/>
+      </a:fontRef>
+    </dgm:style>
+  </dgm:styleLbl>
+  <dgm:styleLbl name="parChTrans2D1">
+    <dgm:scene3d>
+      <a:camera prst="orthographicFront"/>
+      <a:lightRig rig="threePt" dir="t"/>
+    </dgm:scene3d>
+    <dgm:sp3d/>
+    <dgm:txPr/>
+    <dgm:style>
+      <a:lnRef idx="2">
+        <a:scrgbClr r="0" g="0" b="0"/>
+      </a:lnRef>
+      <a:fillRef idx="1">
+        <a:scrgbClr r="0" g="0" b="0"/>
+      </a:fillRef>
+      <a:effectRef idx="0">
+        <a:scrgbClr r="0" g="0" b="0"/>
+      </a:effectRef>
+      <a:fontRef idx="minor">
+        <a:schemeClr val="lt1"/>
+      </a:fontRef>
+    </dgm:style>
+  </dgm:styleLbl>
+  <dgm:styleLbl name="parChTrans2D2">
+    <dgm:scene3d>
+      <a:camera prst="orthographicFront"/>
+      <a:lightRig rig="threePt" dir="t"/>
+    </dgm:scene3d>
+    <dgm:sp3d/>
+    <dgm:txPr/>
+    <dgm:style>
+      <a:lnRef idx="2">
+        <a:scrgbClr r="0" g="0" b="0"/>
+      </a:lnRef>
+      <a:fillRef idx="1">
+        <a:scrgbClr r="0" g="0" b="0"/>
+      </a:fillRef>
+      <a:effectRef idx="0">
+        <a:scrgbClr r="0" g="0" b="0"/>
+      </a:effectRef>
+      <a:fontRef idx="minor">
+        <a:schemeClr val="lt1"/>
+      </a:fontRef>
+    </dgm:style>
+  </dgm:styleLbl>
+  <dgm:styleLbl name="parChTrans2D3">
+    <dgm:scene3d>
+      <a:camera prst="orthographicFront"/>
+      <a:lightRig rig="threePt" dir="t"/>
+    </dgm:scene3d>
+    <dgm:sp3d/>
+    <dgm:txPr/>
+    <dgm:style>
+      <a:lnRef idx="2">
+        <a:scrgbClr r="0" g="0" b="0"/>
+      </a:lnRef>
+      <a:fillRef idx="1">
+        <a:scrgbClr r="0" g="0" b="0"/>
+      </a:fillRef>
+      <a:effectRef idx="0">
+        <a:scrgbClr r="0" g="0" b="0"/>
+      </a:effectRef>
+      <a:fontRef idx="minor">
+        <a:schemeClr val="lt1"/>
+      </a:fontRef>
+    </dgm:style>
+  </dgm:styleLbl>
+  <dgm:styleLbl name="parChTrans2D4">
+    <dgm:scene3d>
+      <a:camera prst="orthographicFront"/>
+      <a:lightRig rig="threePt" dir="t"/>
+    </dgm:scene3d>
+    <dgm:sp3d/>
+    <dgm:txPr/>
+    <dgm:style>
+      <a:lnRef idx="2">
+        <a:scrgbClr r="0" g="0" b="0"/>
+      </a:lnRef>
+      <a:fillRef idx="1">
+        <a:scrgbClr r="0" g="0" b="0"/>
+      </a:fillRef>
+      <a:effectRef idx="0">
+        <a:scrgbClr r="0" g="0" b="0"/>
+      </a:effectRef>
+      <a:fontRef idx="minor">
+        <a:schemeClr val="lt1"/>
+      </a:fontRef>
+    </dgm:style>
+  </dgm:styleLbl>
+  <dgm:styleLbl name="parChTrans1D1">
+    <dgm:scene3d>
+      <a:camera prst="orthographicFront"/>
+      <a:lightRig rig="threePt" dir="t"/>
+    </dgm:scene3d>
+    <dgm:sp3d/>
+    <dgm:txPr/>
+    <dgm:style>
+      <a:lnRef idx="2">
+        <a:scrgbClr r="0" g="0" b="0"/>
+      </a:lnRef>
+      <a:fillRef idx="0">
+        <a:scrgbClr r="0" g="0" b="0"/>
+      </a:fillRef>
+      <a:effectRef idx="0">
+        <a:scrgbClr r="0" g="0" b="0"/>
+      </a:effectRef>
+      <a:fontRef idx="minor"/>
+    </dgm:style>
+  </dgm:styleLbl>
+  <dgm:styleLbl name="parChTrans1D2">
+    <dgm:scene3d>
+      <a:camera prst="orthographicFront"/>
+      <a:lightRig rig="threePt" dir="t"/>
+    </dgm:scene3d>
+    <dgm:sp3d/>
+    <dgm:txPr/>
+    <dgm:style>
+      <a:lnRef idx="2">
+        <a:scrgbClr r="0" g="0" b="0"/>
+      </a:lnRef>
+      <a:fillRef idx="0">
+        <a:scrgbClr r="0" g="0" b="0"/>
+      </a:fillRef>
+      <a:effectRef idx="0">
+        <a:scrgbClr r="0" g="0" b="0"/>
+      </a:effectRef>
+      <a:fontRef idx="minor"/>
+    </dgm:style>
+  </dgm:styleLbl>
+  <dgm:styleLbl name="parChTrans1D3">
+    <dgm:scene3d>
+      <a:camera prst="orthographicFront"/>
+      <a:lightRig rig="threePt" dir="t"/>
+    </dgm:scene3d>
+    <dgm:sp3d/>
+    <dgm:txPr/>
+    <dgm:style>
+      <a:lnRef idx="2">
+        <a:scrgbClr r="0" g="0" b="0"/>
+      </a:lnRef>
+      <a:fillRef idx="0">
+        <a:scrgbClr r="0" g="0" b="0"/>
+      </a:fillRef>
+      <a:effectRef idx="0">
+        <a:scrgbClr r="0" g="0" b="0"/>
+      </a:effectRef>
+      <a:fontRef idx="minor"/>
+    </dgm:style>
+  </dgm:styleLbl>
+  <dgm:styleLbl name="parChTrans1D4">
+    <dgm:scene3d>
+      <a:camera prst="orthographicFront"/>
+      <a:lightRig rig="threePt" dir="t"/>
+    </dgm:scene3d>
+    <dgm:sp3d/>
+    <dgm:txPr/>
+    <dgm:style>
+      <a:lnRef idx="2">
+        <a:scrgbClr r="0" g="0" b="0"/>
+      </a:lnRef>
+      <a:fillRef idx="0">
+        <a:scrgbClr r="0" g="0" b="0"/>
+      </a:fillRef>
+      <a:effectRef idx="0">
+        <a:scrgbClr r="0" g="0" b="0"/>
+      </a:effectRef>
+      <a:fontRef idx="minor"/>
+    </dgm:style>
+  </dgm:styleLbl>
+  <dgm:styleLbl name="fgAcc1">
+    <dgm:scene3d>
+      <a:camera prst="orthographicFront"/>
+      <a:lightRig rig="threePt" dir="t"/>
+    </dgm:scene3d>
+    <dgm:sp3d/>
+    <dgm:txPr/>
+    <dgm:style>
+      <a:lnRef idx="2">
+        <a:scrgbClr r="0" g="0" b="0"/>
+      </a:lnRef>
+      <a:fillRef idx="1">
+        <a:scrgbClr r="0" g="0" b="0"/>
+      </a:fillRef>
+      <a:effectRef idx="0">
+        <a:scrgbClr r="0" g="0" b="0"/>
+      </a:effectRef>
+      <a:fontRef idx="minor"/>
+    </dgm:style>
+  </dgm:styleLbl>
+  <dgm:styleLbl name="conFgAcc1">
+    <dgm:scene3d>
+      <a:camera prst="orthographicFront"/>
+      <a:lightRig rig="threePt" dir="t"/>
+    </dgm:scene3d>
+    <dgm:sp3d/>
+    <dgm:txPr/>
+    <dgm:style>
+      <a:lnRef idx="2">
+        <a:scrgbClr r="0" g="0" b="0"/>
+      </a:lnRef>
+      <a:fillRef idx="1">
+        <a:scrgbClr r="0" g="0" b="0"/>
+      </a:fillRef>
+      <a:effectRef idx="0">
+        <a:scrgbClr r="0" g="0" b="0"/>
+      </a:effectRef>
+      <a:fontRef idx="minor"/>
+    </dgm:style>
+  </dgm:styleLbl>
+  <dgm:styleLbl name="alignAcc1">
+    <dgm:scene3d>
+      <a:camera prst="orthographicFront"/>
+      <a:lightRig rig="threePt" dir="t"/>
+    </dgm:scene3d>
+    <dgm:sp3d/>
+    <dgm:txPr/>
+    <dgm:style>
+      <a:lnRef idx="2">
+        <a:scrgbClr r="0" g="0" b="0"/>
+      </a:lnRef>
+      <a:fillRef idx="1">
+        <a:scrgbClr r="0" g="0" b="0"/>
+      </a:fillRef>
+      <a:effectRef idx="0">
+        <a:scrgbClr r="0" g="0" b="0"/>
+      </a:effectRef>
+      <a:fontRef idx="minor"/>
+    </dgm:style>
+  </dgm:styleLbl>
+  <dgm:styleLbl name="trAlignAcc1">
+    <dgm:scene3d>
+      <a:camera prst="orthographicFront"/>
+      <a:lightRig rig="threePt" dir="t"/>
+    </dgm:scene3d>
+    <dgm:sp3d/>
+    <dgm:txPr/>
+    <dgm:style>
+      <a:lnRef idx="1">
+        <a:scrgbClr r="0" g="0" b="0"/>
+      </a:lnRef>
+      <a:fillRef idx="1">
+        <a:scrgbClr r="0" g="0" b="0"/>
+      </a:fillRef>
+      <a:effectRef idx="0">
+        <a:scrgbClr r="0" g="0" b="0"/>
+      </a:effectRef>
+      <a:fontRef idx="minor"/>
+    </dgm:style>
+  </dgm:styleLbl>
+  <dgm:styleLbl name="bgAcc1">
+    <dgm:scene3d>
+      <a:camera prst="orthographicFront"/>
+      <a:lightRig rig="threePt" dir="t"/>
+    </dgm:scene3d>
+    <dgm:sp3d/>
+    <dgm:txPr/>
+    <dgm:style>
+      <a:lnRef idx="2">
+        <a:scrgbClr r="0" g="0" b="0"/>
+      </a:lnRef>
+      <a:fillRef idx="1">
+        <a:scrgbClr r="0" g="0" b="0"/>
+      </a:fillRef>
+      <a:effectRef idx="0">
+        <a:scrgbClr r="0" g="0" b="0"/>
+      </a:effectRef>
+      <a:fontRef idx="minor"/>
+    </dgm:style>
+  </dgm:styleLbl>
+  <dgm:styleLbl name="solidFgAcc1">
+    <dgm:scene3d>
+      <a:camera prst="orthographicFront"/>
+      <a:lightRig rig="threePt" dir="t"/>
+    </dgm:scene3d>
+    <dgm:sp3d/>
+    <dgm:txPr/>
+    <dgm:style>
+      <a:lnRef idx="2">
+        <a:scrgbClr r="0" g="0" b="0"/>
+      </a:lnRef>
+      <a:fillRef idx="1">
+        <a:scrgbClr r="0" g="0" b="0"/>
+      </a:fillRef>
+      <a:effectRef idx="0">
+        <a:scrgbClr r="0" g="0" b="0"/>
+      </a:effectRef>
+      <a:fontRef idx="minor"/>
+    </dgm:style>
+  </dgm:styleLbl>
+  <dgm:styleLbl name="solidAlignAcc1">
+    <dgm:scene3d>
+      <a:camera prst="orthographicFront"/>
+      <a:lightRig rig="threePt" dir="t"/>
+    </dgm:scene3d>
+    <dgm:sp3d/>
+    <dgm:txPr/>
+    <dgm:style>
+      <a:lnRef idx="2">
+        <a:scrgbClr r="0" g="0" b="0"/>
+      </a:lnRef>
+      <a:fillRef idx="1">
+        <a:scrgbClr r="0" g="0" b="0"/>
+      </a:fillRef>
+      <a:effectRef idx="0">
+        <a:scrgbClr r="0" g="0" b="0"/>
+      </a:effectRef>
+      <a:fontRef idx="minor"/>
+    </dgm:style>
+  </dgm:styleLbl>
+  <dgm:styleLbl name="solidBgAcc1">
+    <dgm:scene3d>
+      <a:camera prst="orthographicFront"/>
+      <a:lightRig rig="threePt" dir="t"/>
+    </dgm:scene3d>
+    <dgm:sp3d/>
+    <dgm:txPr/>
+    <dgm:style>
+      <a:lnRef idx="2">
+        <a:scrgbClr r="0" g="0" b="0"/>
+      </a:lnRef>
+      <a:fillRef idx="1">
+        <a:scrgbClr r="0" g="0" b="0"/>
+      </a:fillRef>
+      <a:effectRef idx="0">
+        <a:scrgbClr r="0" g="0" b="0"/>
+      </a:effectRef>
+      <a:fontRef idx="minor"/>
+    </dgm:style>
+  </dgm:styleLbl>
+  <dgm:styleLbl name="fgAccFollowNode1">
+    <dgm:scene3d>
+      <a:camera prst="orthographicFront"/>
+      <a:lightRig rig="threePt" dir="t"/>
+    </dgm:scene3d>
+    <dgm:sp3d/>
+    <dgm:txPr/>
+    <dgm:style>
+      <a:lnRef idx="2">
+        <a:scrgbClr r="0" g="0" b="0"/>
+      </a:lnRef>
+      <a:fillRef idx="1">
+        <a:scrgbClr r="0" g="0" b="0"/>
+      </a:fillRef>
+      <a:effectRef idx="0">
+        <a:scrgbClr r="0" g="0" b="0"/>
+      </a:effectRef>
+      <a:fontRef idx="minor"/>
+    </dgm:style>
+  </dgm:styleLbl>
+  <dgm:styleLbl name="alignAccFollowNode1">
+    <dgm:scene3d>
+      <a:camera prst="orthographicFront"/>
+      <a:lightRig rig="threePt" dir="t"/>
+    </dgm:scene3d>
+    <dgm:sp3d/>
+    <dgm:txPr/>
+    <dgm:style>
+      <a:lnRef idx="2">
+        <a:scrgbClr r="0" g="0" b="0"/>
+      </a:lnRef>
+      <a:fillRef idx="1">
+        <a:scrgbClr r="0" g="0" b="0"/>
+      </a:fillRef>
+      <a:effectRef idx="0">
+        <a:scrgbClr r="0" g="0" b="0"/>
+      </a:effectRef>
+      <a:fontRef idx="minor"/>
+    </dgm:style>
+  </dgm:styleLbl>
+  <dgm:styleLbl name="bgAccFollowNode1">
+    <dgm:scene3d>
+      <a:camera prst="orthographicFront"/>
+      <a:lightRig rig="threePt" dir="t"/>
+    </dgm:scene3d>
+    <dgm:sp3d/>
+    <dgm:txPr/>
+    <dgm:style>
+      <a:lnRef idx="2">
+        <a:scrgbClr r="0" g="0" b="0"/>
+      </a:lnRef>
+      <a:fillRef idx="1">
+        <a:scrgbClr r="0" g="0" b="0"/>
+      </a:fillRef>
+      <a:effectRef idx="0">
+        <a:scrgbClr r="0" g="0" b="0"/>
+      </a:effectRef>
+      <a:fontRef idx="minor"/>
+    </dgm:style>
+  </dgm:styleLbl>
+  <dgm:styleLbl name="fgAcc0">
+    <dgm:scene3d>
+      <a:camera prst="orthographicFront"/>
+      <a:lightRig rig="threePt" dir="t"/>
+    </dgm:scene3d>
+    <dgm:sp3d/>
+    <dgm:txPr/>
+    <dgm:style>
+      <a:lnRef idx="2">
+        <a:scrgbClr r="0" g="0" b="0"/>
+      </a:lnRef>
+      <a:fillRef idx="1">
+        <a:scrgbClr r="0" g="0" b="0"/>
+      </a:fillRef>
+      <a:effectRef idx="0">
+        <a:scrgbClr r="0" g="0" b="0"/>
+      </a:effectRef>
+      <a:fontRef idx="minor"/>
+    </dgm:style>
+  </dgm:styleLbl>
+  <dgm:styleLbl name="fgAcc2">
+    <dgm:scene3d>
+      <a:camera prst="orthographicFront"/>
+      <a:lightRig rig="threePt" dir="t"/>
+    </dgm:scene3d>
+    <dgm:sp3d/>
+    <dgm:txPr/>
+    <dgm:style>
+      <a:lnRef idx="2">
+        <a:scrgbClr r="0" g="0" b="0"/>
+      </a:lnRef>
+      <a:fillRef idx="1">
+        <a:scrgbClr r="0" g="0" b="0"/>
+      </a:fillRef>
+      <a:effectRef idx="0">
+        <a:scrgbClr r="0" g="0" b="0"/>
+      </a:effectRef>
+      <a:fontRef idx="minor"/>
+    </dgm:style>
+  </dgm:styleLbl>
+  <dgm:styleLbl name="fgAcc3">
+    <dgm:scene3d>
+      <a:camera prst="orthographicFront"/>
+      <a:lightRig rig="threePt" dir="t"/>
+    </dgm:scene3d>
+    <dgm:sp3d/>
+    <dgm:txPr/>
+    <dgm:style>
+      <a:lnRef idx="2">
+        <a:scrgbClr r="0" g="0" b="0"/>
+      </a:lnRef>
+      <a:fillRef idx="1">
+        <a:scrgbClr r="0" g="0" b="0"/>
+      </a:fillRef>
+      <a:effectRef idx="0">
+        <a:scrgbClr r="0" g="0" b="0"/>
+      </a:effectRef>
+      <a:fontRef idx="minor"/>
+    </dgm:style>
+  </dgm:styleLbl>
+  <dgm:styleLbl name="fgAcc4">
+    <dgm:scene3d>
+      <a:camera prst="orthographicFront"/>
+      <a:lightRig rig="threePt" dir="t"/>
+    </dgm:scene3d>
+    <dgm:sp3d/>
+    <dgm:txPr/>
+    <dgm:style>
+      <a:lnRef idx="2">
+        <a:scrgbClr r="0" g="0" b="0"/>
+      </a:lnRef>
+      <a:fillRef idx="1">
+        <a:scrgbClr r="0" g="0" b="0"/>
+      </a:fillRef>
+      <a:effectRef idx="0">
+        <a:scrgbClr r="0" g="0" b="0"/>
+      </a:effectRef>
+      <a:fontRef idx="minor"/>
+    </dgm:style>
+  </dgm:styleLbl>
+  <dgm:styleLbl name="bgShp">
+    <dgm:scene3d>
+      <a:camera prst="orthographicFront"/>
+      <a:lightRig rig="threePt" dir="t"/>
+    </dgm:scene3d>
+    <dgm:sp3d/>
+    <dgm:txPr/>
+    <dgm:style>
+      <a:lnRef idx="0">
+        <a:scrgbClr r="0" g="0" b="0"/>
+      </a:lnRef>
+      <a:fillRef idx="1">
+        <a:scrgbClr r="0" g="0" b="0"/>
+      </a:fillRef>
+      <a:effectRef idx="0">
+        <a:scrgbClr r="0" g="0" b="0"/>
+      </a:effectRef>
+      <a:fontRef idx="minor"/>
+    </dgm:style>
+  </dgm:styleLbl>
+  <dgm:styleLbl name="dkBgShp">
+    <dgm:scene3d>
+      <a:camera prst="orthographicFront"/>
+      <a:lightRig rig="threePt" dir="t"/>
+    </dgm:scene3d>
+    <dgm:sp3d/>
+    <dgm:txPr/>
+    <dgm:style>
+      <a:lnRef idx="0">
+        <a:scrgbClr r="0" g="0" b="0"/>
+      </a:lnRef>
+      <a:fillRef idx="1">
+        <a:scrgbClr r="0" g="0" b="0"/>
+      </a:fillRef>
+      <a:effectRef idx="0">
+        <a:scrgbClr r="0" g="0" b="0"/>
+      </a:effectRef>
+      <a:fontRef idx="minor"/>
+    </dgm:style>
+  </dgm:styleLbl>
+  <dgm:styleLbl name="trBgShp">
+    <dgm:scene3d>
+      <a:camera prst="orthographicFront"/>
+      <a:lightRig rig="threePt" dir="t"/>
+    </dgm:scene3d>
+    <dgm:sp3d/>
+    <dgm:txPr/>
+    <dgm:style>
+      <a:lnRef idx="0">
+        <a:scrgbClr r="0" g="0" b="0"/>
+      </a:lnRef>
+      <a:fillRef idx="1">
+        <a:scrgbClr r="0" g="0" b="0"/>
+      </a:fillRef>
+      <a:effectRef idx="0">
+        <a:scrgbClr r="0" g="0" b="0"/>
+      </a:effectRef>
+      <a:fontRef idx="minor"/>
+    </dgm:style>
+  </dgm:styleLbl>
+  <dgm:styleLbl name="fgShp">
+    <dgm:scene3d>
+      <a:camera prst="orthographicFront"/>
+      <a:lightRig rig="threePt" dir="t"/>
+    </dgm:scene3d>
+    <dgm:sp3d/>
+    <dgm:txPr/>
+    <dgm:style>
+      <a:lnRef idx="2">
+        <a:scrgbClr r="0" g="0" b="0"/>
+      </a:lnRef>
+      <a:fillRef idx="1">
+        <a:scrgbClr r="0" g="0" b="0"/>
+      </a:fillRef>
+      <a:effectRef idx="0">
+        <a:scrgbClr r="0" g="0" b="0"/>
+      </a:effectRef>
+      <a:fontRef idx="minor"/>
+    </dgm:style>
+  </dgm:styleLbl>
+  <dgm:styleLbl name="revTx">
+    <dgm:scene3d>
+      <a:camera prst="orthographicFront"/>
+      <a:lightRig rig="threePt" dir="t"/>
+    </dgm:scene3d>
+    <dgm:sp3d/>
+    <dgm:txPr/>
+    <dgm:style>
+      <a:lnRef idx="0">
+        <a:scrgbClr r="0" g="0" b="0"/>
+      </a:lnRef>
+      <a:fillRef idx="0">
+        <a:scrgbClr r="0" g="0" b="0"/>
+      </a:fillRef>
+      <a:effectRef idx="0">
+        <a:scrgbClr r="0" g="0" b="0"/>
+      </a:effectRef>
+      <a:fontRef idx="minor"/>
+    </dgm:style>
+  </dgm:styleLbl>
+</dgm:styleDef>
+</file>
+
 <file path=ppt/handoutMasters/handoutMaster1.xml><?xml version="1.0" encoding="utf-8"?>
 <p:handoutMaster xmlns:a="http://schemas.openxmlformats.org/drawingml/2006/main" xmlns:r="http://schemas.openxmlformats.org/officeDocument/2006/relationships" xmlns:p="http://schemas.openxmlformats.org/presentationml/2006/main">
   <p:cSld>
@@ -879,134 +3452,15 @@
           <a:lstStyle/>
           <a:p>
             <a:pPr fontAlgn="base"/>
-            <a:r>
-              <a:rPr lang="en-US" sz="1200" b="0" i="0" kern="1200" dirty="0">
-                <a:solidFill>
-                  <a:schemeClr val="tx1"/>
-                </a:solidFill>
-                <a:effectLst/>
-                <a:latin typeface="Arial" panose="020B0604020202020204" pitchFamily="34" charset="0"/>
-                <a:ea typeface="+mn-ea"/>
-                <a:cs typeface="+mn-cs"/>
-              </a:rPr>
-              <a:t>A </a:t>
-            </a:r>
-            <a:r>
-              <a:rPr lang="en-US" sz="1200" b="0" i="1" kern="1200" dirty="0">
-                <a:solidFill>
-                  <a:schemeClr val="tx1"/>
-                </a:solidFill>
-                <a:effectLst/>
-                <a:latin typeface="Arial" panose="020B0604020202020204" pitchFamily="34" charset="0"/>
-                <a:ea typeface="+mn-ea"/>
-                <a:cs typeface="+mn-cs"/>
-              </a:rPr>
-              <a:t>variable</a:t>
-            </a:r>
-            <a:r>
-              <a:rPr lang="en-US" sz="1200" b="0" i="0" kern="1200" dirty="0">
-                <a:solidFill>
-                  <a:schemeClr val="tx1"/>
-                </a:solidFill>
-                <a:effectLst/>
-                <a:latin typeface="Arial" panose="020B0604020202020204" pitchFamily="34" charset="0"/>
-                <a:ea typeface="+mn-ea"/>
-                <a:cs typeface="+mn-cs"/>
-              </a:rPr>
-              <a:t> stored in an instance or class is called an </a:t>
-            </a:r>
-            <a:r>
-              <a:rPr lang="en-US" sz="1200" b="0" i="1" u="sng" kern="1200" dirty="0">
-                <a:solidFill>
-                  <a:schemeClr val="tx1"/>
-                </a:solidFill>
-                <a:effectLst/>
-                <a:latin typeface="Arial" panose="020B0604020202020204" pitchFamily="34" charset="0"/>
-                <a:ea typeface="+mn-ea"/>
-                <a:cs typeface="+mn-cs"/>
-                <a:hlinkClick r:id="rId3"/>
-              </a:rPr>
-              <a:t>attribute</a:t>
-            </a:r>
-            <a:r>
-              <a:rPr lang="en-US" sz="1200" b="0" i="0" kern="1200" dirty="0">
-                <a:solidFill>
-                  <a:schemeClr val="tx1"/>
-                </a:solidFill>
-                <a:effectLst/>
-                <a:latin typeface="Arial" panose="020B0604020202020204" pitchFamily="34" charset="0"/>
-                <a:ea typeface="+mn-ea"/>
-                <a:cs typeface="+mn-cs"/>
-              </a:rPr>
-              <a:t>.</a:t>
-            </a:r>
-          </a:p>
-          <a:p>
-            <a:pPr fontAlgn="base"/>
-            <a:r>
-              <a:rPr lang="en-US" sz="1200" b="0" i="0" kern="1200" dirty="0">
-                <a:solidFill>
-                  <a:schemeClr val="tx1"/>
-                </a:solidFill>
-                <a:effectLst/>
-                <a:latin typeface="Arial" panose="020B0604020202020204" pitchFamily="34" charset="0"/>
-                <a:ea typeface="+mn-ea"/>
-                <a:cs typeface="+mn-cs"/>
-              </a:rPr>
-              <a:t>A </a:t>
-            </a:r>
-            <a:r>
-              <a:rPr lang="en-US" sz="1200" b="0" i="1" kern="1200" dirty="0">
-                <a:solidFill>
-                  <a:schemeClr val="tx1"/>
-                </a:solidFill>
-                <a:effectLst/>
-                <a:latin typeface="Arial" panose="020B0604020202020204" pitchFamily="34" charset="0"/>
-                <a:ea typeface="+mn-ea"/>
-                <a:cs typeface="+mn-cs"/>
-              </a:rPr>
-              <a:t>function</a:t>
-            </a:r>
-            <a:r>
-              <a:rPr lang="en-US" sz="1200" b="0" i="0" kern="1200" dirty="0">
-                <a:solidFill>
-                  <a:schemeClr val="tx1"/>
-                </a:solidFill>
-                <a:effectLst/>
-                <a:latin typeface="Arial" panose="020B0604020202020204" pitchFamily="34" charset="0"/>
-                <a:ea typeface="+mn-ea"/>
-                <a:cs typeface="+mn-cs"/>
-              </a:rPr>
-              <a:t> stored in an instance or class is called a </a:t>
-            </a:r>
-            <a:r>
-              <a:rPr lang="en-US" sz="1200" b="0" i="1" u="sng" kern="1200" dirty="0">
-                <a:solidFill>
-                  <a:schemeClr val="tx1"/>
-                </a:solidFill>
-                <a:effectLst/>
-                <a:latin typeface="Arial" panose="020B0604020202020204" pitchFamily="34" charset="0"/>
-                <a:ea typeface="+mn-ea"/>
-                <a:cs typeface="+mn-cs"/>
-                <a:hlinkClick r:id="rId4"/>
-              </a:rPr>
-              <a:t>method</a:t>
-            </a:r>
-            <a:r>
-              <a:rPr lang="en-US" sz="1200" b="0" i="0" kern="1200" dirty="0">
-                <a:solidFill>
-                  <a:schemeClr val="tx1"/>
-                </a:solidFill>
-                <a:effectLst/>
-                <a:latin typeface="Arial" panose="020B0604020202020204" pitchFamily="34" charset="0"/>
-                <a:ea typeface="+mn-ea"/>
-                <a:cs typeface="+mn-cs"/>
-              </a:rPr>
-              <a:t>.</a:t>
-            </a:r>
-          </a:p>
-          <a:p>
-            <a:endParaRPr lang="en-US" dirty="0"/>
+            <a:endParaRPr lang="en-US" sz="1200" b="0" i="0" kern="1200" dirty="0">
+              <a:solidFill>
+                <a:schemeClr val="tx1"/>
+              </a:solidFill>
+              <a:effectLst/>
+              <a:latin typeface="Arial" panose="020B0604020202020204" pitchFamily="34" charset="0"/>
+              <a:ea typeface="+mn-ea"/>
+              <a:cs typeface="+mn-cs"/>
+            </a:endParaRPr>
           </a:p>
         </p:txBody>
       </p:sp>
@@ -1028,7 +3482,7 @@
             <a:fld id="{C0F4A2C8-6C88-4E71-83EE-698B9D4FE22F}" type="slidenum">
               <a:rPr lang="en-US" smtClean="0"/>
               <a:pPr/>
-              <a:t>3</a:t>
+              <a:t>4</a:t>
             </a:fld>
             <a:endParaRPr lang="en-US" dirty="0"/>
           </a:p>
@@ -1037,7 +3491,7 @@
     </p:spTree>
     <p:extLst>
       <p:ext uri="{BB962C8B-B14F-4D97-AF65-F5344CB8AC3E}">
-        <p14:creationId xmlns:p14="http://schemas.microsoft.com/office/powerpoint/2010/main" val="3571542102"/>
+        <p14:creationId xmlns:p14="http://schemas.microsoft.com/office/powerpoint/2010/main" val="694037721"/>
       </p:ext>
     </p:extLst>
   </p:cSld>
@@ -1102,120 +3556,7 @@
                 <a:ea typeface="+mn-ea"/>
                 <a:cs typeface="+mn-cs"/>
               </a:rPr>
-              <a:t>A </a:t>
-            </a:r>
-            <a:r>
-              <a:rPr lang="en-US" sz="1200" b="0" i="1" kern="1200" dirty="0">
-                <a:solidFill>
-                  <a:schemeClr val="tx1"/>
-                </a:solidFill>
-                <a:effectLst/>
-                <a:latin typeface="Arial" panose="020B0604020202020204" pitchFamily="34" charset="0"/>
-                <a:ea typeface="+mn-ea"/>
-                <a:cs typeface="+mn-cs"/>
-              </a:rPr>
-              <a:t>variable</a:t>
-            </a:r>
-            <a:r>
-              <a:rPr lang="en-US" sz="1200" b="0" i="0" kern="1200" dirty="0">
-                <a:solidFill>
-                  <a:schemeClr val="tx1"/>
-                </a:solidFill>
-                <a:effectLst/>
-                <a:latin typeface="Arial" panose="020B0604020202020204" pitchFamily="34" charset="0"/>
-                <a:ea typeface="+mn-ea"/>
-                <a:cs typeface="+mn-cs"/>
-              </a:rPr>
-              <a:t> stored in an instance or class is called an </a:t>
-            </a:r>
-            <a:r>
-              <a:rPr lang="en-US" sz="1200" b="0" i="1" u="sng" kern="1200" dirty="0">
-                <a:solidFill>
-                  <a:schemeClr val="tx1"/>
-                </a:solidFill>
-                <a:effectLst/>
-                <a:latin typeface="Arial" panose="020B0604020202020204" pitchFamily="34" charset="0"/>
-                <a:ea typeface="+mn-ea"/>
-                <a:cs typeface="+mn-cs"/>
-                <a:hlinkClick r:id="rId3"/>
-              </a:rPr>
-              <a:t>attribute</a:t>
-            </a:r>
-            <a:r>
-              <a:rPr lang="en-US" sz="1200" b="0" i="0" kern="1200" dirty="0">
-                <a:solidFill>
-                  <a:schemeClr val="tx1"/>
-                </a:solidFill>
-                <a:effectLst/>
-                <a:latin typeface="Arial" panose="020B0604020202020204" pitchFamily="34" charset="0"/>
-                <a:ea typeface="+mn-ea"/>
-                <a:cs typeface="+mn-cs"/>
-              </a:rPr>
-              <a:t>.</a:t>
-            </a:r>
-          </a:p>
-          <a:p>
-            <a:pPr fontAlgn="base"/>
-            <a:r>
-              <a:rPr lang="en-US" sz="1200" b="0" i="0" kern="1200" dirty="0">
-                <a:solidFill>
-                  <a:schemeClr val="tx1"/>
-                </a:solidFill>
-                <a:effectLst/>
-                <a:latin typeface="Arial" panose="020B0604020202020204" pitchFamily="34" charset="0"/>
-                <a:ea typeface="+mn-ea"/>
-                <a:cs typeface="+mn-cs"/>
-              </a:rPr>
-              <a:t>A </a:t>
-            </a:r>
-            <a:r>
-              <a:rPr lang="en-US" sz="1200" b="0" i="1" kern="1200" dirty="0">
-                <a:solidFill>
-                  <a:schemeClr val="tx1"/>
-                </a:solidFill>
-                <a:effectLst/>
-                <a:latin typeface="Arial" panose="020B0604020202020204" pitchFamily="34" charset="0"/>
-                <a:ea typeface="+mn-ea"/>
-                <a:cs typeface="+mn-cs"/>
-              </a:rPr>
-              <a:t>function</a:t>
-            </a:r>
-            <a:r>
-              <a:rPr lang="en-US" sz="1200" b="0" i="0" kern="1200" dirty="0">
-                <a:solidFill>
-                  <a:schemeClr val="tx1"/>
-                </a:solidFill>
-                <a:effectLst/>
-                <a:latin typeface="Arial" panose="020B0604020202020204" pitchFamily="34" charset="0"/>
-                <a:ea typeface="+mn-ea"/>
-                <a:cs typeface="+mn-cs"/>
-              </a:rPr>
-              <a:t> stored in an instance or class is called a </a:t>
-            </a:r>
-            <a:r>
-              <a:rPr lang="en-US" sz="1200" b="0" i="1" u="sng" kern="1200" dirty="0">
-                <a:solidFill>
-                  <a:schemeClr val="tx1"/>
-                </a:solidFill>
-                <a:effectLst/>
-                <a:latin typeface="Arial" panose="020B0604020202020204" pitchFamily="34" charset="0"/>
-                <a:ea typeface="+mn-ea"/>
-                <a:cs typeface="+mn-cs"/>
-                <a:hlinkClick r:id="rId4"/>
-              </a:rPr>
-              <a:t>method</a:t>
-            </a:r>
-            <a:r>
-              <a:rPr lang="en-US" sz="1200" b="0" i="0" kern="1200" dirty="0">
-                <a:solidFill>
-                  <a:schemeClr val="tx1"/>
-                </a:solidFill>
-                <a:effectLst/>
-                <a:latin typeface="Arial" panose="020B0604020202020204" pitchFamily="34" charset="0"/>
-                <a:ea typeface="+mn-ea"/>
-                <a:cs typeface="+mn-cs"/>
-              </a:rPr>
-              <a:t>.</a:t>
+              <a:t>One-liner definition</a:t>
             </a:r>
           </a:p>
           <a:p>
@@ -1241,7 +3582,7 @@
             <a:fld id="{C0F4A2C8-6C88-4E71-83EE-698B9D4FE22F}" type="slidenum">
               <a:rPr lang="en-US" smtClean="0"/>
               <a:pPr/>
-              <a:t>6</a:t>
+              <a:t>5</a:t>
             </a:fld>
             <a:endParaRPr lang="en-US" dirty="0"/>
           </a:p>
@@ -1250,7 +3591,7 @@
     </p:spTree>
     <p:extLst>
       <p:ext uri="{BB962C8B-B14F-4D97-AF65-F5344CB8AC3E}">
-        <p14:creationId xmlns:p14="http://schemas.microsoft.com/office/powerpoint/2010/main" val="3212742997"/>
+        <p14:creationId xmlns:p14="http://schemas.microsoft.com/office/powerpoint/2010/main" val="3571542102"/>
       </p:ext>
     </p:extLst>
   </p:cSld>
@@ -1304,6 +3645,134 @@
           <a:bodyPr/>
           <a:lstStyle/>
           <a:p>
+            <a:pPr fontAlgn="base"/>
+            <a:r>
+              <a:rPr lang="en-US" sz="1200" b="0" i="0" kern="1200" dirty="0">
+                <a:solidFill>
+                  <a:schemeClr val="tx1"/>
+                </a:solidFill>
+                <a:effectLst/>
+                <a:latin typeface="Arial" panose="020B0604020202020204" pitchFamily="34" charset="0"/>
+                <a:ea typeface="+mn-ea"/>
+                <a:cs typeface="+mn-cs"/>
+              </a:rPr>
+              <a:t>A </a:t>
+            </a:r>
+            <a:r>
+              <a:rPr lang="en-US" sz="1200" b="0" i="1" kern="1200" dirty="0">
+                <a:solidFill>
+                  <a:schemeClr val="tx1"/>
+                </a:solidFill>
+                <a:effectLst/>
+                <a:latin typeface="Arial" panose="020B0604020202020204" pitchFamily="34" charset="0"/>
+                <a:ea typeface="+mn-ea"/>
+                <a:cs typeface="+mn-cs"/>
+              </a:rPr>
+              <a:t>variable</a:t>
+            </a:r>
+            <a:r>
+              <a:rPr lang="en-US" sz="1200" b="0" i="0" kern="1200" dirty="0">
+                <a:solidFill>
+                  <a:schemeClr val="tx1"/>
+                </a:solidFill>
+                <a:effectLst/>
+                <a:latin typeface="Arial" panose="020B0604020202020204" pitchFamily="34" charset="0"/>
+                <a:ea typeface="+mn-ea"/>
+                <a:cs typeface="+mn-cs"/>
+              </a:rPr>
+              <a:t> stored in an instance or class is called an </a:t>
+            </a:r>
+            <a:r>
+              <a:rPr lang="en-US" sz="1200" b="0" i="1" u="sng" kern="1200" dirty="0">
+                <a:solidFill>
+                  <a:schemeClr val="tx1"/>
+                </a:solidFill>
+                <a:effectLst/>
+                <a:latin typeface="Arial" panose="020B0604020202020204" pitchFamily="34" charset="0"/>
+                <a:ea typeface="+mn-ea"/>
+                <a:cs typeface="+mn-cs"/>
+                <a:hlinkClick r:id="rId3"/>
+              </a:rPr>
+              <a:t>attribute</a:t>
+            </a:r>
+            <a:r>
+              <a:rPr lang="en-US" sz="1200" b="0" i="0" kern="1200" dirty="0">
+                <a:solidFill>
+                  <a:schemeClr val="tx1"/>
+                </a:solidFill>
+                <a:effectLst/>
+                <a:latin typeface="Arial" panose="020B0604020202020204" pitchFamily="34" charset="0"/>
+                <a:ea typeface="+mn-ea"/>
+                <a:cs typeface="+mn-cs"/>
+              </a:rPr>
+              <a:t>.</a:t>
+            </a:r>
+          </a:p>
+          <a:p>
+            <a:pPr fontAlgn="base"/>
+            <a:r>
+              <a:rPr lang="en-US" sz="1200" b="0" i="0" kern="1200" dirty="0">
+                <a:solidFill>
+                  <a:schemeClr val="tx1"/>
+                </a:solidFill>
+                <a:effectLst/>
+                <a:latin typeface="Arial" panose="020B0604020202020204" pitchFamily="34" charset="0"/>
+                <a:ea typeface="+mn-ea"/>
+                <a:cs typeface="+mn-cs"/>
+              </a:rPr>
+              <a:t>A </a:t>
+            </a:r>
+            <a:r>
+              <a:rPr lang="en-US" sz="1200" b="0" i="1" kern="1200" dirty="0">
+                <a:solidFill>
+                  <a:schemeClr val="tx1"/>
+                </a:solidFill>
+                <a:effectLst/>
+                <a:latin typeface="Arial" panose="020B0604020202020204" pitchFamily="34" charset="0"/>
+                <a:ea typeface="+mn-ea"/>
+                <a:cs typeface="+mn-cs"/>
+              </a:rPr>
+              <a:t>function</a:t>
+            </a:r>
+            <a:r>
+              <a:rPr lang="en-US" sz="1200" b="0" i="0" kern="1200" dirty="0">
+                <a:solidFill>
+                  <a:schemeClr val="tx1"/>
+                </a:solidFill>
+                <a:effectLst/>
+                <a:latin typeface="Arial" panose="020B0604020202020204" pitchFamily="34" charset="0"/>
+                <a:ea typeface="+mn-ea"/>
+                <a:cs typeface="+mn-cs"/>
+              </a:rPr>
+              <a:t> stored in an instance or class is called a </a:t>
+            </a:r>
+            <a:r>
+              <a:rPr lang="en-US" sz="1200" b="0" i="1" u="sng" kern="1200" dirty="0">
+                <a:solidFill>
+                  <a:schemeClr val="tx1"/>
+                </a:solidFill>
+                <a:effectLst/>
+                <a:latin typeface="Arial" panose="020B0604020202020204" pitchFamily="34" charset="0"/>
+                <a:ea typeface="+mn-ea"/>
+                <a:cs typeface="+mn-cs"/>
+                <a:hlinkClick r:id="rId4"/>
+              </a:rPr>
+              <a:t>method</a:t>
+            </a:r>
+            <a:r>
+              <a:rPr lang="en-US" sz="1200" b="0" i="0" kern="1200" dirty="0">
+                <a:solidFill>
+                  <a:schemeClr val="tx1"/>
+                </a:solidFill>
+                <a:effectLst/>
+                <a:latin typeface="Arial" panose="020B0604020202020204" pitchFamily="34" charset="0"/>
+                <a:ea typeface="+mn-ea"/>
+                <a:cs typeface="+mn-cs"/>
+              </a:rPr>
+              <a:t>.</a:t>
+            </a:r>
+          </a:p>
+          <a:p>
             <a:endParaRPr lang="en-US" dirty="0"/>
           </a:p>
         </p:txBody>
@@ -1327,6 +3796,91 @@
               <a:rPr lang="en-US" smtClean="0"/>
               <a:pPr/>
               <a:t>8</a:t>
+            </a:fld>
+            <a:endParaRPr lang="en-US" dirty="0"/>
+          </a:p>
+        </p:txBody>
+      </p:sp>
+    </p:spTree>
+    <p:extLst>
+      <p:ext uri="{BB962C8B-B14F-4D97-AF65-F5344CB8AC3E}">
+        <p14:creationId xmlns:p14="http://schemas.microsoft.com/office/powerpoint/2010/main" val="3212742997"/>
+      </p:ext>
+    </p:extLst>
+  </p:cSld>
+  <p:clrMapOvr>
+    <a:masterClrMapping/>
+  </p:clrMapOvr>
+</p:notes>
+</file>
+
+<file path=ppt/notesSlides/notesSlide5.xml><?xml version="1.0" encoding="utf-8"?>
+<p:notes xmlns:a="http://schemas.openxmlformats.org/drawingml/2006/main" xmlns:r="http://schemas.openxmlformats.org/officeDocument/2006/relationships" xmlns:p="http://schemas.openxmlformats.org/presentationml/2006/main">
+  <p:cSld>
+    <p:spTree>
+      <p:nvGrpSpPr>
+        <p:cNvPr id="1" name=""/>
+        <p:cNvGrpSpPr/>
+        <p:nvPr/>
+      </p:nvGrpSpPr>
+      <p:grpSpPr>
+        <a:xfrm>
+          <a:off x="0" y="0"/>
+          <a:ext cx="0" cy="0"/>
+          <a:chOff x="0" y="0"/>
+          <a:chExt cx="0" cy="0"/>
+        </a:xfrm>
+      </p:grpSpPr>
+      <p:sp>
+        <p:nvSpPr>
+          <p:cNvPr id="2" name="Slide Image Placeholder 1"/>
+          <p:cNvSpPr>
+            <a:spLocks noGrp="1" noRot="1" noChangeAspect="1"/>
+          </p:cNvSpPr>
+          <p:nvPr>
+            <p:ph type="sldImg"/>
+          </p:nvPr>
+        </p:nvSpPr>
+        <p:spPr/>
+      </p:sp>
+      <p:sp>
+        <p:nvSpPr>
+          <p:cNvPr id="3" name="Notes Placeholder 2"/>
+          <p:cNvSpPr>
+            <a:spLocks noGrp="1"/>
+          </p:cNvSpPr>
+          <p:nvPr>
+            <p:ph type="body" idx="1"/>
+          </p:nvPr>
+        </p:nvSpPr>
+        <p:spPr/>
+        <p:txBody>
+          <a:bodyPr/>
+          <a:lstStyle/>
+          <a:p>
+            <a:endParaRPr lang="en-US" dirty="0"/>
+          </a:p>
+        </p:txBody>
+      </p:sp>
+      <p:sp>
+        <p:nvSpPr>
+          <p:cNvPr id="4" name="Slide Number Placeholder 3"/>
+          <p:cNvSpPr>
+            <a:spLocks noGrp="1"/>
+          </p:cNvSpPr>
+          <p:nvPr>
+            <p:ph type="sldNum" sz="quarter" idx="5"/>
+          </p:nvPr>
+        </p:nvSpPr>
+        <p:spPr/>
+        <p:txBody>
+          <a:bodyPr/>
+          <a:lstStyle/>
+          <a:p>
+            <a:fld id="{C0F4A2C8-6C88-4E71-83EE-698B9D4FE22F}" type="slidenum">
+              <a:rPr lang="en-US" smtClean="0"/>
+              <a:pPr/>
+              <a:t>10</a:t>
             </a:fld>
             <a:endParaRPr lang="en-US" dirty="0"/>
           </a:p>
@@ -1657,7 +4211,7 @@
             </a:ln>
             <a:extLst>
               <a:ext uri="{91240B29-F687-4f45-9708-019B960494DF}">
-                <a14:hiddenLine xmlns="" xmlns:a14="http://schemas.microsoft.com/office/drawing/2010/main" w="9525">
+                <a14:hiddenLine xmlns:a14="http://schemas.microsoft.com/office/drawing/2010/main" xmlns="" w="9525">
                   <a:solidFill>
                     <a:srgbClr val="000000"/>
                   </a:solidFill>
@@ -1872,7 +4426,7 @@
             </a:ln>
             <a:extLst>
               <a:ext uri="{91240B29-F687-4f45-9708-019B960494DF}">
-                <a14:hiddenLine xmlns="" xmlns:a14="http://schemas.microsoft.com/office/drawing/2010/main" w="9525">
+                <a14:hiddenLine xmlns:a14="http://schemas.microsoft.com/office/drawing/2010/main" xmlns="" w="9525">
                   <a:solidFill>
                     <a:srgbClr val="000000"/>
                   </a:solidFill>
@@ -1921,7 +4475,7 @@
             </a:ln>
             <a:extLst>
               <a:ext uri="{91240B29-F687-4f45-9708-019B960494DF}">
-                <a14:hiddenLine xmlns="" xmlns:a14="http://schemas.microsoft.com/office/drawing/2010/main" w="9525">
+                <a14:hiddenLine xmlns:a14="http://schemas.microsoft.com/office/drawing/2010/main" xmlns="" w="9525">
                   <a:solidFill>
                     <a:srgbClr val="000000"/>
                   </a:solidFill>
@@ -2166,7 +4720,7 @@
             </a:ln>
             <a:extLst>
               <a:ext uri="{91240B29-F687-4f45-9708-019B960494DF}">
-                <a14:hiddenLine xmlns="" xmlns:a14="http://schemas.microsoft.com/office/drawing/2010/main" w="9525">
+                <a14:hiddenLine xmlns:a14="http://schemas.microsoft.com/office/drawing/2010/main" xmlns="" w="9525">
                   <a:solidFill>
                     <a:srgbClr val="000000"/>
                   </a:solidFill>
@@ -2215,7 +4769,7 @@
             </a:ln>
             <a:extLst>
               <a:ext uri="{91240B29-F687-4f45-9708-019B960494DF}">
-                <a14:hiddenLine xmlns="" xmlns:a14="http://schemas.microsoft.com/office/drawing/2010/main" w="9525">
+                <a14:hiddenLine xmlns:a14="http://schemas.microsoft.com/office/drawing/2010/main" xmlns="" w="9525">
                   <a:solidFill>
                     <a:srgbClr val="000000"/>
                   </a:solidFill>
@@ -2264,7 +4818,7 @@
             </a:ln>
             <a:extLst>
               <a:ext uri="{91240B29-F687-4f45-9708-019B960494DF}">
-                <a14:hiddenLine xmlns="" xmlns:a14="http://schemas.microsoft.com/office/drawing/2010/main" w="9525">
+                <a14:hiddenLine xmlns:a14="http://schemas.microsoft.com/office/drawing/2010/main" xmlns="" w="9525">
                   <a:solidFill>
                     <a:srgbClr val="000000"/>
                   </a:solidFill>
@@ -2511,7 +5065,7 @@
             </a:ln>
             <a:extLst>
               <a:ext uri="{91240B29-F687-4f45-9708-019B960494DF}">
-                <a14:hiddenLine xmlns="" xmlns:a14="http://schemas.microsoft.com/office/drawing/2010/main" w="9525">
+                <a14:hiddenLine xmlns:a14="http://schemas.microsoft.com/office/drawing/2010/main" xmlns="" w="9525">
                   <a:solidFill>
                     <a:srgbClr val="000000"/>
                   </a:solidFill>
@@ -2758,7 +5312,7 @@
             </a:ln>
             <a:extLst>
               <a:ext uri="{91240B29-F687-4f45-9708-019B960494DF}">
-                <a14:hiddenLine xmlns="" xmlns:a14="http://schemas.microsoft.com/office/drawing/2010/main" w="9525">
+                <a14:hiddenLine xmlns:a14="http://schemas.microsoft.com/office/drawing/2010/main" xmlns="" w="9525">
                   <a:solidFill>
                     <a:srgbClr val="000000"/>
                   </a:solidFill>
@@ -3032,7 +5586,7 @@
             </a:ln>
             <a:extLst>
               <a:ext uri="{91240B29-F687-4f45-9708-019B960494DF}">
-                <a14:hiddenLine xmlns="" xmlns:a14="http://schemas.microsoft.com/office/drawing/2010/main" w="9525">
+                <a14:hiddenLine xmlns:a14="http://schemas.microsoft.com/office/drawing/2010/main" xmlns="" w="9525">
                   <a:solidFill>
                     <a:srgbClr val="000000"/>
                   </a:solidFill>
@@ -3306,7 +5860,7 @@
             </a:ln>
             <a:extLst>
               <a:ext uri="{91240B29-F687-4f45-9708-019B960494DF}">
-                <a14:hiddenLine xmlns="" xmlns:a14="http://schemas.microsoft.com/office/drawing/2010/main" w="9525">
+                <a14:hiddenLine xmlns:a14="http://schemas.microsoft.com/office/drawing/2010/main" xmlns="" w="9525">
                   <a:solidFill>
                     <a:srgbClr val="000000"/>
                   </a:solidFill>
@@ -5730,7 +8284,7 @@
             </a:ln>
             <a:extLst>
               <a:ext uri="{91240B29-F687-4f45-9708-019B960494DF}">
-                <a14:hiddenLine xmlns="" xmlns:a14="http://schemas.microsoft.com/office/drawing/2010/main" w="9525">
+                <a14:hiddenLine xmlns:a14="http://schemas.microsoft.com/office/drawing/2010/main" xmlns="" w="9525">
                   <a:solidFill>
                     <a:srgbClr val="000000"/>
                   </a:solidFill>
@@ -5945,7 +8499,7 @@
             </a:ln>
             <a:extLst>
               <a:ext uri="{91240B29-F687-4f45-9708-019B960494DF}">
-                <a14:hiddenLine xmlns="" xmlns:a14="http://schemas.microsoft.com/office/drawing/2010/main" w="9525">
+                <a14:hiddenLine xmlns:a14="http://schemas.microsoft.com/office/drawing/2010/main" xmlns="" w="9525">
                   <a:solidFill>
                     <a:srgbClr val="000000"/>
                   </a:solidFill>
@@ -5994,7 +8548,7 @@
             </a:ln>
             <a:extLst>
               <a:ext uri="{91240B29-F687-4f45-9708-019B960494DF}">
-                <a14:hiddenLine xmlns="" xmlns:a14="http://schemas.microsoft.com/office/drawing/2010/main" w="9525">
+                <a14:hiddenLine xmlns:a14="http://schemas.microsoft.com/office/drawing/2010/main" xmlns="" w="9525">
                   <a:solidFill>
                     <a:srgbClr val="000000"/>
                   </a:solidFill>
@@ -6239,7 +8793,7 @@
             </a:ln>
             <a:extLst>
               <a:ext uri="{91240B29-F687-4f45-9708-019B960494DF}">
-                <a14:hiddenLine xmlns="" xmlns:a14="http://schemas.microsoft.com/office/drawing/2010/main" w="9525">
+                <a14:hiddenLine xmlns:a14="http://schemas.microsoft.com/office/drawing/2010/main" xmlns="" w="9525">
                   <a:solidFill>
                     <a:srgbClr val="000000"/>
                   </a:solidFill>
@@ -6288,7 +8842,7 @@
             </a:ln>
             <a:extLst>
               <a:ext uri="{91240B29-F687-4f45-9708-019B960494DF}">
-                <a14:hiddenLine xmlns="" xmlns:a14="http://schemas.microsoft.com/office/drawing/2010/main" w="9525">
+                <a14:hiddenLine xmlns:a14="http://schemas.microsoft.com/office/drawing/2010/main" xmlns="" w="9525">
                   <a:solidFill>
                     <a:srgbClr val="000000"/>
                   </a:solidFill>
@@ -6337,7 +8891,7 @@
             </a:ln>
             <a:extLst>
               <a:ext uri="{91240B29-F687-4f45-9708-019B960494DF}">
-                <a14:hiddenLine xmlns="" xmlns:a14="http://schemas.microsoft.com/office/drawing/2010/main" w="9525">
+                <a14:hiddenLine xmlns:a14="http://schemas.microsoft.com/office/drawing/2010/main" xmlns="" w="9525">
                   <a:solidFill>
                     <a:srgbClr val="000000"/>
                   </a:solidFill>
@@ -6584,7 +9138,7 @@
             </a:ln>
             <a:extLst>
               <a:ext uri="{91240B29-F687-4f45-9708-019B960494DF}">
-                <a14:hiddenLine xmlns="" xmlns:a14="http://schemas.microsoft.com/office/drawing/2010/main" w="9525">
+                <a14:hiddenLine xmlns:a14="http://schemas.microsoft.com/office/drawing/2010/main" xmlns="" w="9525">
                   <a:solidFill>
                     <a:srgbClr val="000000"/>
                   </a:solidFill>
@@ -6831,7 +9385,7 @@
             </a:ln>
             <a:extLst>
               <a:ext uri="{91240B29-F687-4f45-9708-019B960494DF}">
-                <a14:hiddenLine xmlns="" xmlns:a14="http://schemas.microsoft.com/office/drawing/2010/main" w="9525">
+                <a14:hiddenLine xmlns:a14="http://schemas.microsoft.com/office/drawing/2010/main" xmlns="" w="9525">
                   <a:solidFill>
                     <a:srgbClr val="000000"/>
                   </a:solidFill>
@@ -7105,7 +9659,7 @@
             </a:ln>
             <a:extLst>
               <a:ext uri="{91240B29-F687-4f45-9708-019B960494DF}">
-                <a14:hiddenLine xmlns="" xmlns:a14="http://schemas.microsoft.com/office/drawing/2010/main" w="9525">
+                <a14:hiddenLine xmlns:a14="http://schemas.microsoft.com/office/drawing/2010/main" xmlns="" w="9525">
                   <a:solidFill>
                     <a:srgbClr val="000000"/>
                   </a:solidFill>
@@ -7379,7 +9933,7 @@
             </a:ln>
             <a:extLst>
               <a:ext uri="{91240B29-F687-4f45-9708-019B960494DF}">
-                <a14:hiddenLine xmlns="" xmlns:a14="http://schemas.microsoft.com/office/drawing/2010/main" w="9525">
+                <a14:hiddenLine xmlns:a14="http://schemas.microsoft.com/office/drawing/2010/main" xmlns="" w="9525">
                   <a:solidFill>
                     <a:srgbClr val="000000"/>
                   </a:solidFill>
@@ -8750,7 +11304,7 @@
           <a:graphicData uri="http://schemas.openxmlformats.org/presentationml/2006/ole">
             <mc:AlternateContent xmlns:mc="http://schemas.openxmlformats.org/markup-compatibility/2006">
               <mc:Choice xmlns:v="urn:schemas-microsoft-com:vml" Requires="v">
-                <p:oleObj spid="_x0000_s11434" name="think-cell Slide" r:id="rId4" imgW="592" imgH="591" progId="TCLayout.ActiveDocument.1">
+                <p:oleObj spid="_x0000_s11438" name="think-cell Slide" r:id="rId4" imgW="592" imgH="591" progId="TCLayout.ActiveDocument.1">
                   <p:embed/>
                 </p:oleObj>
               </mc:Choice>
@@ -10830,7 +13384,7 @@
             </a:ln>
             <a:extLst>
               <a:ext uri="{91240B29-F687-4f45-9708-019B960494DF}">
-                <a14:hiddenLine xmlns="" xmlns:a14="http://schemas.microsoft.com/office/drawing/2010/main" w="9525">
+                <a14:hiddenLine xmlns:a14="http://schemas.microsoft.com/office/drawing/2010/main" xmlns="" w="9525">
                   <a:solidFill>
                     <a:srgbClr val="000000"/>
                   </a:solidFill>
@@ -11045,7 +13599,7 @@
             </a:ln>
             <a:extLst>
               <a:ext uri="{91240B29-F687-4f45-9708-019B960494DF}">
-                <a14:hiddenLine xmlns="" xmlns:a14="http://schemas.microsoft.com/office/drawing/2010/main" w="9525">
+                <a14:hiddenLine xmlns:a14="http://schemas.microsoft.com/office/drawing/2010/main" xmlns="" w="9525">
                   <a:solidFill>
                     <a:srgbClr val="000000"/>
                   </a:solidFill>
@@ -11094,7 +13648,7 @@
             </a:ln>
             <a:extLst>
               <a:ext uri="{91240B29-F687-4f45-9708-019B960494DF}">
-                <a14:hiddenLine xmlns="" xmlns:a14="http://schemas.microsoft.com/office/drawing/2010/main" w="9525">
+                <a14:hiddenLine xmlns:a14="http://schemas.microsoft.com/office/drawing/2010/main" xmlns="" w="9525">
                   <a:solidFill>
                     <a:srgbClr val="000000"/>
                   </a:solidFill>
@@ -11339,7 +13893,7 @@
             </a:ln>
             <a:extLst>
               <a:ext uri="{91240B29-F687-4f45-9708-019B960494DF}">
-                <a14:hiddenLine xmlns="" xmlns:a14="http://schemas.microsoft.com/office/drawing/2010/main" w="9525">
+                <a14:hiddenLine xmlns:a14="http://schemas.microsoft.com/office/drawing/2010/main" xmlns="" w="9525">
                   <a:solidFill>
                     <a:srgbClr val="000000"/>
                   </a:solidFill>
@@ -11388,7 +13942,7 @@
             </a:ln>
             <a:extLst>
               <a:ext uri="{91240B29-F687-4f45-9708-019B960494DF}">
-                <a14:hiddenLine xmlns="" xmlns:a14="http://schemas.microsoft.com/office/drawing/2010/main" w="9525">
+                <a14:hiddenLine xmlns:a14="http://schemas.microsoft.com/office/drawing/2010/main" xmlns="" w="9525">
                   <a:solidFill>
                     <a:srgbClr val="000000"/>
                   </a:solidFill>
@@ -11437,7 +13991,7 @@
             </a:ln>
             <a:extLst>
               <a:ext uri="{91240B29-F687-4f45-9708-019B960494DF}">
-                <a14:hiddenLine xmlns="" xmlns:a14="http://schemas.microsoft.com/office/drawing/2010/main" w="9525">
+                <a14:hiddenLine xmlns:a14="http://schemas.microsoft.com/office/drawing/2010/main" xmlns="" w="9525">
                   <a:solidFill>
                     <a:srgbClr val="000000"/>
                   </a:solidFill>
@@ -11684,7 +14238,7 @@
             </a:ln>
             <a:extLst>
               <a:ext uri="{91240B29-F687-4f45-9708-019B960494DF}">
-                <a14:hiddenLine xmlns="" xmlns:a14="http://schemas.microsoft.com/office/drawing/2010/main" w="9525">
+                <a14:hiddenLine xmlns:a14="http://schemas.microsoft.com/office/drawing/2010/main" xmlns="" w="9525">
                   <a:solidFill>
                     <a:srgbClr val="000000"/>
                   </a:solidFill>
@@ -11931,7 +14485,7 @@
             </a:ln>
             <a:extLst>
               <a:ext uri="{91240B29-F687-4f45-9708-019B960494DF}">
-                <a14:hiddenLine xmlns="" xmlns:a14="http://schemas.microsoft.com/office/drawing/2010/main" w="9525">
+                <a14:hiddenLine xmlns:a14="http://schemas.microsoft.com/office/drawing/2010/main" xmlns="" w="9525">
                   <a:solidFill>
                     <a:srgbClr val="000000"/>
                   </a:solidFill>
@@ -12205,7 +14759,7 @@
             </a:ln>
             <a:extLst>
               <a:ext uri="{91240B29-F687-4f45-9708-019B960494DF}">
-                <a14:hiddenLine xmlns="" xmlns:a14="http://schemas.microsoft.com/office/drawing/2010/main" w="9525">
+                <a14:hiddenLine xmlns:a14="http://schemas.microsoft.com/office/drawing/2010/main" xmlns="" w="9525">
                   <a:solidFill>
                     <a:srgbClr val="000000"/>
                   </a:solidFill>
@@ -12479,7 +15033,7 @@
             </a:ln>
             <a:extLst>
               <a:ext uri="{91240B29-F687-4f45-9708-019B960494DF}">
-                <a14:hiddenLine xmlns="" xmlns:a14="http://schemas.microsoft.com/office/drawing/2010/main" w="9525">
+                <a14:hiddenLine xmlns:a14="http://schemas.microsoft.com/office/drawing/2010/main" xmlns="" w="9525">
                   <a:solidFill>
                     <a:srgbClr val="000000"/>
                   </a:solidFill>
@@ -17642,7 +20196,7 @@
             </a:ln>
             <a:extLst>
               <a:ext uri="{91240B29-F687-4f45-9708-019B960494DF}">
-                <a14:hiddenLine xmlns="" xmlns:a14="http://schemas.microsoft.com/office/drawing/2010/main" w="9525">
+                <a14:hiddenLine xmlns:a14="http://schemas.microsoft.com/office/drawing/2010/main" xmlns="" w="9525">
                   <a:solidFill>
                     <a:srgbClr val="000000"/>
                   </a:solidFill>
@@ -17857,7 +20411,7 @@
             </a:ln>
             <a:extLst>
               <a:ext uri="{91240B29-F687-4f45-9708-019B960494DF}">
-                <a14:hiddenLine xmlns="" xmlns:a14="http://schemas.microsoft.com/office/drawing/2010/main" w="9525">
+                <a14:hiddenLine xmlns:a14="http://schemas.microsoft.com/office/drawing/2010/main" xmlns="" w="9525">
                   <a:solidFill>
                     <a:srgbClr val="000000"/>
                   </a:solidFill>
@@ -17906,7 +20460,7 @@
             </a:ln>
             <a:extLst>
               <a:ext uri="{91240B29-F687-4f45-9708-019B960494DF}">
-                <a14:hiddenLine xmlns="" xmlns:a14="http://schemas.microsoft.com/office/drawing/2010/main" w="9525">
+                <a14:hiddenLine xmlns:a14="http://schemas.microsoft.com/office/drawing/2010/main" xmlns="" w="9525">
                   <a:solidFill>
                     <a:srgbClr val="000000"/>
                   </a:solidFill>
@@ -18151,7 +20705,7 @@
             </a:ln>
             <a:extLst>
               <a:ext uri="{91240B29-F687-4f45-9708-019B960494DF}">
-                <a14:hiddenLine xmlns="" xmlns:a14="http://schemas.microsoft.com/office/drawing/2010/main" w="9525">
+                <a14:hiddenLine xmlns:a14="http://schemas.microsoft.com/office/drawing/2010/main" xmlns="" w="9525">
                   <a:solidFill>
                     <a:srgbClr val="000000"/>
                   </a:solidFill>
@@ -18200,7 +20754,7 @@
             </a:ln>
             <a:extLst>
               <a:ext uri="{91240B29-F687-4f45-9708-019B960494DF}">
-                <a14:hiddenLine xmlns="" xmlns:a14="http://schemas.microsoft.com/office/drawing/2010/main" w="9525">
+                <a14:hiddenLine xmlns:a14="http://schemas.microsoft.com/office/drawing/2010/main" xmlns="" w="9525">
                   <a:solidFill>
                     <a:srgbClr val="000000"/>
                   </a:solidFill>
@@ -18249,7 +20803,7 @@
             </a:ln>
             <a:extLst>
               <a:ext uri="{91240B29-F687-4f45-9708-019B960494DF}">
-                <a14:hiddenLine xmlns="" xmlns:a14="http://schemas.microsoft.com/office/drawing/2010/main" w="9525">
+                <a14:hiddenLine xmlns:a14="http://schemas.microsoft.com/office/drawing/2010/main" xmlns="" w="9525">
                   <a:solidFill>
                     <a:srgbClr val="000000"/>
                   </a:solidFill>
@@ -18496,7 +21050,7 @@
             </a:ln>
             <a:extLst>
               <a:ext uri="{91240B29-F687-4f45-9708-019B960494DF}">
-                <a14:hiddenLine xmlns="" xmlns:a14="http://schemas.microsoft.com/office/drawing/2010/main" w="9525">
+                <a14:hiddenLine xmlns:a14="http://schemas.microsoft.com/office/drawing/2010/main" xmlns="" w="9525">
                   <a:solidFill>
                     <a:srgbClr val="000000"/>
                   </a:solidFill>
@@ -18743,7 +21297,7 @@
             </a:ln>
             <a:extLst>
               <a:ext uri="{91240B29-F687-4f45-9708-019B960494DF}">
-                <a14:hiddenLine xmlns="" xmlns:a14="http://schemas.microsoft.com/office/drawing/2010/main" w="9525">
+                <a14:hiddenLine xmlns:a14="http://schemas.microsoft.com/office/drawing/2010/main" xmlns="" w="9525">
                   <a:solidFill>
                     <a:srgbClr val="000000"/>
                   </a:solidFill>
@@ -19017,7 +21571,7 @@
             </a:ln>
             <a:extLst>
               <a:ext uri="{91240B29-F687-4f45-9708-019B960494DF}">
-                <a14:hiddenLine xmlns="" xmlns:a14="http://schemas.microsoft.com/office/drawing/2010/main" w="9525">
+                <a14:hiddenLine xmlns:a14="http://schemas.microsoft.com/office/drawing/2010/main" xmlns="" w="9525">
                   <a:solidFill>
                     <a:srgbClr val="000000"/>
                   </a:solidFill>
@@ -19291,7 +21845,7 @@
             </a:ln>
             <a:extLst>
               <a:ext uri="{91240B29-F687-4f45-9708-019B960494DF}">
-                <a14:hiddenLine xmlns="" xmlns:a14="http://schemas.microsoft.com/office/drawing/2010/main" w="9525">
+                <a14:hiddenLine xmlns:a14="http://schemas.microsoft.com/office/drawing/2010/main" xmlns="" w="9525">
                   <a:solidFill>
                     <a:srgbClr val="000000"/>
                   </a:solidFill>
@@ -19598,7 +22152,7 @@
             </a:ln>
             <a:extLst>
               <a:ext uri="{91240B29-F687-4f45-9708-019B960494DF}">
-                <a14:hiddenLine xmlns="" xmlns:a14="http://schemas.microsoft.com/office/drawing/2010/main" w="9525">
+                <a14:hiddenLine xmlns:a14="http://schemas.microsoft.com/office/drawing/2010/main" xmlns="" w="9525">
                   <a:solidFill>
                     <a:srgbClr val="000000"/>
                   </a:solidFill>
@@ -19813,7 +22367,7 @@
             </a:ln>
             <a:extLst>
               <a:ext uri="{91240B29-F687-4f45-9708-019B960494DF}">
-                <a14:hiddenLine xmlns="" xmlns:a14="http://schemas.microsoft.com/office/drawing/2010/main" w="9525">
+                <a14:hiddenLine xmlns:a14="http://schemas.microsoft.com/office/drawing/2010/main" xmlns="" w="9525">
                   <a:solidFill>
                     <a:srgbClr val="000000"/>
                   </a:solidFill>
@@ -19862,7 +22416,7 @@
             </a:ln>
             <a:extLst>
               <a:ext uri="{91240B29-F687-4f45-9708-019B960494DF}">
-                <a14:hiddenLine xmlns="" xmlns:a14="http://schemas.microsoft.com/office/drawing/2010/main" w="9525">
+                <a14:hiddenLine xmlns:a14="http://schemas.microsoft.com/office/drawing/2010/main" xmlns="" w="9525">
                   <a:solidFill>
                     <a:srgbClr val="000000"/>
                   </a:solidFill>
@@ -20107,7 +22661,7 @@
             </a:ln>
             <a:extLst>
               <a:ext uri="{91240B29-F687-4f45-9708-019B960494DF}">
-                <a14:hiddenLine xmlns="" xmlns:a14="http://schemas.microsoft.com/office/drawing/2010/main" w="9525">
+                <a14:hiddenLine xmlns:a14="http://schemas.microsoft.com/office/drawing/2010/main" xmlns="" w="9525">
                   <a:solidFill>
                     <a:srgbClr val="000000"/>
                   </a:solidFill>
@@ -20156,7 +22710,7 @@
             </a:ln>
             <a:extLst>
               <a:ext uri="{91240B29-F687-4f45-9708-019B960494DF}">
-                <a14:hiddenLine xmlns="" xmlns:a14="http://schemas.microsoft.com/office/drawing/2010/main" w="9525">
+                <a14:hiddenLine xmlns:a14="http://schemas.microsoft.com/office/drawing/2010/main" xmlns="" w="9525">
                   <a:solidFill>
                     <a:srgbClr val="000000"/>
                   </a:solidFill>
@@ -20205,7 +22759,7 @@
             </a:ln>
             <a:extLst>
               <a:ext uri="{91240B29-F687-4f45-9708-019B960494DF}">
-                <a14:hiddenLine xmlns="" xmlns:a14="http://schemas.microsoft.com/office/drawing/2010/main" w="9525">
+                <a14:hiddenLine xmlns:a14="http://schemas.microsoft.com/office/drawing/2010/main" xmlns="" w="9525">
                   <a:solidFill>
                     <a:srgbClr val="000000"/>
                   </a:solidFill>
@@ -20452,7 +23006,7 @@
             </a:ln>
             <a:extLst>
               <a:ext uri="{91240B29-F687-4f45-9708-019B960494DF}">
-                <a14:hiddenLine xmlns="" xmlns:a14="http://schemas.microsoft.com/office/drawing/2010/main" w="9525">
+                <a14:hiddenLine xmlns:a14="http://schemas.microsoft.com/office/drawing/2010/main" xmlns="" w="9525">
                   <a:solidFill>
                     <a:srgbClr val="000000"/>
                   </a:solidFill>
@@ -20699,7 +23253,7 @@
             </a:ln>
             <a:extLst>
               <a:ext uri="{91240B29-F687-4f45-9708-019B960494DF}">
-                <a14:hiddenLine xmlns="" xmlns:a14="http://schemas.microsoft.com/office/drawing/2010/main" w="9525">
+                <a14:hiddenLine xmlns:a14="http://schemas.microsoft.com/office/drawing/2010/main" xmlns="" w="9525">
                   <a:solidFill>
                     <a:srgbClr val="000000"/>
                   </a:solidFill>
@@ -20973,7 +23527,7 @@
             </a:ln>
             <a:extLst>
               <a:ext uri="{91240B29-F687-4f45-9708-019B960494DF}">
-                <a14:hiddenLine xmlns="" xmlns:a14="http://schemas.microsoft.com/office/drawing/2010/main" w="9525">
+                <a14:hiddenLine xmlns:a14="http://schemas.microsoft.com/office/drawing/2010/main" xmlns="" w="9525">
                   <a:solidFill>
                     <a:srgbClr val="000000"/>
                   </a:solidFill>
@@ -21247,7 +23801,7 @@
             </a:ln>
             <a:extLst>
               <a:ext uri="{91240B29-F687-4f45-9708-019B960494DF}">
-                <a14:hiddenLine xmlns="" xmlns:a14="http://schemas.microsoft.com/office/drawing/2010/main" w="9525">
+                <a14:hiddenLine xmlns:a14="http://schemas.microsoft.com/office/drawing/2010/main" xmlns="" w="9525">
                   <a:solidFill>
                     <a:srgbClr val="000000"/>
                   </a:solidFill>
@@ -23260,7 +25814,7 @@
           <a:graphicData uri="http://schemas.openxmlformats.org/presentationml/2006/ole">
             <mc:AlternateContent xmlns:mc="http://schemas.openxmlformats.org/markup-compatibility/2006">
               <mc:Choice xmlns:v="urn:schemas-microsoft-com:vml" Requires="v">
-                <p:oleObj spid="_x0000_s2459" name="think-cell Slide" r:id="rId46" imgW="270" imgH="270" progId="TCLayout.ActiveDocument.1">
+                <p:oleObj spid="_x0000_s2463" name="think-cell Slide" r:id="rId46" imgW="270" imgH="270" progId="TCLayout.ActiveDocument.1">
                   <p:embed/>
                 </p:oleObj>
               </mc:Choice>
@@ -24307,6 +26861,735 @@
 </p:sld>
 </file>
 
+<file path=ppt/slides/slide10.xml><?xml version="1.0" encoding="utf-8"?>
+<p:sld xmlns:a="http://schemas.openxmlformats.org/drawingml/2006/main" xmlns:r="http://schemas.openxmlformats.org/officeDocument/2006/relationships" xmlns:p="http://schemas.openxmlformats.org/presentationml/2006/main">
+  <p:cSld>
+    <p:spTree>
+      <p:nvGrpSpPr>
+        <p:cNvPr id="1" name=""/>
+        <p:cNvGrpSpPr/>
+        <p:nvPr/>
+      </p:nvGrpSpPr>
+      <p:grpSpPr>
+        <a:xfrm>
+          <a:off x="0" y="0"/>
+          <a:ext cx="0" cy="0"/>
+          <a:chOff x="0" y="0"/>
+          <a:chExt cx="0" cy="0"/>
+        </a:xfrm>
+      </p:grpSpPr>
+      <p:sp>
+        <p:nvSpPr>
+          <p:cNvPr id="3" name="Title 2">
+            <a:extLst>
+              <a:ext uri="{FF2B5EF4-FFF2-40B4-BE49-F238E27FC236}">
+                <a16:creationId xmlns:a16="http://schemas.microsoft.com/office/drawing/2014/main" id="{DC13B999-CF6E-4E68-B99D-25F1FABDD7FB}"/>
+              </a:ext>
+            </a:extLst>
+          </p:cNvPr>
+          <p:cNvSpPr>
+            <a:spLocks noGrp="1"/>
+          </p:cNvSpPr>
+          <p:nvPr>
+            <p:ph type="title"/>
+          </p:nvPr>
+        </p:nvSpPr>
+        <p:spPr>
+          <a:xfrm>
+            <a:off x="376237" y="317499"/>
+            <a:ext cx="2830601" cy="513011"/>
+          </a:xfrm>
+        </p:spPr>
+        <p:txBody>
+          <a:bodyPr/>
+          <a:lstStyle/>
+          <a:p>
+            <a:r>
+              <a:rPr lang="en-US" sz="3200" dirty="0"/>
+              <a:t>Exceptions</a:t>
+            </a:r>
+          </a:p>
+        </p:txBody>
+      </p:sp>
+      <p:sp>
+        <p:nvSpPr>
+          <p:cNvPr id="6" name="Rectangle 5">
+            <a:extLst>
+              <a:ext uri="{FF2B5EF4-FFF2-40B4-BE49-F238E27FC236}">
+                <a16:creationId xmlns:a16="http://schemas.microsoft.com/office/drawing/2014/main" id="{85EAA296-A600-4A93-A5F0-9AD5074C79BB}"/>
+              </a:ext>
+            </a:extLst>
+          </p:cNvPr>
+          <p:cNvSpPr/>
+          <p:nvPr/>
+        </p:nvSpPr>
+        <p:spPr>
+          <a:xfrm>
+            <a:off x="376238" y="950616"/>
+            <a:ext cx="8356701" cy="923330"/>
+          </a:xfrm>
+          <a:prstGeom prst="rect">
+            <a:avLst/>
+          </a:prstGeom>
+        </p:spPr>
+        <p:txBody>
+          <a:bodyPr wrap="square">
+            <a:spAutoFit/>
+          </a:bodyPr>
+          <a:lstStyle/>
+          <a:p>
+            <a:r>
+              <a:rPr lang="en-US" dirty="0">
+                <a:latin typeface="Calibri" panose="020F0502020204030204" pitchFamily="34" charset="0"/>
+                <a:cs typeface="Calibri" panose="020F0502020204030204" pitchFamily="34" charset="0"/>
+              </a:rPr>
+              <a:t>An error that can occur in our program. If an exception occurs, the program will stop and we get an error message. The interactive prompt will display an error message and keep going.</a:t>
+            </a:r>
+          </a:p>
+        </p:txBody>
+      </p:sp>
+      <p:sp>
+        <p:nvSpPr>
+          <p:cNvPr id="8" name="Rectangle 7">
+            <a:extLst>
+              <a:ext uri="{FF2B5EF4-FFF2-40B4-BE49-F238E27FC236}">
+                <a16:creationId xmlns:a16="http://schemas.microsoft.com/office/drawing/2014/main" id="{2F09A52C-3313-4881-8AD0-ED41A3BE1A97}"/>
+              </a:ext>
+            </a:extLst>
+          </p:cNvPr>
+          <p:cNvSpPr/>
+          <p:nvPr/>
+        </p:nvSpPr>
+        <p:spPr>
+          <a:xfrm>
+            <a:off x="376237" y="4401293"/>
+            <a:ext cx="8356701" cy="2739211"/>
+          </a:xfrm>
+          <a:prstGeom prst="rect">
+            <a:avLst/>
+          </a:prstGeom>
+        </p:spPr>
+        <p:txBody>
+          <a:bodyPr wrap="square">
+            <a:spAutoFit/>
+          </a:bodyPr>
+          <a:lstStyle/>
+          <a:p>
+            <a:pPr marL="285750" lvl="0" indent="-285750" fontAlgn="base">
+              <a:spcBef>
+                <a:spcPct val="0"/>
+              </a:spcBef>
+              <a:spcAft>
+                <a:spcPct val="0"/>
+              </a:spcAft>
+              <a:buFont typeface="Arial" panose="020B0604020202020204" pitchFamily="34" charset="0"/>
+              <a:buChar char="•"/>
+            </a:pPr>
+            <a:r>
+              <a:rPr lang="en-US" altLang="en-US" dirty="0">
+                <a:latin typeface="Calibri" panose="020F0502020204030204" pitchFamily="34" charset="0"/>
+                <a:cs typeface="Calibri" panose="020F0502020204030204" pitchFamily="34" charset="0"/>
+              </a:rPr>
+              <a:t>Exceptions are classes and they can be used just like all other classes.</a:t>
+            </a:r>
+          </a:p>
+          <a:p>
+            <a:pPr marL="285750" lvl="0" indent="-285750" fontAlgn="base">
+              <a:spcBef>
+                <a:spcPct val="0"/>
+              </a:spcBef>
+              <a:spcAft>
+                <a:spcPct val="0"/>
+              </a:spcAft>
+              <a:buFont typeface="Arial" panose="020B0604020202020204" pitchFamily="34" charset="0"/>
+              <a:buChar char="•"/>
+            </a:pPr>
+            <a:r>
+              <a:rPr lang="en-US" altLang="en-US" dirty="0">
+                <a:latin typeface="Calibri" panose="020F0502020204030204" pitchFamily="34" charset="0"/>
+                <a:cs typeface="Calibri" panose="020F0502020204030204" pitchFamily="34" charset="0"/>
+              </a:rPr>
+              <a:t>The </a:t>
+            </a:r>
+            <a:r>
+              <a:rPr lang="en-US" altLang="en-US" i="1" dirty="0">
+                <a:latin typeface="Calibri" panose="020F0502020204030204" pitchFamily="34" charset="0"/>
+                <a:cs typeface="Calibri" panose="020F0502020204030204" pitchFamily="34" charset="0"/>
+              </a:rPr>
+              <a:t>try</a:t>
+            </a:r>
+            <a:r>
+              <a:rPr lang="en-US" altLang="en-US" dirty="0">
+                <a:latin typeface="Calibri" panose="020F0502020204030204" pitchFamily="34" charset="0"/>
+                <a:cs typeface="Calibri" panose="020F0502020204030204" pitchFamily="34" charset="0"/>
+              </a:rPr>
+              <a:t> and </a:t>
+            </a:r>
+            <a:r>
+              <a:rPr lang="en-US" altLang="en-US" i="1" dirty="0">
+                <a:latin typeface="Calibri" panose="020F0502020204030204" pitchFamily="34" charset="0"/>
+                <a:cs typeface="Calibri" panose="020F0502020204030204" pitchFamily="34" charset="0"/>
+              </a:rPr>
+              <a:t>except</a:t>
+            </a:r>
+            <a:r>
+              <a:rPr lang="en-US" altLang="en-US" dirty="0">
+                <a:latin typeface="Calibri" panose="020F0502020204030204" pitchFamily="34" charset="0"/>
+                <a:cs typeface="Calibri" panose="020F0502020204030204" pitchFamily="34" charset="0"/>
+              </a:rPr>
+              <a:t> keywords can be used for attempting to do something and then doing something else if we get an error. This is known as catching exceptions.</a:t>
+            </a:r>
+          </a:p>
+          <a:p>
+            <a:pPr marL="285750" lvl="0" indent="-285750" fontAlgn="base">
+              <a:spcBef>
+                <a:spcPct val="0"/>
+              </a:spcBef>
+              <a:spcAft>
+                <a:spcPct val="0"/>
+              </a:spcAft>
+              <a:buFont typeface="Arial" panose="020B0604020202020204" pitchFamily="34" charset="0"/>
+              <a:buChar char="•"/>
+            </a:pPr>
+            <a:r>
+              <a:rPr lang="en-US" altLang="en-US" dirty="0">
+                <a:latin typeface="Calibri" panose="020F0502020204030204" pitchFamily="34" charset="0"/>
+                <a:cs typeface="Calibri" panose="020F0502020204030204" pitchFamily="34" charset="0"/>
+              </a:rPr>
+              <a:t>It's possible to raise exceptions with the raise keyword. This is also known as throwing exceptions.</a:t>
+            </a:r>
+          </a:p>
+          <a:p>
+            <a:pPr marL="285750" lvl="0" indent="-285750" fontAlgn="base">
+              <a:spcBef>
+                <a:spcPct val="0"/>
+              </a:spcBef>
+              <a:spcAft>
+                <a:spcPct val="0"/>
+              </a:spcAft>
+              <a:buFont typeface="Arial" panose="020B0604020202020204" pitchFamily="34" charset="0"/>
+              <a:buChar char="•"/>
+            </a:pPr>
+            <a:r>
+              <a:rPr lang="en-US" altLang="en-US" dirty="0">
+                <a:latin typeface="Calibri" panose="020F0502020204030204" pitchFamily="34" charset="0"/>
+                <a:cs typeface="Calibri" panose="020F0502020204030204" pitchFamily="34" charset="0"/>
+              </a:rPr>
+              <a:t>Raise exceptions if they are meant to be displayed for programmers and use </a:t>
+            </a:r>
+            <a:r>
+              <a:rPr lang="en-US" altLang="en-US" dirty="0" err="1">
+                <a:latin typeface="Calibri" panose="020F0502020204030204" pitchFamily="34" charset="0"/>
+                <a:cs typeface="Calibri" panose="020F0502020204030204" pitchFamily="34" charset="0"/>
+              </a:rPr>
+              <a:t>sys.stderr</a:t>
+            </a:r>
+            <a:r>
+              <a:rPr lang="en-US" altLang="en-US" dirty="0">
+                <a:latin typeface="Calibri" panose="020F0502020204030204" pitchFamily="34" charset="0"/>
+                <a:cs typeface="Calibri" panose="020F0502020204030204" pitchFamily="34" charset="0"/>
+              </a:rPr>
+              <a:t> and </a:t>
+            </a:r>
+            <a:r>
+              <a:rPr lang="en-US" altLang="en-US" dirty="0" err="1">
+                <a:latin typeface="Calibri" panose="020F0502020204030204" pitchFamily="34" charset="0"/>
+                <a:cs typeface="Calibri" panose="020F0502020204030204" pitchFamily="34" charset="0"/>
+              </a:rPr>
+              <a:t>sys.exit</a:t>
+            </a:r>
+            <a:r>
+              <a:rPr lang="en-US" altLang="en-US" dirty="0">
+                <a:latin typeface="Calibri" panose="020F0502020204030204" pitchFamily="34" charset="0"/>
+                <a:cs typeface="Calibri" panose="020F0502020204030204" pitchFamily="34" charset="0"/>
+              </a:rPr>
+              <a:t> otherwise.</a:t>
+            </a:r>
+          </a:p>
+          <a:p>
+            <a:pPr lvl="0" eaLnBrk="0" fontAlgn="base" hangingPunct="0">
+              <a:spcBef>
+                <a:spcPct val="0"/>
+              </a:spcBef>
+              <a:spcAft>
+                <a:spcPct val="0"/>
+              </a:spcAft>
+            </a:pPr>
+            <a:endParaRPr lang="en-US" altLang="en-US" sz="2800" dirty="0">
+              <a:latin typeface="Arial" panose="020B0604020202020204" pitchFamily="34" charset="0"/>
+            </a:endParaRPr>
+          </a:p>
+          <a:p>
+            <a:pPr marL="285750" indent="-285750">
+              <a:buFont typeface="Arial" panose="020B0604020202020204" pitchFamily="34" charset="0"/>
+              <a:buChar char="•"/>
+            </a:pPr>
+            <a:endParaRPr lang="en-US" dirty="0">
+              <a:latin typeface="Calibri" panose="020F0502020204030204" pitchFamily="34" charset="0"/>
+              <a:cs typeface="Calibri" panose="020F0502020204030204" pitchFamily="34" charset="0"/>
+            </a:endParaRPr>
+          </a:p>
+        </p:txBody>
+      </p:sp>
+      <p:sp>
+        <p:nvSpPr>
+          <p:cNvPr id="9" name="Rectangle 8">
+            <a:extLst>
+              <a:ext uri="{FF2B5EF4-FFF2-40B4-BE49-F238E27FC236}">
+                <a16:creationId xmlns:a16="http://schemas.microsoft.com/office/drawing/2014/main" id="{57BF00C4-F69E-4EFE-B938-434539055209}"/>
+              </a:ext>
+            </a:extLst>
+          </p:cNvPr>
+          <p:cNvSpPr/>
+          <p:nvPr/>
+        </p:nvSpPr>
+        <p:spPr>
+          <a:xfrm>
+            <a:off x="5950162" y="2329661"/>
+            <a:ext cx="2640384" cy="923330"/>
+          </a:xfrm>
+          <a:prstGeom prst="rect">
+            <a:avLst/>
+          </a:prstGeom>
+          <a:noFill/>
+          <a:ln w="9525" cap="flat" cmpd="sng" algn="ctr">
+            <a:noFill/>
+            <a:prstDash val="dashDot"/>
+            <a:round/>
+            <a:headEnd type="none" w="med" len="med"/>
+            <a:tailEnd type="none" w="med" len="med"/>
+          </a:ln>
+        </p:spPr>
+        <p:style>
+          <a:lnRef idx="0">
+            <a:scrgbClr r="0" g="0" b="0"/>
+          </a:lnRef>
+          <a:fillRef idx="0">
+            <a:scrgbClr r="0" g="0" b="0"/>
+          </a:fillRef>
+          <a:effectRef idx="0">
+            <a:scrgbClr r="0" g="0" b="0"/>
+          </a:effectRef>
+          <a:fontRef idx="minor">
+            <a:schemeClr val="accent1"/>
+          </a:fontRef>
+        </p:style>
+        <p:txBody>
+          <a:bodyPr wrap="square">
+            <a:spAutoFit/>
+          </a:bodyPr>
+          <a:lstStyle/>
+          <a:p>
+            <a:pPr marL="285750" indent="-285750">
+              <a:buFont typeface="Arial" panose="020B0604020202020204" pitchFamily="34" charset="0"/>
+              <a:buChar char="•"/>
+            </a:pPr>
+            <a:r>
+              <a:rPr lang="en-US" dirty="0">
+                <a:latin typeface="Calibri" panose="020F0502020204030204" pitchFamily="34" charset="0"/>
+                <a:cs typeface="Calibri" panose="020F0502020204030204" pitchFamily="34" charset="0"/>
+              </a:rPr>
+              <a:t>try</a:t>
+            </a:r>
+          </a:p>
+          <a:p>
+            <a:pPr marL="285750" indent="-285750">
+              <a:buFont typeface="Arial" panose="020B0604020202020204" pitchFamily="34" charset="0"/>
+              <a:buChar char="•"/>
+            </a:pPr>
+            <a:r>
+              <a:rPr lang="en-US" dirty="0">
+                <a:latin typeface="Calibri" panose="020F0502020204030204" pitchFamily="34" charset="0"/>
+                <a:cs typeface="Calibri" panose="020F0502020204030204" pitchFamily="34" charset="0"/>
+              </a:rPr>
+              <a:t>except</a:t>
+            </a:r>
+          </a:p>
+          <a:p>
+            <a:pPr marL="285750" indent="-285750">
+              <a:buFont typeface="Arial" panose="020B0604020202020204" pitchFamily="34" charset="0"/>
+              <a:buChar char="•"/>
+            </a:pPr>
+            <a:endParaRPr lang="en-US" dirty="0">
+              <a:latin typeface="Calibri" panose="020F0502020204030204" pitchFamily="34" charset="0"/>
+              <a:cs typeface="Calibri" panose="020F0502020204030204" pitchFamily="34" charset="0"/>
+            </a:endParaRPr>
+          </a:p>
+        </p:txBody>
+      </p:sp>
+      <p:pic>
+        <p:nvPicPr>
+          <p:cNvPr id="2" name="Picture 1">
+            <a:extLst>
+              <a:ext uri="{FF2B5EF4-FFF2-40B4-BE49-F238E27FC236}">
+                <a16:creationId xmlns:a16="http://schemas.microsoft.com/office/drawing/2014/main" id="{C3952D8C-63B3-4327-87A7-9D7570F36573}"/>
+              </a:ext>
+            </a:extLst>
+          </p:cNvPr>
+          <p:cNvPicPr>
+            <a:picLocks noChangeAspect="1"/>
+          </p:cNvPicPr>
+          <p:nvPr/>
+        </p:nvPicPr>
+        <p:blipFill>
+          <a:blip r:embed="rId3"/>
+          <a:stretch>
+            <a:fillRect/>
+          </a:stretch>
+        </p:blipFill>
+        <p:spPr>
+          <a:xfrm>
+            <a:off x="909550" y="2468250"/>
+            <a:ext cx="4371975" cy="1200150"/>
+          </a:xfrm>
+          <a:prstGeom prst="rect">
+            <a:avLst/>
+          </a:prstGeom>
+        </p:spPr>
+      </p:pic>
+    </p:spTree>
+    <p:extLst>
+      <p:ext uri="{BB962C8B-B14F-4D97-AF65-F5344CB8AC3E}">
+        <p14:creationId xmlns:p14="http://schemas.microsoft.com/office/powerpoint/2010/main" val="305879614"/>
+      </p:ext>
+    </p:extLst>
+  </p:cSld>
+  <p:clrMapOvr>
+    <a:masterClrMapping/>
+  </p:clrMapOvr>
+  <p:transition>
+    <p:fade/>
+  </p:transition>
+</p:sld>
+</file>
+
+<file path=ppt/slides/slide11.xml><?xml version="1.0" encoding="utf-8"?>
+<p:sld xmlns:a="http://schemas.openxmlformats.org/drawingml/2006/main" xmlns:r="http://schemas.openxmlformats.org/officeDocument/2006/relationships" xmlns:p="http://schemas.openxmlformats.org/presentationml/2006/main">
+  <p:cSld>
+    <p:spTree>
+      <p:nvGrpSpPr>
+        <p:cNvPr id="1" name=""/>
+        <p:cNvGrpSpPr/>
+        <p:nvPr/>
+      </p:nvGrpSpPr>
+      <p:grpSpPr>
+        <a:xfrm>
+          <a:off x="0" y="0"/>
+          <a:ext cx="0" cy="0"/>
+          <a:chOff x="0" y="0"/>
+          <a:chExt cx="0" cy="0"/>
+        </a:xfrm>
+      </p:grpSpPr>
+      <p:sp>
+        <p:nvSpPr>
+          <p:cNvPr id="3" name="Title 2">
+            <a:extLst>
+              <a:ext uri="{FF2B5EF4-FFF2-40B4-BE49-F238E27FC236}">
+                <a16:creationId xmlns:a16="http://schemas.microsoft.com/office/drawing/2014/main" id="{DC13B999-CF6E-4E68-B99D-25F1FABDD7FB}"/>
+              </a:ext>
+            </a:extLst>
+          </p:cNvPr>
+          <p:cNvSpPr>
+            <a:spLocks noGrp="1"/>
+          </p:cNvSpPr>
+          <p:nvPr>
+            <p:ph type="title"/>
+          </p:nvPr>
+        </p:nvSpPr>
+        <p:spPr>
+          <a:xfrm>
+            <a:off x="376238" y="317499"/>
+            <a:ext cx="2257906" cy="513011"/>
+          </a:xfrm>
+        </p:spPr>
+        <p:txBody>
+          <a:bodyPr/>
+          <a:lstStyle/>
+          <a:p>
+            <a:r>
+              <a:rPr lang="en-US" sz="3200" dirty="0"/>
+              <a:t>Docstrings</a:t>
+            </a:r>
+          </a:p>
+        </p:txBody>
+      </p:sp>
+      <p:sp>
+        <p:nvSpPr>
+          <p:cNvPr id="6" name="Rectangle 5">
+            <a:extLst>
+              <a:ext uri="{FF2B5EF4-FFF2-40B4-BE49-F238E27FC236}">
+                <a16:creationId xmlns:a16="http://schemas.microsoft.com/office/drawing/2014/main" id="{85EAA296-A600-4A93-A5F0-9AD5074C79BB}"/>
+              </a:ext>
+            </a:extLst>
+          </p:cNvPr>
+          <p:cNvSpPr/>
+          <p:nvPr/>
+        </p:nvSpPr>
+        <p:spPr>
+          <a:xfrm>
+            <a:off x="376238" y="950616"/>
+            <a:ext cx="8356701" cy="646331"/>
+          </a:xfrm>
+          <a:prstGeom prst="rect">
+            <a:avLst/>
+          </a:prstGeom>
+        </p:spPr>
+        <p:txBody>
+          <a:bodyPr wrap="square">
+            <a:spAutoFit/>
+          </a:bodyPr>
+          <a:lstStyle/>
+          <a:p>
+            <a:r>
+              <a:rPr lang="en-US" dirty="0">
+                <a:latin typeface="Calibri" panose="020F0502020204030204" pitchFamily="34" charset="0"/>
+                <a:cs typeface="Calibri" panose="020F0502020204030204" pitchFamily="34" charset="0"/>
+              </a:rPr>
+              <a:t>Python documentation strings (or docstrings) provide a convenient way of associating documentation with Python modules, functions, classes, and methods.</a:t>
+            </a:r>
+          </a:p>
+        </p:txBody>
+      </p:sp>
+      <p:pic>
+        <p:nvPicPr>
+          <p:cNvPr id="7" name="Picture 6">
+            <a:extLst>
+              <a:ext uri="{FF2B5EF4-FFF2-40B4-BE49-F238E27FC236}">
+                <a16:creationId xmlns:a16="http://schemas.microsoft.com/office/drawing/2014/main" id="{44FD894D-D4DD-400A-8809-FEB8FFA70FC7}"/>
+              </a:ext>
+            </a:extLst>
+          </p:cNvPr>
+          <p:cNvPicPr>
+            <a:picLocks noChangeAspect="1"/>
+          </p:cNvPicPr>
+          <p:nvPr/>
+        </p:nvPicPr>
+        <p:blipFill>
+          <a:blip r:embed="rId2"/>
+          <a:stretch>
+            <a:fillRect/>
+          </a:stretch>
+        </p:blipFill>
+        <p:spPr>
+          <a:xfrm>
+            <a:off x="756005" y="1953900"/>
+            <a:ext cx="6915150" cy="2228850"/>
+          </a:xfrm>
+          <a:prstGeom prst="rect">
+            <a:avLst/>
+          </a:prstGeom>
+        </p:spPr>
+      </p:pic>
+      <p:sp>
+        <p:nvSpPr>
+          <p:cNvPr id="8" name="Rectangle 7">
+            <a:extLst>
+              <a:ext uri="{FF2B5EF4-FFF2-40B4-BE49-F238E27FC236}">
+                <a16:creationId xmlns:a16="http://schemas.microsoft.com/office/drawing/2014/main" id="{2F09A52C-3313-4881-8AD0-ED41A3BE1A97}"/>
+              </a:ext>
+            </a:extLst>
+          </p:cNvPr>
+          <p:cNvSpPr/>
+          <p:nvPr/>
+        </p:nvSpPr>
+        <p:spPr>
+          <a:xfrm>
+            <a:off x="376238" y="4539703"/>
+            <a:ext cx="7674684" cy="1015663"/>
+          </a:xfrm>
+          <a:prstGeom prst="rect">
+            <a:avLst/>
+          </a:prstGeom>
+        </p:spPr>
+        <p:txBody>
+          <a:bodyPr wrap="square">
+            <a:spAutoFit/>
+          </a:bodyPr>
+          <a:lstStyle/>
+          <a:p>
+            <a:pPr marL="285750" indent="-285750">
+              <a:buFont typeface="Arial" panose="020B0604020202020204" pitchFamily="34" charset="0"/>
+              <a:buChar char="•"/>
+            </a:pPr>
+            <a:r>
+              <a:rPr lang="en-US" dirty="0">
+                <a:latin typeface="Calibri" panose="020F0502020204030204" pitchFamily="34" charset="0"/>
+                <a:cs typeface="Calibri" panose="020F0502020204030204" pitchFamily="34" charset="0"/>
+              </a:rPr>
+              <a:t>Docstrings are quite helpful when writing code that other people will import.</a:t>
+            </a:r>
+          </a:p>
+          <a:p>
+            <a:pPr marL="285750" indent="-285750">
+              <a:buFont typeface="Arial" panose="020B0604020202020204" pitchFamily="34" charset="0"/>
+              <a:buChar char="•"/>
+            </a:pPr>
+            <a:endParaRPr lang="en-US" sz="600" dirty="0">
+              <a:latin typeface="Calibri" panose="020F0502020204030204" pitchFamily="34" charset="0"/>
+              <a:cs typeface="Calibri" panose="020F0502020204030204" pitchFamily="34" charset="0"/>
+            </a:endParaRPr>
+          </a:p>
+          <a:p>
+            <a:pPr marL="285750" indent="-285750">
+              <a:buFont typeface="Arial" panose="020B0604020202020204" pitchFamily="34" charset="0"/>
+              <a:buChar char="•"/>
+            </a:pPr>
+            <a:r>
+              <a:rPr lang="en-US" dirty="0">
+                <a:latin typeface="Calibri" panose="020F0502020204030204" pitchFamily="34" charset="0"/>
+                <a:cs typeface="Calibri" panose="020F0502020204030204" pitchFamily="34" charset="0"/>
+              </a:rPr>
+              <a:t>Helps other people reading your code in understanding the purpose it, without having to read through all of the code.</a:t>
+            </a:r>
+          </a:p>
+        </p:txBody>
+      </p:sp>
+    </p:spTree>
+    <p:extLst>
+      <p:ext uri="{BB962C8B-B14F-4D97-AF65-F5344CB8AC3E}">
+        <p14:creationId xmlns:p14="http://schemas.microsoft.com/office/powerpoint/2010/main" val="1600439655"/>
+      </p:ext>
+    </p:extLst>
+  </p:cSld>
+  <p:clrMapOvr>
+    <a:masterClrMapping/>
+  </p:clrMapOvr>
+  <p:transition>
+    <p:fade/>
+  </p:transition>
+</p:sld>
+</file>
+
+<file path=ppt/slides/slide12.xml><?xml version="1.0" encoding="utf-8"?>
+<p:sld xmlns:a="http://schemas.openxmlformats.org/drawingml/2006/main" xmlns:r="http://schemas.openxmlformats.org/officeDocument/2006/relationships" xmlns:p="http://schemas.openxmlformats.org/presentationml/2006/main">
+  <p:cSld>
+    <p:spTree>
+      <p:nvGrpSpPr>
+        <p:cNvPr id="1" name=""/>
+        <p:cNvGrpSpPr/>
+        <p:nvPr/>
+      </p:nvGrpSpPr>
+      <p:grpSpPr>
+        <a:xfrm>
+          <a:off x="0" y="0"/>
+          <a:ext cx="0" cy="0"/>
+          <a:chOff x="0" y="0"/>
+          <a:chExt cx="0" cy="0"/>
+        </a:xfrm>
+      </p:grpSpPr>
+      <p:sp>
+        <p:nvSpPr>
+          <p:cNvPr id="2" name="Text Placeholder 1">
+            <a:extLst>
+              <a:ext uri="{FF2B5EF4-FFF2-40B4-BE49-F238E27FC236}">
+                <a16:creationId xmlns:a16="http://schemas.microsoft.com/office/drawing/2014/main" id="{A51D4075-8F45-4447-8D30-89193D2C71D4}"/>
+              </a:ext>
+            </a:extLst>
+          </p:cNvPr>
+          <p:cNvSpPr>
+            <a:spLocks noGrp="1"/>
+          </p:cNvSpPr>
+          <p:nvPr>
+            <p:ph type="body" sz="quarter" idx="13"/>
+          </p:nvPr>
+        </p:nvSpPr>
+        <p:spPr/>
+        <p:txBody>
+          <a:bodyPr/>
+          <a:lstStyle/>
+          <a:p>
+            <a:endParaRPr lang="en-US"/>
+          </a:p>
+        </p:txBody>
+      </p:sp>
+      <p:sp>
+        <p:nvSpPr>
+          <p:cNvPr id="3" name="Title 2">
+            <a:extLst>
+              <a:ext uri="{FF2B5EF4-FFF2-40B4-BE49-F238E27FC236}">
+                <a16:creationId xmlns:a16="http://schemas.microsoft.com/office/drawing/2014/main" id="{63319BAD-4E16-4C01-BBEA-59647977E378}"/>
+              </a:ext>
+            </a:extLst>
+          </p:cNvPr>
+          <p:cNvSpPr>
+            <a:spLocks noGrp="1"/>
+          </p:cNvSpPr>
+          <p:nvPr>
+            <p:ph type="title"/>
+          </p:nvPr>
+        </p:nvSpPr>
+        <p:spPr/>
+        <p:txBody>
+          <a:bodyPr/>
+          <a:lstStyle/>
+          <a:p>
+            <a:endParaRPr lang="en-US"/>
+          </a:p>
+        </p:txBody>
+      </p:sp>
+      <p:pic>
+        <p:nvPicPr>
+          <p:cNvPr id="12290" name="Picture 2">
+            <a:extLst>
+              <a:ext uri="{FF2B5EF4-FFF2-40B4-BE49-F238E27FC236}">
+                <a16:creationId xmlns:a16="http://schemas.microsoft.com/office/drawing/2014/main" id="{3C86457F-41E5-4F50-9DC0-F48685F92E0A}"/>
+              </a:ext>
+            </a:extLst>
+          </p:cNvPr>
+          <p:cNvPicPr>
+            <a:picLocks noChangeAspect="1" noChangeArrowheads="1"/>
+          </p:cNvPicPr>
+          <p:nvPr/>
+        </p:nvPicPr>
+        <p:blipFill>
+          <a:blip r:embed="rId2">
+            <a:extLst>
+              <a:ext uri="{28A0092B-C50C-407E-A947-70E740481C1C}">
+                <a14:useLocalDpi xmlns:a14="http://schemas.microsoft.com/office/drawing/2010/main" val="0"/>
+              </a:ext>
+            </a:extLst>
+          </a:blip>
+          <a:srcRect/>
+          <a:stretch>
+            <a:fillRect/>
+          </a:stretch>
+        </p:blipFill>
+        <p:spPr bwMode="auto">
+          <a:xfrm>
+            <a:off x="2154966" y="772486"/>
+            <a:ext cx="4834066" cy="5433914"/>
+          </a:xfrm>
+          <a:prstGeom prst="rect">
+            <a:avLst/>
+          </a:prstGeom>
+          <a:noFill/>
+          <a:extLst>
+            <a:ext uri="{909E8E84-426E-40DD-AFC4-6F175D3DCCD1}">
+              <a14:hiddenFill xmlns:a14="http://schemas.microsoft.com/office/drawing/2010/main">
+                <a:solidFill>
+                  <a:srgbClr val="FFFFFF"/>
+                </a:solidFill>
+              </a14:hiddenFill>
+            </a:ext>
+          </a:extLst>
+        </p:spPr>
+      </p:pic>
+    </p:spTree>
+    <p:extLst>
+      <p:ext uri="{BB962C8B-B14F-4D97-AF65-F5344CB8AC3E}">
+        <p14:creationId xmlns:p14="http://schemas.microsoft.com/office/powerpoint/2010/main" val="2070797780"/>
+      </p:ext>
+    </p:extLst>
+  </p:cSld>
+  <p:clrMapOvr>
+    <a:masterClrMapping/>
+  </p:clrMapOvr>
+  <p:transition>
+    <p:fade/>
+  </p:transition>
+</p:sld>
+</file>
+
 <file path=ppt/slides/slide2.xml><?xml version="1.0" encoding="utf-8"?>
 <p:sld xmlns:a="http://schemas.openxmlformats.org/drawingml/2006/main" xmlns:r="http://schemas.openxmlformats.org/officeDocument/2006/relationships" xmlns:p="http://schemas.openxmlformats.org/presentationml/2006/main">
   <p:cSld>
@@ -24418,6 +27701,687 @@
       </p:grpSpPr>
       <p:sp>
         <p:nvSpPr>
+          <p:cNvPr id="2" name="Text Placeholder 1">
+            <a:extLst>
+              <a:ext uri="{FF2B5EF4-FFF2-40B4-BE49-F238E27FC236}">
+                <a16:creationId xmlns:a16="http://schemas.microsoft.com/office/drawing/2014/main" id="{AEB13B79-D886-421F-AFC5-85D0273E7F88}"/>
+              </a:ext>
+            </a:extLst>
+          </p:cNvPr>
+          <p:cNvSpPr>
+            <a:spLocks noGrp="1"/>
+          </p:cNvSpPr>
+          <p:nvPr>
+            <p:ph type="body" sz="quarter" idx="13"/>
+          </p:nvPr>
+        </p:nvSpPr>
+        <p:spPr>
+          <a:xfrm>
+            <a:off x="376237" y="1194480"/>
+            <a:ext cx="4951667" cy="4469040"/>
+          </a:xfrm>
+        </p:spPr>
+        <p:txBody>
+          <a:bodyPr/>
+          <a:lstStyle/>
+          <a:p>
+            <a:pPr marL="342900" indent="-342900">
+              <a:buFont typeface="Arial" panose="020B0604020202020204" pitchFamily="34" charset="0"/>
+              <a:buChar char="•"/>
+            </a:pPr>
+            <a:r>
+              <a:rPr lang="en-US" sz="1800" dirty="0"/>
+              <a:t>Introduction</a:t>
+            </a:r>
+          </a:p>
+          <a:p>
+            <a:pPr marL="342900" indent="-342900">
+              <a:buFont typeface="Arial" panose="020B0604020202020204" pitchFamily="34" charset="0"/>
+              <a:buChar char="•"/>
+            </a:pPr>
+            <a:endParaRPr lang="en-US" sz="600" dirty="0"/>
+          </a:p>
+          <a:p>
+            <a:pPr marL="342900" indent="-342900">
+              <a:buFont typeface="Arial" panose="020B0604020202020204" pitchFamily="34" charset="0"/>
+              <a:buChar char="•"/>
+            </a:pPr>
+            <a:r>
+              <a:rPr lang="en-US" sz="1800" dirty="0"/>
+              <a:t>Data Structures</a:t>
+            </a:r>
+          </a:p>
+          <a:p>
+            <a:pPr marL="342900" indent="-342900">
+              <a:buFont typeface="Arial" panose="020B0604020202020204" pitchFamily="34" charset="0"/>
+              <a:buChar char="•"/>
+            </a:pPr>
+            <a:endParaRPr lang="en-US" sz="600" dirty="0"/>
+          </a:p>
+          <a:p>
+            <a:pPr marL="342900" indent="-342900">
+              <a:buFont typeface="Arial" panose="020B0604020202020204" pitchFamily="34" charset="0"/>
+              <a:buChar char="•"/>
+            </a:pPr>
+            <a:r>
+              <a:rPr lang="en-US" sz="1800" dirty="0"/>
+              <a:t>Strings</a:t>
+            </a:r>
+          </a:p>
+          <a:p>
+            <a:pPr marL="342900" indent="-342900">
+              <a:buFont typeface="Arial" panose="020B0604020202020204" pitchFamily="34" charset="0"/>
+              <a:buChar char="•"/>
+            </a:pPr>
+            <a:endParaRPr lang="en-US" sz="600" dirty="0"/>
+          </a:p>
+          <a:p>
+            <a:pPr marL="342900" indent="-342900">
+              <a:buFont typeface="Arial" panose="020B0604020202020204" pitchFamily="34" charset="0"/>
+              <a:buChar char="•"/>
+            </a:pPr>
+            <a:r>
+              <a:rPr lang="en-US" sz="1800" dirty="0"/>
+              <a:t>Object Oriented Programming</a:t>
+            </a:r>
+          </a:p>
+          <a:p>
+            <a:pPr marL="342900" indent="-342900">
+              <a:buFont typeface="Arial" panose="020B0604020202020204" pitchFamily="34" charset="0"/>
+              <a:buChar char="•"/>
+            </a:pPr>
+            <a:endParaRPr lang="en-US" sz="600" dirty="0"/>
+          </a:p>
+          <a:p>
+            <a:pPr marL="342900" indent="-342900">
+              <a:buFont typeface="Arial" panose="020B0604020202020204" pitchFamily="34" charset="0"/>
+              <a:buChar char="•"/>
+            </a:pPr>
+            <a:r>
+              <a:rPr lang="en-US" sz="1800" dirty="0"/>
+              <a:t>File Handling</a:t>
+            </a:r>
+          </a:p>
+          <a:p>
+            <a:pPr marL="342900" indent="-342900">
+              <a:buFont typeface="Arial" panose="020B0604020202020204" pitchFamily="34" charset="0"/>
+              <a:buChar char="•"/>
+            </a:pPr>
+            <a:endParaRPr lang="en-US" sz="600" dirty="0"/>
+          </a:p>
+          <a:p>
+            <a:pPr marL="342900" indent="-342900">
+              <a:buFont typeface="Arial" panose="020B0604020202020204" pitchFamily="34" charset="0"/>
+              <a:buChar char="•"/>
+            </a:pPr>
+            <a:r>
+              <a:rPr lang="en-US" sz="1800" dirty="0"/>
+              <a:t>Exceptions</a:t>
+            </a:r>
+          </a:p>
+          <a:p>
+            <a:pPr marL="342900" indent="-342900">
+              <a:buFont typeface="Arial" panose="020B0604020202020204" pitchFamily="34" charset="0"/>
+              <a:buChar char="•"/>
+            </a:pPr>
+            <a:endParaRPr lang="en-US" sz="600" dirty="0"/>
+          </a:p>
+          <a:p>
+            <a:pPr marL="342900" indent="-342900">
+              <a:buFont typeface="Arial" panose="020B0604020202020204" pitchFamily="34" charset="0"/>
+              <a:buChar char="•"/>
+            </a:pPr>
+            <a:r>
+              <a:rPr lang="en-US" sz="1800" dirty="0"/>
+              <a:t>Docstrings</a:t>
+            </a:r>
+          </a:p>
+          <a:p>
+            <a:pPr marL="342900" indent="-342900">
+              <a:buFont typeface="Arial" panose="020B0604020202020204" pitchFamily="34" charset="0"/>
+              <a:buChar char="•"/>
+            </a:pPr>
+            <a:endParaRPr lang="en-US" dirty="0"/>
+          </a:p>
+        </p:txBody>
+      </p:sp>
+      <p:sp>
+        <p:nvSpPr>
+          <p:cNvPr id="3" name="Title 2">
+            <a:extLst>
+              <a:ext uri="{FF2B5EF4-FFF2-40B4-BE49-F238E27FC236}">
+                <a16:creationId xmlns:a16="http://schemas.microsoft.com/office/drawing/2014/main" id="{F64EEDF9-1818-4710-B7D6-BF6889C3924E}"/>
+              </a:ext>
+            </a:extLst>
+          </p:cNvPr>
+          <p:cNvSpPr>
+            <a:spLocks noGrp="1"/>
+          </p:cNvSpPr>
+          <p:nvPr>
+            <p:ph type="title"/>
+          </p:nvPr>
+        </p:nvSpPr>
+        <p:spPr>
+          <a:xfrm>
+            <a:off x="376237" y="317499"/>
+            <a:ext cx="2074355" cy="511557"/>
+          </a:xfrm>
+        </p:spPr>
+        <p:txBody>
+          <a:bodyPr/>
+          <a:lstStyle/>
+          <a:p>
+            <a:r>
+              <a:rPr lang="en-US" sz="3200" dirty="0"/>
+              <a:t>Contents</a:t>
+            </a:r>
+            <a:r>
+              <a:rPr lang="en-US" dirty="0"/>
+              <a:t>:</a:t>
+            </a:r>
+          </a:p>
+        </p:txBody>
+      </p:sp>
+    </p:spTree>
+    <p:extLst>
+      <p:ext uri="{BB962C8B-B14F-4D97-AF65-F5344CB8AC3E}">
+        <p14:creationId xmlns:p14="http://schemas.microsoft.com/office/powerpoint/2010/main" val="3621122084"/>
+      </p:ext>
+    </p:extLst>
+  </p:cSld>
+  <p:clrMapOvr>
+    <a:masterClrMapping/>
+  </p:clrMapOvr>
+  <p:transition>
+    <p:fade/>
+  </p:transition>
+</p:sld>
+</file>
+
+<file path=ppt/slides/slide4.xml><?xml version="1.0" encoding="utf-8"?>
+<p:sld xmlns:a="http://schemas.openxmlformats.org/drawingml/2006/main" xmlns:r="http://schemas.openxmlformats.org/officeDocument/2006/relationships" xmlns:p="http://schemas.openxmlformats.org/presentationml/2006/main">
+  <p:cSld>
+    <p:spTree>
+      <p:nvGrpSpPr>
+        <p:cNvPr id="1" name=""/>
+        <p:cNvGrpSpPr/>
+        <p:nvPr/>
+      </p:nvGrpSpPr>
+      <p:grpSpPr>
+        <a:xfrm>
+          <a:off x="0" y="0"/>
+          <a:ext cx="0" cy="0"/>
+          <a:chOff x="0" y="0"/>
+          <a:chExt cx="0" cy="0"/>
+        </a:xfrm>
+      </p:grpSpPr>
+      <p:sp>
+        <p:nvSpPr>
+          <p:cNvPr id="3" name="Title 2">
+            <a:extLst>
+              <a:ext uri="{FF2B5EF4-FFF2-40B4-BE49-F238E27FC236}">
+                <a16:creationId xmlns:a16="http://schemas.microsoft.com/office/drawing/2014/main" id="{DC13B999-CF6E-4E68-B99D-25F1FABDD7FB}"/>
+              </a:ext>
+            </a:extLst>
+          </p:cNvPr>
+          <p:cNvSpPr>
+            <a:spLocks noGrp="1"/>
+          </p:cNvSpPr>
+          <p:nvPr>
+            <p:ph type="title"/>
+          </p:nvPr>
+        </p:nvSpPr>
+        <p:spPr>
+          <a:xfrm>
+            <a:off x="376237" y="317499"/>
+            <a:ext cx="6270748" cy="513011"/>
+          </a:xfrm>
+        </p:spPr>
+        <p:txBody>
+          <a:bodyPr/>
+          <a:lstStyle/>
+          <a:p>
+            <a:r>
+              <a:rPr lang="en-US" sz="3200" dirty="0"/>
+              <a:t>Introduction</a:t>
+            </a:r>
+          </a:p>
+        </p:txBody>
+      </p:sp>
+      <p:sp>
+        <p:nvSpPr>
+          <p:cNvPr id="8" name="Rectangle 7">
+            <a:extLst>
+              <a:ext uri="{FF2B5EF4-FFF2-40B4-BE49-F238E27FC236}">
+                <a16:creationId xmlns:a16="http://schemas.microsoft.com/office/drawing/2014/main" id="{2F09A52C-3313-4881-8AD0-ED41A3BE1A97}"/>
+              </a:ext>
+            </a:extLst>
+          </p:cNvPr>
+          <p:cNvSpPr/>
+          <p:nvPr/>
+        </p:nvSpPr>
+        <p:spPr>
+          <a:xfrm>
+            <a:off x="376237" y="1059759"/>
+            <a:ext cx="8285849" cy="5786199"/>
+          </a:xfrm>
+          <a:prstGeom prst="rect">
+            <a:avLst/>
+          </a:prstGeom>
+        </p:spPr>
+        <p:txBody>
+          <a:bodyPr wrap="square">
+            <a:spAutoFit/>
+          </a:bodyPr>
+          <a:lstStyle/>
+          <a:p>
+            <a:pPr marL="285750" indent="-285750">
+              <a:buFont typeface="Arial" panose="020B0604020202020204" pitchFamily="34" charset="0"/>
+              <a:buChar char="•"/>
+            </a:pPr>
+            <a:r>
+              <a:rPr lang="en-US" dirty="0">
+                <a:latin typeface="Calibri" panose="020F0502020204030204" pitchFamily="34" charset="0"/>
+                <a:cs typeface="Calibri" panose="020F0502020204030204" pitchFamily="34" charset="0"/>
+              </a:rPr>
+              <a:t>Open-sourced</a:t>
+            </a:r>
+          </a:p>
+          <a:p>
+            <a:pPr marL="285750" indent="-285750">
+              <a:buFont typeface="Arial" panose="020B0604020202020204" pitchFamily="34" charset="0"/>
+              <a:buChar char="•"/>
+            </a:pPr>
+            <a:r>
+              <a:rPr lang="en-US" dirty="0">
+                <a:latin typeface="Calibri" panose="020F0502020204030204" pitchFamily="34" charset="0"/>
+                <a:cs typeface="Calibri" panose="020F0502020204030204" pitchFamily="34" charset="0"/>
+              </a:rPr>
+              <a:t>Interpreted language. </a:t>
+            </a:r>
+          </a:p>
+          <a:p>
+            <a:pPr marL="285750" indent="-285750">
+              <a:buFont typeface="Arial" panose="020B0604020202020204" pitchFamily="34" charset="0"/>
+              <a:buChar char="•"/>
+            </a:pPr>
+            <a:r>
+              <a:rPr lang="en-US" dirty="0">
+                <a:latin typeface="Calibri" panose="020F0502020204030204" pitchFamily="34" charset="0"/>
+                <a:cs typeface="Calibri" panose="020F0502020204030204" pitchFamily="34" charset="0"/>
+              </a:rPr>
+              <a:t>Extensive support libraries</a:t>
+            </a:r>
+          </a:p>
+          <a:p>
+            <a:pPr marL="285750" indent="-285750">
+              <a:buFont typeface="Arial" panose="020B0604020202020204" pitchFamily="34" charset="0"/>
+              <a:buChar char="•"/>
+            </a:pPr>
+            <a:r>
+              <a:rPr lang="en-US" dirty="0">
+                <a:latin typeface="Calibri" panose="020F0502020204030204" pitchFamily="34" charset="0"/>
+                <a:cs typeface="Calibri" panose="020F0502020204030204" pitchFamily="34" charset="0"/>
+              </a:rPr>
+              <a:t>Object Oriented</a:t>
+            </a:r>
+          </a:p>
+          <a:p>
+            <a:pPr marL="285750" indent="-285750">
+              <a:buFont typeface="Arial" panose="020B0604020202020204" pitchFamily="34" charset="0"/>
+              <a:buChar char="•"/>
+            </a:pPr>
+            <a:r>
+              <a:rPr lang="en-US" dirty="0">
+                <a:latin typeface="Calibri" panose="020F0502020204030204" pitchFamily="34" charset="0"/>
+                <a:cs typeface="Calibri" panose="020F0502020204030204" pitchFamily="34" charset="0"/>
+              </a:rPr>
+              <a:t>Everything in Python is an object, and almost everything has attributes and methods.</a:t>
+            </a:r>
+          </a:p>
+          <a:p>
+            <a:r>
+              <a:rPr lang="en-US" dirty="0">
+                <a:latin typeface="Calibri" panose="020F0502020204030204" pitchFamily="34" charset="0"/>
+                <a:cs typeface="Calibri" panose="020F0502020204030204" pitchFamily="34" charset="0"/>
+              </a:rPr>
+              <a:t> </a:t>
+            </a:r>
+          </a:p>
+          <a:p>
+            <a:pPr marL="285750" indent="-285750">
+              <a:buFont typeface="Arial" panose="020B0604020202020204" pitchFamily="34" charset="0"/>
+              <a:buChar char="•"/>
+            </a:pPr>
+            <a:endParaRPr lang="en-US" dirty="0">
+              <a:latin typeface="Calibri" panose="020F0502020204030204" pitchFamily="34" charset="0"/>
+              <a:cs typeface="Calibri" panose="020F0502020204030204" pitchFamily="34" charset="0"/>
+            </a:endParaRPr>
+          </a:p>
+          <a:p>
+            <a:pPr marL="285750" indent="-285750">
+              <a:buFont typeface="Arial" panose="020B0604020202020204" pitchFamily="34" charset="0"/>
+              <a:buChar char="•"/>
+            </a:pPr>
+            <a:endParaRPr lang="en-US" dirty="0">
+              <a:latin typeface="Calibri" panose="020F0502020204030204" pitchFamily="34" charset="0"/>
+              <a:cs typeface="Calibri" panose="020F0502020204030204" pitchFamily="34" charset="0"/>
+            </a:endParaRPr>
+          </a:p>
+          <a:p>
+            <a:pPr marL="285750" indent="-285750">
+              <a:buFont typeface="Arial" panose="020B0604020202020204" pitchFamily="34" charset="0"/>
+              <a:buChar char="•"/>
+            </a:pPr>
+            <a:endParaRPr lang="en-US" dirty="0">
+              <a:latin typeface="Calibri" panose="020F0502020204030204" pitchFamily="34" charset="0"/>
+              <a:cs typeface="Calibri" panose="020F0502020204030204" pitchFamily="34" charset="0"/>
+            </a:endParaRPr>
+          </a:p>
+          <a:p>
+            <a:pPr marL="285750" indent="-285750">
+              <a:buFont typeface="Arial" panose="020B0604020202020204" pitchFamily="34" charset="0"/>
+              <a:buChar char="•"/>
+            </a:pPr>
+            <a:endParaRPr lang="en-US" dirty="0">
+              <a:latin typeface="Calibri" panose="020F0502020204030204" pitchFamily="34" charset="0"/>
+              <a:cs typeface="Calibri" panose="020F0502020204030204" pitchFamily="34" charset="0"/>
+            </a:endParaRPr>
+          </a:p>
+          <a:p>
+            <a:pPr marL="285750" indent="-285750">
+              <a:buFont typeface="Arial" panose="020B0604020202020204" pitchFamily="34" charset="0"/>
+              <a:buChar char="•"/>
+            </a:pPr>
+            <a:endParaRPr lang="en-US" dirty="0">
+              <a:latin typeface="Calibri" panose="020F0502020204030204" pitchFamily="34" charset="0"/>
+              <a:cs typeface="Calibri" panose="020F0502020204030204" pitchFamily="34" charset="0"/>
+            </a:endParaRPr>
+          </a:p>
+          <a:p>
+            <a:pPr marL="285750" indent="-285750">
+              <a:buFont typeface="Arial" panose="020B0604020202020204" pitchFamily="34" charset="0"/>
+              <a:buChar char="•"/>
+            </a:pPr>
+            <a:endParaRPr lang="en-US" dirty="0">
+              <a:latin typeface="Calibri" panose="020F0502020204030204" pitchFamily="34" charset="0"/>
+              <a:cs typeface="Calibri" panose="020F0502020204030204" pitchFamily="34" charset="0"/>
+            </a:endParaRPr>
+          </a:p>
+          <a:p>
+            <a:pPr marL="285750" indent="-285750">
+              <a:buFont typeface="Arial" panose="020B0604020202020204" pitchFamily="34" charset="0"/>
+              <a:buChar char="•"/>
+            </a:pPr>
+            <a:endParaRPr lang="en-US" dirty="0">
+              <a:latin typeface="Calibri" panose="020F0502020204030204" pitchFamily="34" charset="0"/>
+              <a:cs typeface="Calibri" panose="020F0502020204030204" pitchFamily="34" charset="0"/>
+            </a:endParaRPr>
+          </a:p>
+          <a:p>
+            <a:pPr marL="285750" indent="-285750">
+              <a:buFont typeface="Arial" panose="020B0604020202020204" pitchFamily="34" charset="0"/>
+              <a:buChar char="•"/>
+            </a:pPr>
+            <a:r>
+              <a:rPr lang="en-US" dirty="0">
+                <a:latin typeface="Calibri" panose="020F0502020204030204" pitchFamily="34" charset="0"/>
+                <a:cs typeface="Calibri" panose="020F0502020204030204" pitchFamily="34" charset="0"/>
+              </a:rPr>
+              <a:t>According to a recent survey, in the UK in 2015, Python overtook French to be the most popular language taught in primary schools. Out of 10, 6 parents preferred their children to learn Python over French.</a:t>
+            </a:r>
+          </a:p>
+          <a:p>
+            <a:pPr marL="285750" indent="-285750">
+              <a:buFont typeface="Arial" panose="020B0604020202020204" pitchFamily="34" charset="0"/>
+              <a:buChar char="•"/>
+            </a:pPr>
+            <a:endParaRPr lang="en-US" dirty="0">
+              <a:latin typeface="Calibri" panose="020F0502020204030204" pitchFamily="34" charset="0"/>
+              <a:cs typeface="Calibri" panose="020F0502020204030204" pitchFamily="34" charset="0"/>
+            </a:endParaRPr>
+          </a:p>
+          <a:p>
+            <a:pPr marL="285750" indent="-285750">
+              <a:buFont typeface="Arial" panose="020B0604020202020204" pitchFamily="34" charset="0"/>
+              <a:buChar char="•"/>
+            </a:pPr>
+            <a:endParaRPr lang="en-US" altLang="en-US" dirty="0">
+              <a:latin typeface="Calibri" panose="020F0502020204030204" pitchFamily="34" charset="0"/>
+              <a:cs typeface="Calibri" panose="020F0502020204030204" pitchFamily="34" charset="0"/>
+            </a:endParaRPr>
+          </a:p>
+          <a:p>
+            <a:pPr marL="285750" indent="-285750">
+              <a:buFont typeface="Arial" panose="020B0604020202020204" pitchFamily="34" charset="0"/>
+              <a:buChar char="•"/>
+            </a:pPr>
+            <a:endParaRPr lang="en-US" altLang="en-US" sz="2800" dirty="0">
+              <a:latin typeface="Arial" panose="020B0604020202020204" pitchFamily="34" charset="0"/>
+            </a:endParaRPr>
+          </a:p>
+        </p:txBody>
+      </p:sp>
+      <p:grpSp>
+        <p:nvGrpSpPr>
+          <p:cNvPr id="17" name="Group 16">
+            <a:extLst>
+              <a:ext uri="{FF2B5EF4-FFF2-40B4-BE49-F238E27FC236}">
+                <a16:creationId xmlns:a16="http://schemas.microsoft.com/office/drawing/2014/main" id="{8B7C1452-FC94-4470-B705-BE7CB8AFE2D3}"/>
+              </a:ext>
+            </a:extLst>
+          </p:cNvPr>
+          <p:cNvGrpSpPr/>
+          <p:nvPr/>
+        </p:nvGrpSpPr>
+        <p:grpSpPr>
+          <a:xfrm>
+            <a:off x="1825864" y="2372946"/>
+            <a:ext cx="5188885" cy="2506338"/>
+            <a:chOff x="2693776" y="2076384"/>
+            <a:chExt cx="5188885" cy="2506338"/>
+          </a:xfrm>
+        </p:grpSpPr>
+        <p:graphicFrame>
+          <p:nvGraphicFramePr>
+            <p:cNvPr id="2" name="Diagram 1">
+              <a:extLst>
+                <a:ext uri="{FF2B5EF4-FFF2-40B4-BE49-F238E27FC236}">
+                  <a16:creationId xmlns:a16="http://schemas.microsoft.com/office/drawing/2014/main" id="{4CAB0866-86E7-4F65-9F9E-07E38E7951B5}"/>
+                </a:ext>
+              </a:extLst>
+            </p:cNvPr>
+            <p:cNvGraphicFramePr/>
+            <p:nvPr>
+              <p:extLst>
+                <p:ext uri="{D42A27DB-BD31-4B8C-83A1-F6EECF244321}">
+                  <p14:modId xmlns:p14="http://schemas.microsoft.com/office/powerpoint/2010/main" val="1921838498"/>
+                </p:ext>
+              </p:extLst>
+            </p:nvPr>
+          </p:nvGraphicFramePr>
+          <p:xfrm>
+            <a:off x="2693776" y="2076384"/>
+            <a:ext cx="5188885" cy="2506338"/>
+          </p:xfrm>
+          <a:graphic>
+            <a:graphicData uri="http://schemas.openxmlformats.org/drawingml/2006/diagram">
+              <dgm:relIds xmlns:dgm="http://schemas.openxmlformats.org/drawingml/2006/diagram" xmlns:r="http://schemas.openxmlformats.org/officeDocument/2006/relationships" r:dm="rId3" r:lo="rId4" r:qs="rId5" r:cs="rId6"/>
+            </a:graphicData>
+          </a:graphic>
+        </p:graphicFrame>
+        <p:sp>
+          <p:nvSpPr>
+            <p:cNvPr id="4" name="TextBox 3">
+              <a:extLst>
+                <a:ext uri="{FF2B5EF4-FFF2-40B4-BE49-F238E27FC236}">
+                  <a16:creationId xmlns:a16="http://schemas.microsoft.com/office/drawing/2014/main" id="{7E9B2BB2-6914-4BA8-9B7F-255887B06699}"/>
+                </a:ext>
+              </a:extLst>
+            </p:cNvPr>
+            <p:cNvSpPr txBox="1"/>
+            <p:nvPr/>
+          </p:nvSpPr>
+          <p:spPr>
+            <a:xfrm>
+              <a:off x="2898307" y="3861576"/>
+              <a:ext cx="966026" cy="215444"/>
+            </a:xfrm>
+            <a:prstGeom prst="rect">
+              <a:avLst/>
+            </a:prstGeom>
+            <a:noFill/>
+          </p:spPr>
+          <p:txBody>
+            <a:bodyPr vert="horz" wrap="square" lIns="0" tIns="0" rIns="0" bIns="0" rtlCol="0">
+              <a:spAutoFit/>
+            </a:bodyPr>
+            <a:lstStyle/>
+            <a:p>
+              <a:pPr>
+                <a:spcBef>
+                  <a:spcPts val="200"/>
+                </a:spcBef>
+                <a:buSzPct val="100000"/>
+              </a:pPr>
+              <a:r>
+                <a:rPr lang="en-US" sz="1400" dirty="0">
+                  <a:latin typeface="Calibri" panose="020F0502020204030204" pitchFamily="34" charset="0"/>
+                  <a:cs typeface="Calibri" panose="020F0502020204030204" pitchFamily="34" charset="0"/>
+                </a:rPr>
+                <a:t>Source Code</a:t>
+              </a:r>
+            </a:p>
+          </p:txBody>
+        </p:sp>
+        <p:sp>
+          <p:nvSpPr>
+            <p:cNvPr id="7" name="TextBox 6">
+              <a:extLst>
+                <a:ext uri="{FF2B5EF4-FFF2-40B4-BE49-F238E27FC236}">
+                  <a16:creationId xmlns:a16="http://schemas.microsoft.com/office/drawing/2014/main" id="{97D902F8-C7C1-41CB-810B-898349CE1146}"/>
+                </a:ext>
+              </a:extLst>
+            </p:cNvPr>
+            <p:cNvSpPr txBox="1"/>
+            <p:nvPr/>
+          </p:nvSpPr>
+          <p:spPr>
+            <a:xfrm>
+              <a:off x="4973125" y="3866568"/>
+              <a:ext cx="827896" cy="215444"/>
+            </a:xfrm>
+            <a:prstGeom prst="rect">
+              <a:avLst/>
+            </a:prstGeom>
+            <a:noFill/>
+          </p:spPr>
+          <p:txBody>
+            <a:bodyPr vert="horz" wrap="square" lIns="0" tIns="0" rIns="0" bIns="0" rtlCol="0">
+              <a:spAutoFit/>
+            </a:bodyPr>
+            <a:lstStyle/>
+            <a:p>
+              <a:pPr>
+                <a:spcBef>
+                  <a:spcPts val="200"/>
+                </a:spcBef>
+                <a:buSzPct val="100000"/>
+              </a:pPr>
+              <a:r>
+                <a:rPr lang="en-US" sz="1400" dirty="0">
+                  <a:latin typeface="Calibri" panose="020F0502020204030204" pitchFamily="34" charset="0"/>
+                  <a:cs typeface="Calibri" panose="020F0502020204030204" pitchFamily="34" charset="0"/>
+                </a:rPr>
+                <a:t>Byte Code</a:t>
+              </a:r>
+              <a:endParaRPr lang="en-US" sz="1200" dirty="0">
+                <a:latin typeface="Calibri" panose="020F0502020204030204" pitchFamily="34" charset="0"/>
+                <a:cs typeface="Calibri" panose="020F0502020204030204" pitchFamily="34" charset="0"/>
+              </a:endParaRPr>
+            </a:p>
+          </p:txBody>
+        </p:sp>
+        <p:sp>
+          <p:nvSpPr>
+            <p:cNvPr id="5" name="TextBox 4">
+              <a:extLst>
+                <a:ext uri="{FF2B5EF4-FFF2-40B4-BE49-F238E27FC236}">
+                  <a16:creationId xmlns:a16="http://schemas.microsoft.com/office/drawing/2014/main" id="{69A4800C-D576-4473-BD0D-BE2F4E10386A}"/>
+                </a:ext>
+              </a:extLst>
+            </p:cNvPr>
+            <p:cNvSpPr txBox="1"/>
+            <p:nvPr/>
+          </p:nvSpPr>
+          <p:spPr>
+            <a:xfrm>
+              <a:off x="3857511" y="4250401"/>
+              <a:ext cx="3164801" cy="279845"/>
+            </a:xfrm>
+            <a:prstGeom prst="rect">
+              <a:avLst/>
+            </a:prstGeom>
+            <a:noFill/>
+          </p:spPr>
+          <p:txBody>
+            <a:bodyPr vert="horz" wrap="square" lIns="0" tIns="0" rIns="0" bIns="0" rtlCol="0">
+              <a:spAutoFit/>
+            </a:bodyPr>
+            <a:lstStyle/>
+            <a:p>
+              <a:pPr>
+                <a:spcBef>
+                  <a:spcPts val="200"/>
+                </a:spcBef>
+                <a:buSzPct val="100000"/>
+              </a:pPr>
+              <a:r>
+                <a:rPr lang="en-US" dirty="0">
+                  <a:latin typeface="Calibri" panose="020F0502020204030204" pitchFamily="34" charset="0"/>
+                  <a:cs typeface="Calibri" panose="020F0502020204030204" pitchFamily="34" charset="0"/>
+                </a:rPr>
+                <a:t>Python runtime execution model</a:t>
+              </a:r>
+            </a:p>
+          </p:txBody>
+        </p:sp>
+      </p:grpSp>
+    </p:spTree>
+    <p:extLst>
+      <p:ext uri="{BB962C8B-B14F-4D97-AF65-F5344CB8AC3E}">
+        <p14:creationId xmlns:p14="http://schemas.microsoft.com/office/powerpoint/2010/main" val="3358189081"/>
+      </p:ext>
+    </p:extLst>
+  </p:cSld>
+  <p:clrMapOvr>
+    <a:masterClrMapping/>
+  </p:clrMapOvr>
+  <p:transition>
+    <p:fade/>
+  </p:transition>
+</p:sld>
+</file>
+
+<file path=ppt/slides/slide5.xml><?xml version="1.0" encoding="utf-8"?>
+<p:sld xmlns:a="http://schemas.openxmlformats.org/drawingml/2006/main" xmlns:r="http://schemas.openxmlformats.org/officeDocument/2006/relationships" xmlns:p="http://schemas.openxmlformats.org/presentationml/2006/main">
+  <p:cSld>
+    <p:spTree>
+      <p:nvGrpSpPr>
+        <p:cNvPr id="1" name=""/>
+        <p:cNvGrpSpPr/>
+        <p:nvPr/>
+      </p:nvGrpSpPr>
+      <p:grpSpPr>
+        <a:xfrm>
+          <a:off x="0" y="0"/>
+          <a:ext cx="0" cy="0"/>
+          <a:chOff x="0" y="0"/>
+          <a:chExt cx="0" cy="0"/>
+        </a:xfrm>
+      </p:grpSpPr>
+      <p:sp>
+        <p:nvSpPr>
           <p:cNvPr id="3" name="Title 2">
             <a:extLst>
               <a:ext uri="{FF2B5EF4-FFF2-40B4-BE49-F238E27FC236}">
@@ -24501,7 +28465,7 @@
         <p:spPr>
           <a:xfrm>
             <a:off x="376237" y="1866318"/>
-            <a:ext cx="1489139" cy="2462213"/>
+            <a:ext cx="7304723" cy="4339650"/>
           </a:xfrm>
           <a:prstGeom prst="rect">
             <a:avLst/>
@@ -24518,11 +28482,38 @@
               <a:buChar char="•"/>
             </a:pPr>
             <a:r>
+              <a:rPr lang="en-US" b="1" dirty="0">
+                <a:latin typeface="Calibri" panose="020F0502020204030204" pitchFamily="34" charset="0"/>
+                <a:cs typeface="Calibri" panose="020F0502020204030204" pitchFamily="34" charset="0"/>
+              </a:rPr>
+              <a:t>List </a:t>
+            </a:r>
+            <a:r>
               <a:rPr lang="en-US" dirty="0">
                 <a:latin typeface="Calibri" panose="020F0502020204030204" pitchFamily="34" charset="0"/>
                 <a:cs typeface="Calibri" panose="020F0502020204030204" pitchFamily="34" charset="0"/>
               </a:rPr>
-              <a:t>Lists</a:t>
+              <a:t>is a collection which is ordered and changeable. Allows duplicate members. </a:t>
+            </a:r>
+            <a:r>
+              <a:rPr lang="en-US" sz="1400" dirty="0" err="1">
+                <a:solidFill>
+                  <a:schemeClr val="accent1"/>
+                </a:solidFill>
+                <a:latin typeface="Consolas" panose="020B0609020204030204" pitchFamily="49" charset="0"/>
+                <a:cs typeface="Calibri" panose="020F0502020204030204" pitchFamily="34" charset="0"/>
+              </a:rPr>
+              <a:t>Eg</a:t>
+            </a:r>
+            <a:r>
+              <a:rPr lang="en-US" sz="1400" dirty="0">
+                <a:solidFill>
+                  <a:schemeClr val="accent1"/>
+                </a:solidFill>
+                <a:latin typeface="Consolas" panose="020B0609020204030204" pitchFamily="49" charset="0"/>
+                <a:cs typeface="Calibri" panose="020F0502020204030204" pitchFamily="34" charset="0"/>
+              </a:rPr>
+              <a:t>: [1, 2, 3, 4, 5, 6, 7, 8, 9, 10]</a:t>
             </a:r>
           </a:p>
           <a:p>
@@ -24540,13 +28531,57 @@
               <a:buFont typeface="Arial" panose="020B0604020202020204" pitchFamily="34" charset="0"/>
               <a:buChar char="•"/>
             </a:pPr>
+            <a:endParaRPr lang="en-US" dirty="0">
+              <a:latin typeface="Calibri" panose="020F0502020204030204" pitchFamily="34" charset="0"/>
+              <a:cs typeface="Calibri" panose="020F0502020204030204" pitchFamily="34" charset="0"/>
+            </a:endParaRPr>
+          </a:p>
+          <a:p>
+            <a:pPr marL="285750" indent="-285750">
+              <a:buFont typeface="Arial" panose="020B0604020202020204" pitchFamily="34" charset="0"/>
+              <a:buChar char="•"/>
+            </a:pPr>
+            <a:r>
+              <a:rPr lang="en-US" b="1" dirty="0">
+                <a:latin typeface="Calibri" panose="020F0502020204030204" pitchFamily="34" charset="0"/>
+                <a:cs typeface="Calibri" panose="020F0502020204030204" pitchFamily="34" charset="0"/>
+              </a:rPr>
+              <a:t>Dictionary </a:t>
+            </a:r>
             <a:r>
               <a:rPr lang="en-US" dirty="0">
                 <a:latin typeface="Calibri" panose="020F0502020204030204" pitchFamily="34" charset="0"/>
                 <a:cs typeface="Calibri" panose="020F0502020204030204" pitchFamily="34" charset="0"/>
               </a:rPr>
-              <a:t>Dictionary</a:t>
-            </a:r>
+              <a:t>is a collection which is unordered, changeable and indexed. No duplicate members. </a:t>
+            </a:r>
+            <a:r>
+              <a:rPr lang="en-US" altLang="en-US" sz="1400" dirty="0" err="1">
+                <a:solidFill>
+                  <a:schemeClr val="accent1"/>
+                </a:solidFill>
+                <a:latin typeface="Consolas" panose="020B0609020204030204" pitchFamily="49" charset="0"/>
+                <a:cs typeface="Calibri" panose="020F0502020204030204" pitchFamily="34" charset="0"/>
+              </a:rPr>
+              <a:t>Eg</a:t>
+            </a:r>
+            <a:r>
+              <a:rPr lang="en-US" altLang="en-US" sz="1400" dirty="0">
+                <a:solidFill>
+                  <a:schemeClr val="accent1"/>
+                </a:solidFill>
+                <a:latin typeface="Consolas" panose="020B0609020204030204" pitchFamily="49" charset="0"/>
+                <a:cs typeface="Calibri" panose="020F0502020204030204" pitchFamily="34" charset="0"/>
+              </a:rPr>
+              <a:t>: { 'Mango': 100, 'Apple': 80, 'Guava': 60, 			    'Grape': [10, 20] }</a:t>
+            </a:r>
+            <a:endParaRPr lang="en-US" sz="1400" dirty="0">
+              <a:solidFill>
+                <a:schemeClr val="accent1"/>
+              </a:solidFill>
+              <a:latin typeface="Consolas" panose="020B0609020204030204" pitchFamily="49" charset="0"/>
+              <a:cs typeface="Calibri" panose="020F0502020204030204" pitchFamily="34" charset="0"/>
+            </a:endParaRPr>
           </a:p>
           <a:p>
             <a:pPr marL="285750" indent="-285750">
@@ -24564,11 +28599,38 @@
               <a:buChar char="•"/>
             </a:pPr>
             <a:r>
+              <a:rPr lang="en-US" b="1" dirty="0">
+                <a:latin typeface="Calibri" panose="020F0502020204030204" pitchFamily="34" charset="0"/>
+                <a:cs typeface="Calibri" panose="020F0502020204030204" pitchFamily="34" charset="0"/>
+              </a:rPr>
+              <a:t>Tuple </a:t>
+            </a:r>
+            <a:r>
               <a:rPr lang="en-US" dirty="0">
                 <a:latin typeface="Calibri" panose="020F0502020204030204" pitchFamily="34" charset="0"/>
                 <a:cs typeface="Calibri" panose="020F0502020204030204" pitchFamily="34" charset="0"/>
               </a:rPr>
-              <a:t>Tuples</a:t>
+              <a:t>is a collection which is ordered and unchangeable. Allows duplicate members. </a:t>
+            </a:r>
+            <a:r>
+              <a:rPr lang="en-US" sz="1400" dirty="0" err="1">
+                <a:solidFill>
+                  <a:schemeClr val="accent1"/>
+                </a:solidFill>
+                <a:latin typeface="Consolas" panose="020B0609020204030204" pitchFamily="49" charset="0"/>
+                <a:cs typeface="Calibri" panose="020F0502020204030204" pitchFamily="34" charset="0"/>
+              </a:rPr>
+              <a:t>Eg</a:t>
+            </a:r>
+            <a:r>
+              <a:rPr lang="en-US" sz="1400" dirty="0">
+                <a:solidFill>
+                  <a:schemeClr val="accent1"/>
+                </a:solidFill>
+                <a:latin typeface="Consolas" panose="020B0609020204030204" pitchFamily="49" charset="0"/>
+                <a:cs typeface="Calibri" panose="020F0502020204030204" pitchFamily="34" charset="0"/>
+              </a:rPr>
+              <a:t> : (1, 2, 3, ‘Hello’)</a:t>
             </a:r>
           </a:p>
           <a:p>
@@ -24587,12 +28649,45 @@
               <a:buChar char="•"/>
             </a:pPr>
             <a:r>
+              <a:rPr lang="en-US" b="1" dirty="0">
+                <a:latin typeface="Calibri" panose="020F0502020204030204" pitchFamily="34" charset="0"/>
+                <a:cs typeface="Calibri" panose="020F0502020204030204" pitchFamily="34" charset="0"/>
+              </a:rPr>
+              <a:t>Set</a:t>
+            </a:r>
+            <a:r>
               <a:rPr lang="en-US" dirty="0">
                 <a:latin typeface="Calibri" panose="020F0502020204030204" pitchFamily="34" charset="0"/>
                 <a:cs typeface="Calibri" panose="020F0502020204030204" pitchFamily="34" charset="0"/>
               </a:rPr>
-              <a:t>Set</a:t>
-            </a:r>
+              <a:t> is a collection which is unordered and unindexed. No duplicate members. </a:t>
+            </a:r>
+            <a:r>
+              <a:rPr lang="en-US" sz="1400" dirty="0" err="1">
+                <a:solidFill>
+                  <a:schemeClr val="accent1"/>
+                </a:solidFill>
+                <a:latin typeface="Consolas" panose="020B0609020204030204" pitchFamily="49" charset="0"/>
+                <a:cs typeface="Calibri" panose="020F0502020204030204" pitchFamily="34" charset="0"/>
+              </a:rPr>
+              <a:t>Eg</a:t>
+            </a:r>
+            <a:r>
+              <a:rPr lang="en-US" sz="1400" dirty="0">
+                <a:solidFill>
+                  <a:schemeClr val="accent1"/>
+                </a:solidFill>
+                <a:latin typeface="Consolas" panose="020B0609020204030204" pitchFamily="49" charset="0"/>
+                <a:cs typeface="Calibri" panose="020F0502020204030204" pitchFamily="34" charset="0"/>
+              </a:rPr>
+              <a:t>: set([1, 2, 3, 4, 5, 6, 7])</a:t>
+            </a:r>
+          </a:p>
+          <a:p>
+            <a:pPr marL="285750" indent="-285750">
+              <a:buFont typeface="Arial" panose="020B0604020202020204" pitchFamily="34" charset="0"/>
+              <a:buChar char="•"/>
+            </a:pPr>
             <a:endParaRPr lang="en-US" altLang="en-US" dirty="0">
               <a:latin typeface="Calibri" panose="020F0502020204030204" pitchFamily="34" charset="0"/>
               <a:cs typeface="Calibri" panose="020F0502020204030204" pitchFamily="34" charset="0"/>
@@ -24604,562 +28699,6 @@
               <a:buChar char="•"/>
             </a:pPr>
             <a:endParaRPr lang="en-US" altLang="en-US" sz="2800" dirty="0">
-              <a:latin typeface="Arial" panose="020B0604020202020204" pitchFamily="34" charset="0"/>
-            </a:endParaRPr>
-          </a:p>
-        </p:txBody>
-      </p:sp>
-      <p:sp>
-        <p:nvSpPr>
-          <p:cNvPr id="4" name="Rectangle 1">
-            <a:extLst>
-              <a:ext uri="{FF2B5EF4-FFF2-40B4-BE49-F238E27FC236}">
-                <a16:creationId xmlns:a16="http://schemas.microsoft.com/office/drawing/2014/main" id="{D3F5EFEB-F332-426B-9991-D446410503B2}"/>
-              </a:ext>
-            </a:extLst>
-          </p:cNvPr>
-          <p:cNvSpPr>
-            <a:spLocks noChangeArrowheads="1"/>
-          </p:cNvSpPr>
-          <p:nvPr/>
-        </p:nvSpPr>
-        <p:spPr bwMode="auto">
-          <a:xfrm>
-            <a:off x="0" y="-138500"/>
-            <a:ext cx="80150" cy="276999"/>
-          </a:xfrm>
-          <a:prstGeom prst="rect">
-            <a:avLst/>
-          </a:prstGeom>
-          <a:solidFill>
-            <a:srgbClr val="FFFFFF"/>
-          </a:solidFill>
-          <a:ln>
-            <a:noFill/>
-          </a:ln>
-          <a:effectLst/>
-          <a:extLst>
-            <a:ext uri="{91240B29-F687-4F45-9708-019B960494DF}">
-              <a14:hiddenLine xmlns:a14="http://schemas.microsoft.com/office/drawing/2010/main" w="9525">
-                <a:solidFill>
-                  <a:schemeClr val="tx1"/>
-                </a:solidFill>
-                <a:miter lim="800000"/>
-                <a:headEnd/>
-                <a:tailEnd/>
-              </a14:hiddenLine>
-            </a:ext>
-            <a:ext uri="{AF507438-7753-43E0-B8FC-AC1667EBCBE1}">
-              <a14:hiddenEffects xmlns:a14="http://schemas.microsoft.com/office/drawing/2010/main">
-                <a:effectLst>
-                  <a:outerShdw dist="35921" dir="2700000" algn="ctr" rotWithShape="0">
-                    <a:schemeClr val="bg2"/>
-                  </a:outerShdw>
-                </a:effectLst>
-              </a14:hiddenEffects>
-            </a:ext>
-          </a:extLst>
-        </p:spPr>
-        <p:txBody>
-          <a:bodyPr vert="horz" wrap="none" lIns="0" tIns="0" rIns="0" bIns="0" numCol="1" anchor="ctr" anchorCtr="0" compatLnSpc="1">
-            <a:prstTxWarp prst="textNoShape">
-              <a:avLst/>
-            </a:prstTxWarp>
-            <a:spAutoFit/>
-          </a:bodyPr>
-          <a:lstStyle/>
-          <a:p>
-            <a:pPr marL="0" marR="0" lvl="0" indent="0" algn="l" defTabSz="914400" rtl="0" eaLnBrk="0" fontAlgn="base" latinLnBrk="0" hangingPunct="0">
-              <a:lnSpc>
-                <a:spcPct val="100000"/>
-              </a:lnSpc>
-              <a:spcBef>
-                <a:spcPct val="0"/>
-              </a:spcBef>
-              <a:spcAft>
-                <a:spcPct val="0"/>
-              </a:spcAft>
-              <a:buClrTx/>
-              <a:buSzTx/>
-              <a:buFontTx/>
-              <a:buChar char="•"/>
-              <a:tabLst/>
-            </a:pPr>
-            <a:endParaRPr kumimoji="0" lang="en-US" altLang="en-US" sz="1800" b="0" i="0" u="none" strike="noStrike" cap="none" normalizeH="0" baseline="0" dirty="0">
-              <a:ln>
-                <a:noFill/>
-              </a:ln>
-              <a:solidFill>
-                <a:schemeClr val="tx1"/>
-              </a:solidFill>
-              <a:effectLst/>
-              <a:latin typeface="Arial" panose="020B0604020202020204" pitchFamily="34" charset="0"/>
-            </a:endParaRPr>
-          </a:p>
-        </p:txBody>
-      </p:sp>
-      <p:sp>
-        <p:nvSpPr>
-          <p:cNvPr id="10" name="Rectangle 3">
-            <a:extLst>
-              <a:ext uri="{FF2B5EF4-FFF2-40B4-BE49-F238E27FC236}">
-                <a16:creationId xmlns:a16="http://schemas.microsoft.com/office/drawing/2014/main" id="{6CA4F73F-67E4-435E-834E-526E9B2C4815}"/>
-              </a:ext>
-            </a:extLst>
-          </p:cNvPr>
-          <p:cNvSpPr>
-            <a:spLocks noChangeArrowheads="1"/>
-          </p:cNvSpPr>
-          <p:nvPr/>
-        </p:nvSpPr>
-        <p:spPr bwMode="auto">
-          <a:xfrm>
-            <a:off x="0" y="90100"/>
-            <a:ext cx="65" cy="276999"/>
-          </a:xfrm>
-          <a:prstGeom prst="rect">
-            <a:avLst/>
-          </a:prstGeom>
-          <a:solidFill>
-            <a:srgbClr val="FFFFFF"/>
-          </a:solidFill>
-          <a:ln>
-            <a:noFill/>
-          </a:ln>
-          <a:effectLst/>
-          <a:extLst>
-            <a:ext uri="{91240B29-F687-4F45-9708-019B960494DF}">
-              <a14:hiddenLine xmlns:a14="http://schemas.microsoft.com/office/drawing/2010/main" w="9525">
-                <a:solidFill>
-                  <a:schemeClr val="tx1"/>
-                </a:solidFill>
-                <a:miter lim="800000"/>
-                <a:headEnd/>
-                <a:tailEnd/>
-              </a14:hiddenLine>
-            </a:ext>
-            <a:ext uri="{AF507438-7753-43E0-B8FC-AC1667EBCBE1}">
-              <a14:hiddenEffects xmlns:a14="http://schemas.microsoft.com/office/drawing/2010/main">
-                <a:effectLst>
-                  <a:outerShdw dist="35921" dir="2700000" algn="ctr" rotWithShape="0">
-                    <a:schemeClr val="bg2"/>
-                  </a:outerShdw>
-                </a:effectLst>
-              </a14:hiddenEffects>
-            </a:ext>
-          </a:extLst>
-        </p:spPr>
-        <p:txBody>
-          <a:bodyPr vert="horz" wrap="none" lIns="0" tIns="0" rIns="0" bIns="0" numCol="1" anchor="ctr" anchorCtr="0" compatLnSpc="1">
-            <a:prstTxWarp prst="textNoShape">
-              <a:avLst/>
-            </a:prstTxWarp>
-            <a:spAutoFit/>
-          </a:bodyPr>
-          <a:lstStyle>
-            <a:lvl1pPr eaLnBrk="0" fontAlgn="base" hangingPunct="0">
-              <a:spcBef>
-                <a:spcPct val="0"/>
-              </a:spcBef>
-              <a:spcAft>
-                <a:spcPct val="0"/>
-              </a:spcAft>
-              <a:defRPr>
-                <a:solidFill>
-                  <a:schemeClr val="tx1"/>
-                </a:solidFill>
-                <a:latin typeface="Arial" panose="020B0604020202020204" pitchFamily="34" charset="0"/>
-              </a:defRPr>
-            </a:lvl1pPr>
-            <a:lvl2pPr eaLnBrk="0" fontAlgn="base" hangingPunct="0">
-              <a:spcBef>
-                <a:spcPct val="0"/>
-              </a:spcBef>
-              <a:spcAft>
-                <a:spcPct val="0"/>
-              </a:spcAft>
-              <a:defRPr>
-                <a:solidFill>
-                  <a:schemeClr val="tx1"/>
-                </a:solidFill>
-                <a:latin typeface="Arial" panose="020B0604020202020204" pitchFamily="34" charset="0"/>
-              </a:defRPr>
-            </a:lvl2pPr>
-            <a:lvl3pPr eaLnBrk="0" fontAlgn="base" hangingPunct="0">
-              <a:spcBef>
-                <a:spcPct val="0"/>
-              </a:spcBef>
-              <a:spcAft>
-                <a:spcPct val="0"/>
-              </a:spcAft>
-              <a:defRPr>
-                <a:solidFill>
-                  <a:schemeClr val="tx1"/>
-                </a:solidFill>
-                <a:latin typeface="Arial" panose="020B0604020202020204" pitchFamily="34" charset="0"/>
-              </a:defRPr>
-            </a:lvl3pPr>
-            <a:lvl4pPr eaLnBrk="0" fontAlgn="base" hangingPunct="0">
-              <a:spcBef>
-                <a:spcPct val="0"/>
-              </a:spcBef>
-              <a:spcAft>
-                <a:spcPct val="0"/>
-              </a:spcAft>
-              <a:defRPr>
-                <a:solidFill>
-                  <a:schemeClr val="tx1"/>
-                </a:solidFill>
-                <a:latin typeface="Arial" panose="020B0604020202020204" pitchFamily="34" charset="0"/>
-              </a:defRPr>
-            </a:lvl4pPr>
-            <a:lvl5pPr eaLnBrk="0" fontAlgn="base" hangingPunct="0">
-              <a:spcBef>
-                <a:spcPct val="0"/>
-              </a:spcBef>
-              <a:spcAft>
-                <a:spcPct val="0"/>
-              </a:spcAft>
-              <a:defRPr>
-                <a:solidFill>
-                  <a:schemeClr val="tx1"/>
-                </a:solidFill>
-                <a:latin typeface="Arial" panose="020B0604020202020204" pitchFamily="34" charset="0"/>
-              </a:defRPr>
-            </a:lvl5pPr>
-            <a:lvl6pPr eaLnBrk="0" fontAlgn="base" hangingPunct="0">
-              <a:spcBef>
-                <a:spcPct val="0"/>
-              </a:spcBef>
-              <a:spcAft>
-                <a:spcPct val="0"/>
-              </a:spcAft>
-              <a:defRPr>
-                <a:solidFill>
-                  <a:schemeClr val="tx1"/>
-                </a:solidFill>
-                <a:latin typeface="Arial" panose="020B0604020202020204" pitchFamily="34" charset="0"/>
-              </a:defRPr>
-            </a:lvl6pPr>
-            <a:lvl7pPr eaLnBrk="0" fontAlgn="base" hangingPunct="0">
-              <a:spcBef>
-                <a:spcPct val="0"/>
-              </a:spcBef>
-              <a:spcAft>
-                <a:spcPct val="0"/>
-              </a:spcAft>
-              <a:defRPr>
-                <a:solidFill>
-                  <a:schemeClr val="tx1"/>
-                </a:solidFill>
-                <a:latin typeface="Arial" panose="020B0604020202020204" pitchFamily="34" charset="0"/>
-              </a:defRPr>
-            </a:lvl7pPr>
-            <a:lvl8pPr eaLnBrk="0" fontAlgn="base" hangingPunct="0">
-              <a:spcBef>
-                <a:spcPct val="0"/>
-              </a:spcBef>
-              <a:spcAft>
-                <a:spcPct val="0"/>
-              </a:spcAft>
-              <a:defRPr>
-                <a:solidFill>
-                  <a:schemeClr val="tx1"/>
-                </a:solidFill>
-                <a:latin typeface="Arial" panose="020B0604020202020204" pitchFamily="34" charset="0"/>
-              </a:defRPr>
-            </a:lvl8pPr>
-            <a:lvl9pPr eaLnBrk="0" fontAlgn="base" hangingPunct="0">
-              <a:spcBef>
-                <a:spcPct val="0"/>
-              </a:spcBef>
-              <a:spcAft>
-                <a:spcPct val="0"/>
-              </a:spcAft>
-              <a:defRPr>
-                <a:solidFill>
-                  <a:schemeClr val="tx1"/>
-                </a:solidFill>
-                <a:latin typeface="Arial" panose="020B0604020202020204" pitchFamily="34" charset="0"/>
-              </a:defRPr>
-            </a:lvl9pPr>
-          </a:lstStyle>
-          <a:p>
-            <a:pPr marL="0" marR="0" lvl="0" indent="0" algn="l" defTabSz="914400" rtl="0" eaLnBrk="0" fontAlgn="base" latinLnBrk="0" hangingPunct="0">
-              <a:lnSpc>
-                <a:spcPct val="100000"/>
-              </a:lnSpc>
-              <a:spcBef>
-                <a:spcPct val="0"/>
-              </a:spcBef>
-              <a:spcAft>
-                <a:spcPct val="0"/>
-              </a:spcAft>
-              <a:buClrTx/>
-              <a:buSzTx/>
-              <a:buFontTx/>
-              <a:buNone/>
-              <a:tabLst/>
-            </a:pPr>
-            <a:endParaRPr kumimoji="0" lang="en-US" altLang="en-US" sz="1800" b="0" i="0" u="none" strike="noStrike" cap="none" normalizeH="0" baseline="0" dirty="0">
-              <a:ln>
-                <a:noFill/>
-              </a:ln>
-              <a:solidFill>
-                <a:schemeClr val="tx1"/>
-              </a:solidFill>
-              <a:effectLst/>
-              <a:latin typeface="Arial" panose="020B0604020202020204" pitchFamily="34" charset="0"/>
-            </a:endParaRPr>
-          </a:p>
-        </p:txBody>
-      </p:sp>
-      <p:sp>
-        <p:nvSpPr>
-          <p:cNvPr id="9" name="Rectangle 8">
-            <a:extLst>
-              <a:ext uri="{FF2B5EF4-FFF2-40B4-BE49-F238E27FC236}">
-                <a16:creationId xmlns:a16="http://schemas.microsoft.com/office/drawing/2014/main" id="{26DD62E4-80B4-4C2E-A4C7-E463C553C51C}"/>
-              </a:ext>
-            </a:extLst>
-          </p:cNvPr>
-          <p:cNvSpPr/>
-          <p:nvPr/>
-        </p:nvSpPr>
-        <p:spPr>
-          <a:xfrm>
-            <a:off x="2353522" y="1866318"/>
-            <a:ext cx="6680750" cy="2031325"/>
-          </a:xfrm>
-          <a:prstGeom prst="rect">
-            <a:avLst/>
-          </a:prstGeom>
-          <a:noFill/>
-          <a:ln w="9525" cap="flat" cmpd="sng" algn="ctr">
-            <a:noFill/>
-            <a:prstDash val="dashDot"/>
-            <a:round/>
-            <a:headEnd type="none" w="med" len="med"/>
-            <a:tailEnd type="none" w="med" len="med"/>
-          </a:ln>
-        </p:spPr>
-        <p:style>
-          <a:lnRef idx="0">
-            <a:scrgbClr r="0" g="0" b="0"/>
-          </a:lnRef>
-          <a:fillRef idx="0">
-            <a:scrgbClr r="0" g="0" b="0"/>
-          </a:fillRef>
-          <a:effectRef idx="0">
-            <a:scrgbClr r="0" g="0" b="0"/>
-          </a:effectRef>
-          <a:fontRef idx="minor">
-            <a:schemeClr val="accent1"/>
-          </a:fontRef>
-        </p:style>
-        <p:txBody>
-          <a:bodyPr wrap="square">
-            <a:spAutoFit/>
-          </a:bodyPr>
-          <a:lstStyle/>
-          <a:p>
-            <a:pPr marL="285750" indent="-285750">
-              <a:buFont typeface="Arial" panose="020B0604020202020204" pitchFamily="34" charset="0"/>
-              <a:buChar char="•"/>
-            </a:pPr>
-            <a:r>
-              <a:rPr lang="en-US" sz="1400" dirty="0">
-                <a:latin typeface="Consolas" panose="020B0609020204030204" pitchFamily="49" charset="0"/>
-                <a:cs typeface="Calibri" panose="020F0502020204030204" pitchFamily="34" charset="0"/>
-              </a:rPr>
-              <a:t>[1, 2, 3, 4, 5, 6, 7, 8, 9, 10]</a:t>
-            </a:r>
-          </a:p>
-          <a:p>
-            <a:pPr marL="285750" indent="-285750">
-              <a:buFont typeface="Arial" panose="020B0604020202020204" pitchFamily="34" charset="0"/>
-              <a:buChar char="•"/>
-            </a:pPr>
-            <a:endParaRPr lang="en-US" altLang="en-US" sz="1200" dirty="0">
-              <a:latin typeface="Consolas" panose="020B0609020204030204" pitchFamily="49" charset="0"/>
-              <a:cs typeface="Calibri" panose="020F0502020204030204" pitchFamily="34" charset="0"/>
-            </a:endParaRPr>
-          </a:p>
-          <a:p>
-            <a:pPr marL="285750" indent="-285750">
-              <a:buFont typeface="Arial" panose="020B0604020202020204" pitchFamily="34" charset="0"/>
-              <a:buChar char="•"/>
-            </a:pPr>
-            <a:endParaRPr lang="en-US" altLang="en-US" sz="1200" dirty="0">
-              <a:latin typeface="Consolas" panose="020B0609020204030204" pitchFamily="49" charset="0"/>
-              <a:cs typeface="Calibri" panose="020F0502020204030204" pitchFamily="34" charset="0"/>
-            </a:endParaRPr>
-          </a:p>
-          <a:p>
-            <a:pPr marL="285750" indent="-285750">
-              <a:buFont typeface="Arial" panose="020B0604020202020204" pitchFamily="34" charset="0"/>
-              <a:buChar char="•"/>
-            </a:pPr>
-            <a:r>
-              <a:rPr lang="en-US" altLang="en-US" sz="1400" dirty="0">
-                <a:latin typeface="Consolas" panose="020B0609020204030204" pitchFamily="49" charset="0"/>
-                <a:cs typeface="Calibri" panose="020F0502020204030204" pitchFamily="34" charset="0"/>
-              </a:rPr>
-              <a:t>{'Mango': 100, 'Apple': 80, 'Guava': 60, 'Grape': [10, 20]} </a:t>
-            </a:r>
-          </a:p>
-          <a:p>
-            <a:pPr marL="285750" indent="-285750">
-              <a:buFont typeface="Arial" panose="020B0604020202020204" pitchFamily="34" charset="0"/>
-              <a:buChar char="•"/>
-            </a:pPr>
-            <a:endParaRPr lang="en-US" sz="1050" dirty="0">
-              <a:latin typeface="Consolas" panose="020B0609020204030204" pitchFamily="49" charset="0"/>
-              <a:cs typeface="Calibri" panose="020F0502020204030204" pitchFamily="34" charset="0"/>
-            </a:endParaRPr>
-          </a:p>
-          <a:p>
-            <a:pPr marL="285750" indent="-285750">
-              <a:buFont typeface="Arial" panose="020B0604020202020204" pitchFamily="34" charset="0"/>
-              <a:buChar char="•"/>
-            </a:pPr>
-            <a:endParaRPr lang="en-US" sz="1050" dirty="0">
-              <a:latin typeface="Consolas" panose="020B0609020204030204" pitchFamily="49" charset="0"/>
-              <a:cs typeface="Calibri" panose="020F0502020204030204" pitchFamily="34" charset="0"/>
-            </a:endParaRPr>
-          </a:p>
-          <a:p>
-            <a:pPr marL="285750" indent="-285750">
-              <a:buFont typeface="Arial" panose="020B0604020202020204" pitchFamily="34" charset="0"/>
-              <a:buChar char="•"/>
-            </a:pPr>
-            <a:r>
-              <a:rPr lang="en-US" sz="1400" dirty="0">
-                <a:latin typeface="Consolas" panose="020B0609020204030204" pitchFamily="49" charset="0"/>
-                <a:cs typeface="Calibri" panose="020F0502020204030204" pitchFamily="34" charset="0"/>
-              </a:rPr>
-              <a:t>(1, 2, 3, ‘Hello’)</a:t>
-            </a:r>
-          </a:p>
-          <a:p>
-            <a:pPr marL="285750" indent="-285750">
-              <a:buFont typeface="Arial" panose="020B0604020202020204" pitchFamily="34" charset="0"/>
-              <a:buChar char="•"/>
-            </a:pPr>
-            <a:endParaRPr lang="en-US" sz="1000" dirty="0">
-              <a:latin typeface="Consolas" panose="020B0609020204030204" pitchFamily="49" charset="0"/>
-              <a:cs typeface="Calibri" panose="020F0502020204030204" pitchFamily="34" charset="0"/>
-            </a:endParaRPr>
-          </a:p>
-          <a:p>
-            <a:pPr marL="285750" indent="-285750">
-              <a:buFont typeface="Arial" panose="020B0604020202020204" pitchFamily="34" charset="0"/>
-              <a:buChar char="•"/>
-            </a:pPr>
-            <a:endParaRPr lang="en-US" sz="1200" dirty="0">
-              <a:latin typeface="Consolas" panose="020B0609020204030204" pitchFamily="49" charset="0"/>
-              <a:cs typeface="Calibri" panose="020F0502020204030204" pitchFamily="34" charset="0"/>
-            </a:endParaRPr>
-          </a:p>
-          <a:p>
-            <a:pPr marL="285750" indent="-285750">
-              <a:buFont typeface="Arial" panose="020B0604020202020204" pitchFamily="34" charset="0"/>
-              <a:buChar char="•"/>
-            </a:pPr>
-            <a:r>
-              <a:rPr lang="en-US" sz="1400" dirty="0">
-                <a:latin typeface="Consolas" panose="020B0609020204030204" pitchFamily="49" charset="0"/>
-                <a:cs typeface="Calibri" panose="020F0502020204030204" pitchFamily="34" charset="0"/>
-              </a:rPr>
-              <a:t>set([1, 2, 3, 4, 5, 6, 5, 7, 5, ])</a:t>
-            </a:r>
-          </a:p>
-        </p:txBody>
-      </p:sp>
-      <p:sp>
-        <p:nvSpPr>
-          <p:cNvPr id="2" name="Rectangle 1">
-            <a:extLst>
-              <a:ext uri="{FF2B5EF4-FFF2-40B4-BE49-F238E27FC236}">
-                <a16:creationId xmlns:a16="http://schemas.microsoft.com/office/drawing/2014/main" id="{D23099DE-98DB-4956-AF5B-AF376031DF70}"/>
-              </a:ext>
-            </a:extLst>
-          </p:cNvPr>
-          <p:cNvSpPr>
-            <a:spLocks noChangeArrowheads="1"/>
-          </p:cNvSpPr>
-          <p:nvPr/>
-        </p:nvSpPr>
-        <p:spPr bwMode="auto">
-          <a:xfrm>
-            <a:off x="0" y="90100"/>
-            <a:ext cx="65" cy="276999"/>
-          </a:xfrm>
-          <a:prstGeom prst="rect">
-            <a:avLst/>
-          </a:prstGeom>
-          <a:solidFill>
-            <a:srgbClr val="FFFFFF"/>
-          </a:solidFill>
-          <a:ln>
-            <a:noFill/>
-          </a:ln>
-          <a:effectLst/>
-          <a:extLst>
-            <a:ext uri="{91240B29-F687-4F45-9708-019B960494DF}">
-              <a14:hiddenLine xmlns:a14="http://schemas.microsoft.com/office/drawing/2010/main" w="9525">
-                <a:solidFill>
-                  <a:schemeClr val="tx1"/>
-                </a:solidFill>
-                <a:miter lim="800000"/>
-                <a:headEnd/>
-                <a:tailEnd/>
-              </a14:hiddenLine>
-            </a:ext>
-            <a:ext uri="{AF507438-7753-43E0-B8FC-AC1667EBCBE1}">
-              <a14:hiddenEffects xmlns:a14="http://schemas.microsoft.com/office/drawing/2010/main">
-                <a:effectLst>
-                  <a:outerShdw dist="35921" dir="2700000" algn="ctr" rotWithShape="0">
-                    <a:schemeClr val="bg2"/>
-                  </a:outerShdw>
-                </a:effectLst>
-              </a14:hiddenEffects>
-            </a:ext>
-          </a:extLst>
-        </p:spPr>
-        <p:txBody>
-          <a:bodyPr vert="horz" wrap="none" lIns="0" tIns="0" rIns="0" bIns="0" numCol="1" anchor="ctr" anchorCtr="0" compatLnSpc="1">
-            <a:prstTxWarp prst="textNoShape">
-              <a:avLst/>
-            </a:prstTxWarp>
-            <a:spAutoFit/>
-          </a:bodyPr>
-          <a:lstStyle/>
-          <a:p>
-            <a:pPr marL="0" marR="0" lvl="0" indent="0" algn="l" defTabSz="914400" rtl="0" eaLnBrk="0" fontAlgn="base" latinLnBrk="0" hangingPunct="0">
-              <a:lnSpc>
-                <a:spcPct val="100000"/>
-              </a:lnSpc>
-              <a:spcBef>
-                <a:spcPct val="0"/>
-              </a:spcBef>
-              <a:spcAft>
-                <a:spcPct val="0"/>
-              </a:spcAft>
-              <a:buClrTx/>
-              <a:buSzTx/>
-              <a:buFontTx/>
-              <a:buNone/>
-              <a:tabLst/>
-            </a:pPr>
-            <a:endParaRPr kumimoji="0" lang="en-US" altLang="en-US" sz="1800" b="0" i="0" u="none" strike="noStrike" cap="none" normalizeH="0" baseline="0" dirty="0">
-              <a:ln>
-                <a:noFill/>
-              </a:ln>
-              <a:solidFill>
-                <a:schemeClr val="tx1"/>
-              </a:solidFill>
-              <a:effectLst/>
               <a:latin typeface="Arial" panose="020B0604020202020204" pitchFamily="34" charset="0"/>
             </a:endParaRPr>
           </a:p>
@@ -25181,7 +28720,7 @@
 </p:sld>
 </file>
 
-<file path=ppt/slides/slide4.xml><?xml version="1.0" encoding="utf-8"?>
+<file path=ppt/slides/slide6.xml><?xml version="1.0" encoding="utf-8"?>
 <p:sld xmlns:a="http://schemas.openxmlformats.org/drawingml/2006/main" xmlns:r="http://schemas.openxmlformats.org/officeDocument/2006/relationships" xmlns:p="http://schemas.openxmlformats.org/presentationml/2006/main">
   <p:cSld>
     <p:spTree>
@@ -25481,7 +29020,7 @@
 </p:sld>
 </file>
 
-<file path=ppt/slides/slide5.xml><?xml version="1.0" encoding="utf-8"?>
+<file path=ppt/slides/slide7.xml><?xml version="1.0" encoding="utf-8"?>
 <p:sld xmlns:a="http://schemas.openxmlformats.org/drawingml/2006/main" xmlns:r="http://schemas.openxmlformats.org/officeDocument/2006/relationships" xmlns:p="http://schemas.openxmlformats.org/presentationml/2006/main">
   <p:cSld>
     <p:spTree>
@@ -25689,7 +29228,7 @@
 </p:sld>
 </file>
 
-<file path=ppt/slides/slide6.xml><?xml version="1.0" encoding="utf-8"?>
+<file path=ppt/slides/slide8.xml><?xml version="1.0" encoding="utf-8"?>
 <p:sld xmlns:a="http://schemas.openxmlformats.org/drawingml/2006/main" xmlns:r="http://schemas.openxmlformats.org/officeDocument/2006/relationships" xmlns:p="http://schemas.openxmlformats.org/presentationml/2006/main">
   <p:cSld>
     <p:spTree>
@@ -25956,311 +29495,6 @@
               <a:buChar char="•"/>
             </a:pPr>
             <a:endParaRPr lang="en-US" altLang="en-US" sz="2800" dirty="0">
-              <a:latin typeface="Arial" panose="020B0604020202020204" pitchFamily="34" charset="0"/>
-            </a:endParaRPr>
-          </a:p>
-        </p:txBody>
-      </p:sp>
-      <p:sp>
-        <p:nvSpPr>
-          <p:cNvPr id="4" name="Rectangle 1">
-            <a:extLst>
-              <a:ext uri="{FF2B5EF4-FFF2-40B4-BE49-F238E27FC236}">
-                <a16:creationId xmlns:a16="http://schemas.microsoft.com/office/drawing/2014/main" id="{D3F5EFEB-F332-426B-9991-D446410503B2}"/>
-              </a:ext>
-            </a:extLst>
-          </p:cNvPr>
-          <p:cNvSpPr>
-            <a:spLocks noChangeArrowheads="1"/>
-          </p:cNvSpPr>
-          <p:nvPr/>
-        </p:nvSpPr>
-        <p:spPr bwMode="auto">
-          <a:xfrm>
-            <a:off x="0" y="-138500"/>
-            <a:ext cx="80150" cy="276999"/>
-          </a:xfrm>
-          <a:prstGeom prst="rect">
-            <a:avLst/>
-          </a:prstGeom>
-          <a:solidFill>
-            <a:srgbClr val="FFFFFF"/>
-          </a:solidFill>
-          <a:ln>
-            <a:noFill/>
-          </a:ln>
-          <a:effectLst/>
-          <a:extLst>
-            <a:ext uri="{91240B29-F687-4F45-9708-019B960494DF}">
-              <a14:hiddenLine xmlns:a14="http://schemas.microsoft.com/office/drawing/2010/main" w="9525">
-                <a:solidFill>
-                  <a:schemeClr val="tx1"/>
-                </a:solidFill>
-                <a:miter lim="800000"/>
-                <a:headEnd/>
-                <a:tailEnd/>
-              </a14:hiddenLine>
-            </a:ext>
-            <a:ext uri="{AF507438-7753-43E0-B8FC-AC1667EBCBE1}">
-              <a14:hiddenEffects xmlns:a14="http://schemas.microsoft.com/office/drawing/2010/main">
-                <a:effectLst>
-                  <a:outerShdw dist="35921" dir="2700000" algn="ctr" rotWithShape="0">
-                    <a:schemeClr val="bg2"/>
-                  </a:outerShdw>
-                </a:effectLst>
-              </a14:hiddenEffects>
-            </a:ext>
-          </a:extLst>
-        </p:spPr>
-        <p:txBody>
-          <a:bodyPr vert="horz" wrap="none" lIns="0" tIns="0" rIns="0" bIns="0" numCol="1" anchor="ctr" anchorCtr="0" compatLnSpc="1">
-            <a:prstTxWarp prst="textNoShape">
-              <a:avLst/>
-            </a:prstTxWarp>
-            <a:spAutoFit/>
-          </a:bodyPr>
-          <a:lstStyle/>
-          <a:p>
-            <a:pPr marL="0" marR="0" lvl="0" indent="0" algn="l" defTabSz="914400" rtl="0" eaLnBrk="0" fontAlgn="base" latinLnBrk="0" hangingPunct="0">
-              <a:lnSpc>
-                <a:spcPct val="100000"/>
-              </a:lnSpc>
-              <a:spcBef>
-                <a:spcPct val="0"/>
-              </a:spcBef>
-              <a:spcAft>
-                <a:spcPct val="0"/>
-              </a:spcAft>
-              <a:buClrTx/>
-              <a:buSzTx/>
-              <a:buFontTx/>
-              <a:buChar char="•"/>
-              <a:tabLst/>
-            </a:pPr>
-            <a:endParaRPr kumimoji="0" lang="en-US" altLang="en-US" sz="1800" b="0" i="0" u="none" strike="noStrike" cap="none" normalizeH="0" baseline="0" dirty="0">
-              <a:ln>
-                <a:noFill/>
-              </a:ln>
-              <a:solidFill>
-                <a:schemeClr val="tx1"/>
-              </a:solidFill>
-              <a:effectLst/>
-              <a:latin typeface="Arial" panose="020B0604020202020204" pitchFamily="34" charset="0"/>
-            </a:endParaRPr>
-          </a:p>
-        </p:txBody>
-      </p:sp>
-      <p:sp>
-        <p:nvSpPr>
-          <p:cNvPr id="10" name="Rectangle 3">
-            <a:extLst>
-              <a:ext uri="{FF2B5EF4-FFF2-40B4-BE49-F238E27FC236}">
-                <a16:creationId xmlns:a16="http://schemas.microsoft.com/office/drawing/2014/main" id="{6CA4F73F-67E4-435E-834E-526E9B2C4815}"/>
-              </a:ext>
-            </a:extLst>
-          </p:cNvPr>
-          <p:cNvSpPr>
-            <a:spLocks noChangeArrowheads="1"/>
-          </p:cNvSpPr>
-          <p:nvPr/>
-        </p:nvSpPr>
-        <p:spPr bwMode="auto">
-          <a:xfrm>
-            <a:off x="0" y="90100"/>
-            <a:ext cx="65" cy="276999"/>
-          </a:xfrm>
-          <a:prstGeom prst="rect">
-            <a:avLst/>
-          </a:prstGeom>
-          <a:solidFill>
-            <a:srgbClr val="FFFFFF"/>
-          </a:solidFill>
-          <a:ln>
-            <a:noFill/>
-          </a:ln>
-          <a:effectLst/>
-          <a:extLst>
-            <a:ext uri="{91240B29-F687-4F45-9708-019B960494DF}">
-              <a14:hiddenLine xmlns:a14="http://schemas.microsoft.com/office/drawing/2010/main" w="9525">
-                <a:solidFill>
-                  <a:schemeClr val="tx1"/>
-                </a:solidFill>
-                <a:miter lim="800000"/>
-                <a:headEnd/>
-                <a:tailEnd/>
-              </a14:hiddenLine>
-            </a:ext>
-            <a:ext uri="{AF507438-7753-43E0-B8FC-AC1667EBCBE1}">
-              <a14:hiddenEffects xmlns:a14="http://schemas.microsoft.com/office/drawing/2010/main">
-                <a:effectLst>
-                  <a:outerShdw dist="35921" dir="2700000" algn="ctr" rotWithShape="0">
-                    <a:schemeClr val="bg2"/>
-                  </a:outerShdw>
-                </a:effectLst>
-              </a14:hiddenEffects>
-            </a:ext>
-          </a:extLst>
-        </p:spPr>
-        <p:txBody>
-          <a:bodyPr vert="horz" wrap="none" lIns="0" tIns="0" rIns="0" bIns="0" numCol="1" anchor="ctr" anchorCtr="0" compatLnSpc="1">
-            <a:prstTxWarp prst="textNoShape">
-              <a:avLst/>
-            </a:prstTxWarp>
-            <a:spAutoFit/>
-          </a:bodyPr>
-          <a:lstStyle>
-            <a:lvl1pPr eaLnBrk="0" fontAlgn="base" hangingPunct="0">
-              <a:spcBef>
-                <a:spcPct val="0"/>
-              </a:spcBef>
-              <a:spcAft>
-                <a:spcPct val="0"/>
-              </a:spcAft>
-              <a:defRPr>
-                <a:solidFill>
-                  <a:schemeClr val="tx1"/>
-                </a:solidFill>
-                <a:latin typeface="Arial" panose="020B0604020202020204" pitchFamily="34" charset="0"/>
-              </a:defRPr>
-            </a:lvl1pPr>
-            <a:lvl2pPr eaLnBrk="0" fontAlgn="base" hangingPunct="0">
-              <a:spcBef>
-                <a:spcPct val="0"/>
-              </a:spcBef>
-              <a:spcAft>
-                <a:spcPct val="0"/>
-              </a:spcAft>
-              <a:defRPr>
-                <a:solidFill>
-                  <a:schemeClr val="tx1"/>
-                </a:solidFill>
-                <a:latin typeface="Arial" panose="020B0604020202020204" pitchFamily="34" charset="0"/>
-              </a:defRPr>
-            </a:lvl2pPr>
-            <a:lvl3pPr eaLnBrk="0" fontAlgn="base" hangingPunct="0">
-              <a:spcBef>
-                <a:spcPct val="0"/>
-              </a:spcBef>
-              <a:spcAft>
-                <a:spcPct val="0"/>
-              </a:spcAft>
-              <a:defRPr>
-                <a:solidFill>
-                  <a:schemeClr val="tx1"/>
-                </a:solidFill>
-                <a:latin typeface="Arial" panose="020B0604020202020204" pitchFamily="34" charset="0"/>
-              </a:defRPr>
-            </a:lvl3pPr>
-            <a:lvl4pPr eaLnBrk="0" fontAlgn="base" hangingPunct="0">
-              <a:spcBef>
-                <a:spcPct val="0"/>
-              </a:spcBef>
-              <a:spcAft>
-                <a:spcPct val="0"/>
-              </a:spcAft>
-              <a:defRPr>
-                <a:solidFill>
-                  <a:schemeClr val="tx1"/>
-                </a:solidFill>
-                <a:latin typeface="Arial" panose="020B0604020202020204" pitchFamily="34" charset="0"/>
-              </a:defRPr>
-            </a:lvl4pPr>
-            <a:lvl5pPr eaLnBrk="0" fontAlgn="base" hangingPunct="0">
-              <a:spcBef>
-                <a:spcPct val="0"/>
-              </a:spcBef>
-              <a:spcAft>
-                <a:spcPct val="0"/>
-              </a:spcAft>
-              <a:defRPr>
-                <a:solidFill>
-                  <a:schemeClr val="tx1"/>
-                </a:solidFill>
-                <a:latin typeface="Arial" panose="020B0604020202020204" pitchFamily="34" charset="0"/>
-              </a:defRPr>
-            </a:lvl5pPr>
-            <a:lvl6pPr eaLnBrk="0" fontAlgn="base" hangingPunct="0">
-              <a:spcBef>
-                <a:spcPct val="0"/>
-              </a:spcBef>
-              <a:spcAft>
-                <a:spcPct val="0"/>
-              </a:spcAft>
-              <a:defRPr>
-                <a:solidFill>
-                  <a:schemeClr val="tx1"/>
-                </a:solidFill>
-                <a:latin typeface="Arial" panose="020B0604020202020204" pitchFamily="34" charset="0"/>
-              </a:defRPr>
-            </a:lvl6pPr>
-            <a:lvl7pPr eaLnBrk="0" fontAlgn="base" hangingPunct="0">
-              <a:spcBef>
-                <a:spcPct val="0"/>
-              </a:spcBef>
-              <a:spcAft>
-                <a:spcPct val="0"/>
-              </a:spcAft>
-              <a:defRPr>
-                <a:solidFill>
-                  <a:schemeClr val="tx1"/>
-                </a:solidFill>
-                <a:latin typeface="Arial" panose="020B0604020202020204" pitchFamily="34" charset="0"/>
-              </a:defRPr>
-            </a:lvl7pPr>
-            <a:lvl8pPr eaLnBrk="0" fontAlgn="base" hangingPunct="0">
-              <a:spcBef>
-                <a:spcPct val="0"/>
-              </a:spcBef>
-              <a:spcAft>
-                <a:spcPct val="0"/>
-              </a:spcAft>
-              <a:defRPr>
-                <a:solidFill>
-                  <a:schemeClr val="tx1"/>
-                </a:solidFill>
-                <a:latin typeface="Arial" panose="020B0604020202020204" pitchFamily="34" charset="0"/>
-              </a:defRPr>
-            </a:lvl8pPr>
-            <a:lvl9pPr eaLnBrk="0" fontAlgn="base" hangingPunct="0">
-              <a:spcBef>
-                <a:spcPct val="0"/>
-              </a:spcBef>
-              <a:spcAft>
-                <a:spcPct val="0"/>
-              </a:spcAft>
-              <a:defRPr>
-                <a:solidFill>
-                  <a:schemeClr val="tx1"/>
-                </a:solidFill>
-                <a:latin typeface="Arial" panose="020B0604020202020204" pitchFamily="34" charset="0"/>
-              </a:defRPr>
-            </a:lvl9pPr>
-          </a:lstStyle>
-          <a:p>
-            <a:pPr marL="0" marR="0" lvl="0" indent="0" algn="l" defTabSz="914400" rtl="0" eaLnBrk="0" fontAlgn="base" latinLnBrk="0" hangingPunct="0">
-              <a:lnSpc>
-                <a:spcPct val="100000"/>
-              </a:lnSpc>
-              <a:spcBef>
-                <a:spcPct val="0"/>
-              </a:spcBef>
-              <a:spcAft>
-                <a:spcPct val="0"/>
-              </a:spcAft>
-              <a:buClrTx/>
-              <a:buSzTx/>
-              <a:buFontTx/>
-              <a:buNone/>
-              <a:tabLst/>
-            </a:pPr>
-            <a:endParaRPr kumimoji="0" lang="en-US" altLang="en-US" sz="1800" b="0" i="0" u="none" strike="noStrike" cap="none" normalizeH="0" baseline="0" dirty="0">
-              <a:ln>
-                <a:noFill/>
-              </a:ln>
-              <a:solidFill>
-                <a:schemeClr val="tx1"/>
-              </a:solidFill>
-              <a:effectLst/>
               <a:latin typeface="Arial" panose="020B0604020202020204" pitchFamily="34" charset="0"/>
             </a:endParaRPr>
           </a:p>
@@ -26312,7 +29546,7 @@
 </p:sld>
 </file>
 
-<file path=ppt/slides/slide7.xml><?xml version="1.0" encoding="utf-8"?>
+<file path=ppt/slides/slide9.xml><?xml version="1.0" encoding="utf-8"?>
 <p:sld xmlns:a="http://schemas.openxmlformats.org/drawingml/2006/main" xmlns:r="http://schemas.openxmlformats.org/officeDocument/2006/relationships" xmlns:p="http://schemas.openxmlformats.org/presentationml/2006/main">
   <p:cSld>
     <p:spTree>
@@ -26604,694 +29838,6 @@
     <p:extLst>
       <p:ext uri="{BB962C8B-B14F-4D97-AF65-F5344CB8AC3E}">
         <p14:creationId xmlns:p14="http://schemas.microsoft.com/office/powerpoint/2010/main" val="2650673644"/>
-      </p:ext>
-    </p:extLst>
-  </p:cSld>
-  <p:clrMapOvr>
-    <a:masterClrMapping/>
-  </p:clrMapOvr>
-  <p:transition>
-    <p:fade/>
-  </p:transition>
-</p:sld>
-</file>
-
-<file path=ppt/slides/slide8.xml><?xml version="1.0" encoding="utf-8"?>
-<p:sld xmlns:a="http://schemas.openxmlformats.org/drawingml/2006/main" xmlns:r="http://schemas.openxmlformats.org/officeDocument/2006/relationships" xmlns:p="http://schemas.openxmlformats.org/presentationml/2006/main">
-  <p:cSld>
-    <p:spTree>
-      <p:nvGrpSpPr>
-        <p:cNvPr id="1" name=""/>
-        <p:cNvGrpSpPr/>
-        <p:nvPr/>
-      </p:nvGrpSpPr>
-      <p:grpSpPr>
-        <a:xfrm>
-          <a:off x="0" y="0"/>
-          <a:ext cx="0" cy="0"/>
-          <a:chOff x="0" y="0"/>
-          <a:chExt cx="0" cy="0"/>
-        </a:xfrm>
-      </p:grpSpPr>
-      <p:sp>
-        <p:nvSpPr>
-          <p:cNvPr id="3" name="Title 2">
-            <a:extLst>
-              <a:ext uri="{FF2B5EF4-FFF2-40B4-BE49-F238E27FC236}">
-                <a16:creationId xmlns:a16="http://schemas.microsoft.com/office/drawing/2014/main" id="{DC13B999-CF6E-4E68-B99D-25F1FABDD7FB}"/>
-              </a:ext>
-            </a:extLst>
-          </p:cNvPr>
-          <p:cNvSpPr>
-            <a:spLocks noGrp="1"/>
-          </p:cNvSpPr>
-          <p:nvPr>
-            <p:ph type="title"/>
-          </p:nvPr>
-        </p:nvSpPr>
-        <p:spPr>
-          <a:xfrm>
-            <a:off x="376237" y="317499"/>
-            <a:ext cx="2830601" cy="513011"/>
-          </a:xfrm>
-        </p:spPr>
-        <p:txBody>
-          <a:bodyPr/>
-          <a:lstStyle/>
-          <a:p>
-            <a:r>
-              <a:rPr lang="en-US" sz="3200" dirty="0"/>
-              <a:t>Exceptions</a:t>
-            </a:r>
-          </a:p>
-        </p:txBody>
-      </p:sp>
-      <p:sp>
-        <p:nvSpPr>
-          <p:cNvPr id="6" name="Rectangle 5">
-            <a:extLst>
-              <a:ext uri="{FF2B5EF4-FFF2-40B4-BE49-F238E27FC236}">
-                <a16:creationId xmlns:a16="http://schemas.microsoft.com/office/drawing/2014/main" id="{85EAA296-A600-4A93-A5F0-9AD5074C79BB}"/>
-              </a:ext>
-            </a:extLst>
-          </p:cNvPr>
-          <p:cNvSpPr/>
-          <p:nvPr/>
-        </p:nvSpPr>
-        <p:spPr>
-          <a:xfrm>
-            <a:off x="376238" y="950616"/>
-            <a:ext cx="8356701" cy="923330"/>
-          </a:xfrm>
-          <a:prstGeom prst="rect">
-            <a:avLst/>
-          </a:prstGeom>
-        </p:spPr>
-        <p:txBody>
-          <a:bodyPr wrap="square">
-            <a:spAutoFit/>
-          </a:bodyPr>
-          <a:lstStyle/>
-          <a:p>
-            <a:r>
-              <a:rPr lang="en-US" dirty="0">
-                <a:latin typeface="Calibri" panose="020F0502020204030204" pitchFamily="34" charset="0"/>
-                <a:cs typeface="Calibri" panose="020F0502020204030204" pitchFamily="34" charset="0"/>
-              </a:rPr>
-              <a:t>An error that can occur in our program. If an exception occurs, the program will stop and we get an error message. The interactive prompt will display an error message and keep going.</a:t>
-            </a:r>
-          </a:p>
-        </p:txBody>
-      </p:sp>
-      <p:sp>
-        <p:nvSpPr>
-          <p:cNvPr id="8" name="Rectangle 7">
-            <a:extLst>
-              <a:ext uri="{FF2B5EF4-FFF2-40B4-BE49-F238E27FC236}">
-                <a16:creationId xmlns:a16="http://schemas.microsoft.com/office/drawing/2014/main" id="{2F09A52C-3313-4881-8AD0-ED41A3BE1A97}"/>
-              </a:ext>
-            </a:extLst>
-          </p:cNvPr>
-          <p:cNvSpPr/>
-          <p:nvPr/>
-        </p:nvSpPr>
-        <p:spPr>
-          <a:xfrm>
-            <a:off x="376237" y="4401293"/>
-            <a:ext cx="8356701" cy="2739211"/>
-          </a:xfrm>
-          <a:prstGeom prst="rect">
-            <a:avLst/>
-          </a:prstGeom>
-        </p:spPr>
-        <p:txBody>
-          <a:bodyPr wrap="square">
-            <a:spAutoFit/>
-          </a:bodyPr>
-          <a:lstStyle/>
-          <a:p>
-            <a:pPr marL="285750" lvl="0" indent="-285750" fontAlgn="base">
-              <a:spcBef>
-                <a:spcPct val="0"/>
-              </a:spcBef>
-              <a:spcAft>
-                <a:spcPct val="0"/>
-              </a:spcAft>
-              <a:buFont typeface="Arial" panose="020B0604020202020204" pitchFamily="34" charset="0"/>
-              <a:buChar char="•"/>
-            </a:pPr>
-            <a:r>
-              <a:rPr lang="en-US" altLang="en-US" dirty="0">
-                <a:latin typeface="Calibri" panose="020F0502020204030204" pitchFamily="34" charset="0"/>
-                <a:cs typeface="Calibri" panose="020F0502020204030204" pitchFamily="34" charset="0"/>
-              </a:rPr>
-              <a:t>Exceptions are classes and they can be used just like all other classes.</a:t>
-            </a:r>
-          </a:p>
-          <a:p>
-            <a:pPr marL="285750" lvl="0" indent="-285750" fontAlgn="base">
-              <a:spcBef>
-                <a:spcPct val="0"/>
-              </a:spcBef>
-              <a:spcAft>
-                <a:spcPct val="0"/>
-              </a:spcAft>
-              <a:buFont typeface="Arial" panose="020B0604020202020204" pitchFamily="34" charset="0"/>
-              <a:buChar char="•"/>
-            </a:pPr>
-            <a:r>
-              <a:rPr lang="en-US" altLang="en-US" dirty="0">
-                <a:latin typeface="Calibri" panose="020F0502020204030204" pitchFamily="34" charset="0"/>
-                <a:cs typeface="Calibri" panose="020F0502020204030204" pitchFamily="34" charset="0"/>
-              </a:rPr>
-              <a:t>The </a:t>
-            </a:r>
-            <a:r>
-              <a:rPr lang="en-US" altLang="en-US" i="1" dirty="0">
-                <a:latin typeface="Calibri" panose="020F0502020204030204" pitchFamily="34" charset="0"/>
-                <a:cs typeface="Calibri" panose="020F0502020204030204" pitchFamily="34" charset="0"/>
-              </a:rPr>
-              <a:t>try</a:t>
-            </a:r>
-            <a:r>
-              <a:rPr lang="en-US" altLang="en-US" dirty="0">
-                <a:latin typeface="Calibri" panose="020F0502020204030204" pitchFamily="34" charset="0"/>
-                <a:cs typeface="Calibri" panose="020F0502020204030204" pitchFamily="34" charset="0"/>
-              </a:rPr>
-              <a:t> and </a:t>
-            </a:r>
-            <a:r>
-              <a:rPr lang="en-US" altLang="en-US" i="1" dirty="0">
-                <a:latin typeface="Calibri" panose="020F0502020204030204" pitchFamily="34" charset="0"/>
-                <a:cs typeface="Calibri" panose="020F0502020204030204" pitchFamily="34" charset="0"/>
-              </a:rPr>
-              <a:t>except</a:t>
-            </a:r>
-            <a:r>
-              <a:rPr lang="en-US" altLang="en-US" dirty="0">
-                <a:latin typeface="Calibri" panose="020F0502020204030204" pitchFamily="34" charset="0"/>
-                <a:cs typeface="Calibri" panose="020F0502020204030204" pitchFamily="34" charset="0"/>
-              </a:rPr>
-              <a:t> keywords can be used for attempting to do something and then doing something else if we get an error. This is known as catching exceptions.</a:t>
-            </a:r>
-          </a:p>
-          <a:p>
-            <a:pPr marL="285750" lvl="0" indent="-285750" fontAlgn="base">
-              <a:spcBef>
-                <a:spcPct val="0"/>
-              </a:spcBef>
-              <a:spcAft>
-                <a:spcPct val="0"/>
-              </a:spcAft>
-              <a:buFont typeface="Arial" panose="020B0604020202020204" pitchFamily="34" charset="0"/>
-              <a:buChar char="•"/>
-            </a:pPr>
-            <a:r>
-              <a:rPr lang="en-US" altLang="en-US" dirty="0">
-                <a:latin typeface="Calibri" panose="020F0502020204030204" pitchFamily="34" charset="0"/>
-                <a:cs typeface="Calibri" panose="020F0502020204030204" pitchFamily="34" charset="0"/>
-              </a:rPr>
-              <a:t>It's possible to raise exceptions with the raise keyword. This is also known as throwing exceptions.</a:t>
-            </a:r>
-          </a:p>
-          <a:p>
-            <a:pPr marL="285750" lvl="0" indent="-285750" fontAlgn="base">
-              <a:spcBef>
-                <a:spcPct val="0"/>
-              </a:spcBef>
-              <a:spcAft>
-                <a:spcPct val="0"/>
-              </a:spcAft>
-              <a:buFont typeface="Arial" panose="020B0604020202020204" pitchFamily="34" charset="0"/>
-              <a:buChar char="•"/>
-            </a:pPr>
-            <a:r>
-              <a:rPr lang="en-US" altLang="en-US" dirty="0">
-                <a:latin typeface="Calibri" panose="020F0502020204030204" pitchFamily="34" charset="0"/>
-                <a:cs typeface="Calibri" panose="020F0502020204030204" pitchFamily="34" charset="0"/>
-              </a:rPr>
-              <a:t>Raise exceptions if they are meant to be displayed for programmers and use </a:t>
-            </a:r>
-            <a:r>
-              <a:rPr lang="en-US" altLang="en-US" dirty="0" err="1">
-                <a:latin typeface="Calibri" panose="020F0502020204030204" pitchFamily="34" charset="0"/>
-                <a:cs typeface="Calibri" panose="020F0502020204030204" pitchFamily="34" charset="0"/>
-              </a:rPr>
-              <a:t>sys.stderr</a:t>
-            </a:r>
-            <a:r>
-              <a:rPr lang="en-US" altLang="en-US" dirty="0">
-                <a:latin typeface="Calibri" panose="020F0502020204030204" pitchFamily="34" charset="0"/>
-                <a:cs typeface="Calibri" panose="020F0502020204030204" pitchFamily="34" charset="0"/>
-              </a:rPr>
-              <a:t> and </a:t>
-            </a:r>
-            <a:r>
-              <a:rPr lang="en-US" altLang="en-US" dirty="0" err="1">
-                <a:latin typeface="Calibri" panose="020F0502020204030204" pitchFamily="34" charset="0"/>
-                <a:cs typeface="Calibri" panose="020F0502020204030204" pitchFamily="34" charset="0"/>
-              </a:rPr>
-              <a:t>sys.exit</a:t>
-            </a:r>
-            <a:r>
-              <a:rPr lang="en-US" altLang="en-US" dirty="0">
-                <a:latin typeface="Calibri" panose="020F0502020204030204" pitchFamily="34" charset="0"/>
-                <a:cs typeface="Calibri" panose="020F0502020204030204" pitchFamily="34" charset="0"/>
-              </a:rPr>
-              <a:t> otherwise.</a:t>
-            </a:r>
-          </a:p>
-          <a:p>
-            <a:pPr lvl="0" eaLnBrk="0" fontAlgn="base" hangingPunct="0">
-              <a:spcBef>
-                <a:spcPct val="0"/>
-              </a:spcBef>
-              <a:spcAft>
-                <a:spcPct val="0"/>
-              </a:spcAft>
-            </a:pPr>
-            <a:endParaRPr lang="en-US" altLang="en-US" sz="2800" dirty="0">
-              <a:latin typeface="Arial" panose="020B0604020202020204" pitchFamily="34" charset="0"/>
-            </a:endParaRPr>
-          </a:p>
-          <a:p>
-            <a:pPr marL="285750" indent="-285750">
-              <a:buFont typeface="Arial" panose="020B0604020202020204" pitchFamily="34" charset="0"/>
-              <a:buChar char="•"/>
-            </a:pPr>
-            <a:endParaRPr lang="en-US" dirty="0">
-              <a:latin typeface="Calibri" panose="020F0502020204030204" pitchFamily="34" charset="0"/>
-              <a:cs typeface="Calibri" panose="020F0502020204030204" pitchFamily="34" charset="0"/>
-            </a:endParaRPr>
-          </a:p>
-        </p:txBody>
-      </p:sp>
-      <p:sp>
-        <p:nvSpPr>
-          <p:cNvPr id="9" name="Rectangle 8">
-            <a:extLst>
-              <a:ext uri="{FF2B5EF4-FFF2-40B4-BE49-F238E27FC236}">
-                <a16:creationId xmlns:a16="http://schemas.microsoft.com/office/drawing/2014/main" id="{57BF00C4-F69E-4EFE-B938-434539055209}"/>
-              </a:ext>
-            </a:extLst>
-          </p:cNvPr>
-          <p:cNvSpPr/>
-          <p:nvPr/>
-        </p:nvSpPr>
-        <p:spPr>
-          <a:xfrm>
-            <a:off x="5950162" y="2329661"/>
-            <a:ext cx="2640384" cy="923330"/>
-          </a:xfrm>
-          <a:prstGeom prst="rect">
-            <a:avLst/>
-          </a:prstGeom>
-          <a:noFill/>
-          <a:ln w="9525" cap="flat" cmpd="sng" algn="ctr">
-            <a:noFill/>
-            <a:prstDash val="dashDot"/>
-            <a:round/>
-            <a:headEnd type="none" w="med" len="med"/>
-            <a:tailEnd type="none" w="med" len="med"/>
-          </a:ln>
-        </p:spPr>
-        <p:style>
-          <a:lnRef idx="0">
-            <a:scrgbClr r="0" g="0" b="0"/>
-          </a:lnRef>
-          <a:fillRef idx="0">
-            <a:scrgbClr r="0" g="0" b="0"/>
-          </a:fillRef>
-          <a:effectRef idx="0">
-            <a:scrgbClr r="0" g="0" b="0"/>
-          </a:effectRef>
-          <a:fontRef idx="minor">
-            <a:schemeClr val="accent1"/>
-          </a:fontRef>
-        </p:style>
-        <p:txBody>
-          <a:bodyPr wrap="square">
-            <a:spAutoFit/>
-          </a:bodyPr>
-          <a:lstStyle/>
-          <a:p>
-            <a:pPr marL="285750" indent="-285750">
-              <a:buFont typeface="Arial" panose="020B0604020202020204" pitchFamily="34" charset="0"/>
-              <a:buChar char="•"/>
-            </a:pPr>
-            <a:r>
-              <a:rPr lang="en-US" dirty="0">
-                <a:latin typeface="Calibri" panose="020F0502020204030204" pitchFamily="34" charset="0"/>
-                <a:cs typeface="Calibri" panose="020F0502020204030204" pitchFamily="34" charset="0"/>
-              </a:rPr>
-              <a:t>try</a:t>
-            </a:r>
-          </a:p>
-          <a:p>
-            <a:pPr marL="285750" indent="-285750">
-              <a:buFont typeface="Arial" panose="020B0604020202020204" pitchFamily="34" charset="0"/>
-              <a:buChar char="•"/>
-            </a:pPr>
-            <a:r>
-              <a:rPr lang="en-US" dirty="0">
-                <a:latin typeface="Calibri" panose="020F0502020204030204" pitchFamily="34" charset="0"/>
-                <a:cs typeface="Calibri" panose="020F0502020204030204" pitchFamily="34" charset="0"/>
-              </a:rPr>
-              <a:t>except</a:t>
-            </a:r>
-          </a:p>
-          <a:p>
-            <a:pPr marL="285750" indent="-285750">
-              <a:buFont typeface="Arial" panose="020B0604020202020204" pitchFamily="34" charset="0"/>
-              <a:buChar char="•"/>
-            </a:pPr>
-            <a:endParaRPr lang="en-US" dirty="0">
-              <a:latin typeface="Calibri" panose="020F0502020204030204" pitchFamily="34" charset="0"/>
-              <a:cs typeface="Calibri" panose="020F0502020204030204" pitchFamily="34" charset="0"/>
-            </a:endParaRPr>
-          </a:p>
-        </p:txBody>
-      </p:sp>
-      <p:pic>
-        <p:nvPicPr>
-          <p:cNvPr id="2" name="Picture 1">
-            <a:extLst>
-              <a:ext uri="{FF2B5EF4-FFF2-40B4-BE49-F238E27FC236}">
-                <a16:creationId xmlns:a16="http://schemas.microsoft.com/office/drawing/2014/main" id="{C3952D8C-63B3-4327-87A7-9D7570F36573}"/>
-              </a:ext>
-            </a:extLst>
-          </p:cNvPr>
-          <p:cNvPicPr>
-            <a:picLocks noChangeAspect="1"/>
-          </p:cNvPicPr>
-          <p:nvPr/>
-        </p:nvPicPr>
-        <p:blipFill>
-          <a:blip r:embed="rId3"/>
-          <a:stretch>
-            <a:fillRect/>
-          </a:stretch>
-        </p:blipFill>
-        <p:spPr>
-          <a:xfrm>
-            <a:off x="909550" y="2468250"/>
-            <a:ext cx="4371975" cy="1200150"/>
-          </a:xfrm>
-          <a:prstGeom prst="rect">
-            <a:avLst/>
-          </a:prstGeom>
-        </p:spPr>
-      </p:pic>
-      <p:sp>
-        <p:nvSpPr>
-          <p:cNvPr id="5" name="Rectangle 2">
-            <a:extLst>
-              <a:ext uri="{FF2B5EF4-FFF2-40B4-BE49-F238E27FC236}">
-                <a16:creationId xmlns:a16="http://schemas.microsoft.com/office/drawing/2014/main" id="{18841970-4E0A-4337-8587-9A7B0337CBDD}"/>
-              </a:ext>
-            </a:extLst>
-          </p:cNvPr>
-          <p:cNvSpPr>
-            <a:spLocks noChangeArrowheads="1"/>
-          </p:cNvSpPr>
-          <p:nvPr/>
-        </p:nvSpPr>
-        <p:spPr bwMode="auto">
-          <a:xfrm>
-            <a:off x="0" y="-138499"/>
-            <a:ext cx="65" cy="276999"/>
-          </a:xfrm>
-          <a:prstGeom prst="rect">
-            <a:avLst/>
-          </a:prstGeom>
-          <a:solidFill>
-            <a:srgbClr val="FFFFFF"/>
-          </a:solidFill>
-          <a:ln>
-            <a:noFill/>
-          </a:ln>
-          <a:effectLst/>
-          <a:extLst>
-            <a:ext uri="{91240B29-F687-4F45-9708-019B960494DF}">
-              <a14:hiddenLine xmlns:a14="http://schemas.microsoft.com/office/drawing/2010/main" w="9525">
-                <a:solidFill>
-                  <a:schemeClr val="tx1"/>
-                </a:solidFill>
-                <a:miter lim="800000"/>
-                <a:headEnd/>
-                <a:tailEnd/>
-              </a14:hiddenLine>
-            </a:ext>
-            <a:ext uri="{AF507438-7753-43E0-B8FC-AC1667EBCBE1}">
-              <a14:hiddenEffects xmlns:a14="http://schemas.microsoft.com/office/drawing/2010/main">
-                <a:effectLst>
-                  <a:outerShdw dist="35921" dir="2700000" algn="ctr" rotWithShape="0">
-                    <a:schemeClr val="bg2"/>
-                  </a:outerShdw>
-                </a:effectLst>
-              </a14:hiddenEffects>
-            </a:ext>
-          </a:extLst>
-        </p:spPr>
-        <p:txBody>
-          <a:bodyPr vert="horz" wrap="none" lIns="0" tIns="0" rIns="0" bIns="0" numCol="1" anchor="ctr" anchorCtr="0" compatLnSpc="1">
-            <a:prstTxWarp prst="textNoShape">
-              <a:avLst/>
-            </a:prstTxWarp>
-            <a:spAutoFit/>
-          </a:bodyPr>
-          <a:lstStyle/>
-          <a:p>
-            <a:pPr marL="0" marR="0" lvl="0" indent="0" algn="l" defTabSz="914400" rtl="0" eaLnBrk="0" fontAlgn="base" latinLnBrk="0" hangingPunct="0">
-              <a:lnSpc>
-                <a:spcPct val="100000"/>
-              </a:lnSpc>
-              <a:spcBef>
-                <a:spcPct val="0"/>
-              </a:spcBef>
-              <a:spcAft>
-                <a:spcPct val="0"/>
-              </a:spcAft>
-              <a:buClrTx/>
-              <a:buSzTx/>
-              <a:buFontTx/>
-              <a:buNone/>
-              <a:tabLst/>
-            </a:pPr>
-            <a:endParaRPr kumimoji="0" lang="en-US" altLang="en-US" sz="1800" b="0" i="0" u="none" strike="noStrike" cap="none" normalizeH="0" baseline="0" dirty="0">
-              <a:ln>
-                <a:noFill/>
-              </a:ln>
-              <a:solidFill>
-                <a:schemeClr val="tx1"/>
-              </a:solidFill>
-              <a:effectLst/>
-              <a:latin typeface="Arial" panose="020B0604020202020204" pitchFamily="34" charset="0"/>
-            </a:endParaRPr>
-          </a:p>
-        </p:txBody>
-      </p:sp>
-    </p:spTree>
-    <p:extLst>
-      <p:ext uri="{BB962C8B-B14F-4D97-AF65-F5344CB8AC3E}">
-        <p14:creationId xmlns:p14="http://schemas.microsoft.com/office/powerpoint/2010/main" val="305879614"/>
-      </p:ext>
-    </p:extLst>
-  </p:cSld>
-  <p:clrMapOvr>
-    <a:masterClrMapping/>
-  </p:clrMapOvr>
-  <p:transition>
-    <p:fade/>
-  </p:transition>
-</p:sld>
-</file>
-
-<file path=ppt/slides/slide9.xml><?xml version="1.0" encoding="utf-8"?>
-<p:sld xmlns:a="http://schemas.openxmlformats.org/drawingml/2006/main" xmlns:r="http://schemas.openxmlformats.org/officeDocument/2006/relationships" xmlns:p="http://schemas.openxmlformats.org/presentationml/2006/main">
-  <p:cSld>
-    <p:spTree>
-      <p:nvGrpSpPr>
-        <p:cNvPr id="1" name=""/>
-        <p:cNvGrpSpPr/>
-        <p:nvPr/>
-      </p:nvGrpSpPr>
-      <p:grpSpPr>
-        <a:xfrm>
-          <a:off x="0" y="0"/>
-          <a:ext cx="0" cy="0"/>
-          <a:chOff x="0" y="0"/>
-          <a:chExt cx="0" cy="0"/>
-        </a:xfrm>
-      </p:grpSpPr>
-      <p:sp>
-        <p:nvSpPr>
-          <p:cNvPr id="3" name="Title 2">
-            <a:extLst>
-              <a:ext uri="{FF2B5EF4-FFF2-40B4-BE49-F238E27FC236}">
-                <a16:creationId xmlns:a16="http://schemas.microsoft.com/office/drawing/2014/main" id="{DC13B999-CF6E-4E68-B99D-25F1FABDD7FB}"/>
-              </a:ext>
-            </a:extLst>
-          </p:cNvPr>
-          <p:cNvSpPr>
-            <a:spLocks noGrp="1"/>
-          </p:cNvSpPr>
-          <p:nvPr>
-            <p:ph type="title"/>
-          </p:nvPr>
-        </p:nvSpPr>
-        <p:spPr>
-          <a:xfrm>
-            <a:off x="376238" y="317499"/>
-            <a:ext cx="2257906" cy="513011"/>
-          </a:xfrm>
-        </p:spPr>
-        <p:txBody>
-          <a:bodyPr/>
-          <a:lstStyle/>
-          <a:p>
-            <a:r>
-              <a:rPr lang="en-US" sz="3200" dirty="0"/>
-              <a:t>Docstrings</a:t>
-            </a:r>
-          </a:p>
-        </p:txBody>
-      </p:sp>
-      <p:sp>
-        <p:nvSpPr>
-          <p:cNvPr id="6" name="Rectangle 5">
-            <a:extLst>
-              <a:ext uri="{FF2B5EF4-FFF2-40B4-BE49-F238E27FC236}">
-                <a16:creationId xmlns:a16="http://schemas.microsoft.com/office/drawing/2014/main" id="{85EAA296-A600-4A93-A5F0-9AD5074C79BB}"/>
-              </a:ext>
-            </a:extLst>
-          </p:cNvPr>
-          <p:cNvSpPr/>
-          <p:nvPr/>
-        </p:nvSpPr>
-        <p:spPr>
-          <a:xfrm>
-            <a:off x="376238" y="950616"/>
-            <a:ext cx="8356701" cy="646331"/>
-          </a:xfrm>
-          <a:prstGeom prst="rect">
-            <a:avLst/>
-          </a:prstGeom>
-        </p:spPr>
-        <p:txBody>
-          <a:bodyPr wrap="square">
-            <a:spAutoFit/>
-          </a:bodyPr>
-          <a:lstStyle/>
-          <a:p>
-            <a:r>
-              <a:rPr lang="en-US" dirty="0">
-                <a:latin typeface="Calibri" panose="020F0502020204030204" pitchFamily="34" charset="0"/>
-                <a:cs typeface="Calibri" panose="020F0502020204030204" pitchFamily="34" charset="0"/>
-              </a:rPr>
-              <a:t>Python documentation strings (or docstrings) provide a convenient way of associating documentation with Python modules, functions, classes, and methods.</a:t>
-            </a:r>
-          </a:p>
-        </p:txBody>
-      </p:sp>
-      <p:pic>
-        <p:nvPicPr>
-          <p:cNvPr id="7" name="Picture 6">
-            <a:extLst>
-              <a:ext uri="{FF2B5EF4-FFF2-40B4-BE49-F238E27FC236}">
-                <a16:creationId xmlns:a16="http://schemas.microsoft.com/office/drawing/2014/main" id="{44FD894D-D4DD-400A-8809-FEB8FFA70FC7}"/>
-              </a:ext>
-            </a:extLst>
-          </p:cNvPr>
-          <p:cNvPicPr>
-            <a:picLocks noChangeAspect="1"/>
-          </p:cNvPicPr>
-          <p:nvPr/>
-        </p:nvPicPr>
-        <p:blipFill>
-          <a:blip r:embed="rId2"/>
-          <a:stretch>
-            <a:fillRect/>
-          </a:stretch>
-        </p:blipFill>
-        <p:spPr>
-          <a:xfrm>
-            <a:off x="756005" y="1953900"/>
-            <a:ext cx="6915150" cy="2228850"/>
-          </a:xfrm>
-          <a:prstGeom prst="rect">
-            <a:avLst/>
-          </a:prstGeom>
-        </p:spPr>
-      </p:pic>
-      <p:sp>
-        <p:nvSpPr>
-          <p:cNvPr id="8" name="Rectangle 7">
-            <a:extLst>
-              <a:ext uri="{FF2B5EF4-FFF2-40B4-BE49-F238E27FC236}">
-                <a16:creationId xmlns:a16="http://schemas.microsoft.com/office/drawing/2014/main" id="{2F09A52C-3313-4881-8AD0-ED41A3BE1A97}"/>
-              </a:ext>
-            </a:extLst>
-          </p:cNvPr>
-          <p:cNvSpPr/>
-          <p:nvPr/>
-        </p:nvSpPr>
-        <p:spPr>
-          <a:xfrm>
-            <a:off x="376238" y="4539703"/>
-            <a:ext cx="7674684" cy="1015663"/>
-          </a:xfrm>
-          <a:prstGeom prst="rect">
-            <a:avLst/>
-          </a:prstGeom>
-        </p:spPr>
-        <p:txBody>
-          <a:bodyPr wrap="square">
-            <a:spAutoFit/>
-          </a:bodyPr>
-          <a:lstStyle/>
-          <a:p>
-            <a:pPr marL="285750" indent="-285750">
-              <a:buFont typeface="Arial" panose="020B0604020202020204" pitchFamily="34" charset="0"/>
-              <a:buChar char="•"/>
-            </a:pPr>
-            <a:r>
-              <a:rPr lang="en-US" dirty="0">
-                <a:latin typeface="Calibri" panose="020F0502020204030204" pitchFamily="34" charset="0"/>
-                <a:cs typeface="Calibri" panose="020F0502020204030204" pitchFamily="34" charset="0"/>
-              </a:rPr>
-              <a:t>Docstrings are quite helpful when writing code that other people will import.</a:t>
-            </a:r>
-          </a:p>
-          <a:p>
-            <a:pPr marL="285750" indent="-285750">
-              <a:buFont typeface="Arial" panose="020B0604020202020204" pitchFamily="34" charset="0"/>
-              <a:buChar char="•"/>
-            </a:pPr>
-            <a:endParaRPr lang="en-US" sz="600" dirty="0">
-              <a:latin typeface="Calibri" panose="020F0502020204030204" pitchFamily="34" charset="0"/>
-              <a:cs typeface="Calibri" panose="020F0502020204030204" pitchFamily="34" charset="0"/>
-            </a:endParaRPr>
-          </a:p>
-          <a:p>
-            <a:pPr marL="285750" indent="-285750">
-              <a:buFont typeface="Arial" panose="020B0604020202020204" pitchFamily="34" charset="0"/>
-              <a:buChar char="•"/>
-            </a:pPr>
-            <a:r>
-              <a:rPr lang="en-US" dirty="0">
-                <a:latin typeface="Calibri" panose="020F0502020204030204" pitchFamily="34" charset="0"/>
-                <a:cs typeface="Calibri" panose="020F0502020204030204" pitchFamily="34" charset="0"/>
-              </a:rPr>
-              <a:t>Helps other people reading your code in understanding the purpose it, without having to read through all of the code.</a:t>
-            </a:r>
-          </a:p>
-        </p:txBody>
-      </p:sp>
-    </p:spTree>
-    <p:extLst>
-      <p:ext uri="{BB962C8B-B14F-4D97-AF65-F5344CB8AC3E}">
-        <p14:creationId xmlns:p14="http://schemas.microsoft.com/office/powerpoint/2010/main" val="1600439655"/>
       </p:ext>
     </p:extLst>
   </p:cSld>
